--- a/Presentatie/Concept Fase.pptx
+++ b/Presentatie/Concept Fase.pptx
@@ -2,7 +2,7 @@
 <file path=ppt/presentation.xml><?xml version="1.0" encoding="utf-8"?>
 <p:presentation xmlns:a="http://schemas.openxmlformats.org/drawingml/2006/main" xmlns:r="http://schemas.openxmlformats.org/officeDocument/2006/relationships" xmlns:p="http://schemas.openxmlformats.org/presentationml/2006/main" autoCompressPictures="0">
   <p:sldMasterIdLst>
-    <p:sldMasterId id="2147483648" r:id="rId1"/>
+    <p:sldMasterId id="2147483705" r:id="rId1"/>
   </p:sldMasterIdLst>
   <p:sldIdLst>
     <p:sldId id="256" r:id="rId2"/>
@@ -112,17 +112,17 @@
       </a:defRPr>
     </a:lvl9pPr>
   </p:defaultTextStyle>
+  <p:extLst>
+    <p:ext uri="{EFAFB233-063F-42B5-8137-9DF3F51BA10A}">
+      <p15:sldGuideLst xmlns:p15="http://schemas.microsoft.com/office/powerpoint/2012/main"/>
+    </p:ext>
+  </p:extLst>
 </p:presentation>
 </file>
 
 <file path=ppt/slideLayouts/slideLayout1.xml><?xml version="1.0" encoding="utf-8"?>
 <p:sldLayout xmlns:a="http://schemas.openxmlformats.org/drawingml/2006/main" xmlns:r="http://schemas.openxmlformats.org/officeDocument/2006/relationships" xmlns:p="http://schemas.openxmlformats.org/presentationml/2006/main" type="title" preserve="1">
   <p:cSld name="Titeldia">
-    <p:bg>
-      <p:bgRef idx="1003">
-        <a:schemeClr val="bg2"/>
-      </p:bgRef>
-    </p:bg>
     <p:spTree>
       <p:nvGrpSpPr>
         <p:cNvPr id="1" name=""/>
@@ -137,36 +137,110 @@
           <a:chExt cx="0" cy="0"/>
         </a:xfrm>
       </p:grpSpPr>
-      <p:pic>
-        <p:nvPicPr>
-          <p:cNvPr id="7" name="Picture 6" descr="Celestia-R1---OverlayTitleHD.png"/>
-          <p:cNvPicPr>
-            <a:picLocks noChangeAspect="1"/>
-          </p:cNvPicPr>
+      <p:sp>
+        <p:nvSpPr>
+          <p:cNvPr id="11" name="Freeform 6"/>
+          <p:cNvSpPr/>
           <p:nvPr/>
-        </p:nvPicPr>
-        <p:blipFill>
-          <a:blip r:embed="rId2">
-            <a:extLst>
-              <a:ext uri="{28A0092B-C50C-407E-A947-70E740481C1C}">
-                <a14:useLocalDpi xmlns:a14="http://schemas.microsoft.com/office/drawing/2010/main" val="0"/>
-              </a:ext>
-            </a:extLst>
-          </a:blip>
-          <a:stretch>
-            <a:fillRect/>
-          </a:stretch>
-        </p:blipFill>
-        <p:spPr>
+        </p:nvSpPr>
+        <p:spPr bwMode="auto">
           <a:xfrm>
-            <a:off x="0" y="0"/>
-            <a:ext cx="12188825" cy="6856214"/>
+            <a:off x="0" y="-3175"/>
+            <a:ext cx="12192000" cy="5203825"/>
           </a:xfrm>
-          <a:prstGeom prst="rect">
+          <a:custGeom>
             <a:avLst/>
-          </a:prstGeom>
+            <a:gdLst/>
+            <a:ahLst/>
+            <a:cxnLst/>
+            <a:rect l="0" t="0" r="r" b="b"/>
+            <a:pathLst>
+              <a:path w="5760" h="3278">
+                <a:moveTo>
+                  <a:pt x="5760" y="0"/>
+                </a:moveTo>
+                <a:lnTo>
+                  <a:pt x="0" y="0"/>
+                </a:lnTo>
+                <a:lnTo>
+                  <a:pt x="0" y="3090"/>
+                </a:lnTo>
+                <a:lnTo>
+                  <a:pt x="943" y="3090"/>
+                </a:lnTo>
+                <a:lnTo>
+                  <a:pt x="1123" y="3270"/>
+                </a:lnTo>
+                <a:lnTo>
+                  <a:pt x="1123" y="3270"/>
+                </a:lnTo>
+                <a:lnTo>
+                  <a:pt x="1127" y="3272"/>
+                </a:lnTo>
+                <a:lnTo>
+                  <a:pt x="1133" y="3275"/>
+                </a:lnTo>
+                <a:lnTo>
+                  <a:pt x="1139" y="3278"/>
+                </a:lnTo>
+                <a:lnTo>
+                  <a:pt x="1144" y="3278"/>
+                </a:lnTo>
+                <a:lnTo>
+                  <a:pt x="1150" y="3278"/>
+                </a:lnTo>
+                <a:lnTo>
+                  <a:pt x="1155" y="3275"/>
+                </a:lnTo>
+                <a:lnTo>
+                  <a:pt x="1161" y="3272"/>
+                </a:lnTo>
+                <a:lnTo>
+                  <a:pt x="1165" y="3270"/>
+                </a:lnTo>
+                <a:lnTo>
+                  <a:pt x="1345" y="3090"/>
+                </a:lnTo>
+                <a:lnTo>
+                  <a:pt x="5760" y="3090"/>
+                </a:lnTo>
+                <a:lnTo>
+                  <a:pt x="5760" y="0"/>
+                </a:lnTo>
+                <a:close/>
+              </a:path>
+            </a:pathLst>
+          </a:custGeom>
+          <a:ln/>
+          <a:effectLst/>
+          <a:extLst>
+            <a:ext uri="{91240B29-F687-4f45-9708-019B960494DF}">
+              <a14:hiddenLine xmlns:a14="http://schemas.microsoft.com/office/drawing/2010/main" xmlns="" w="9525">
+                <a:solidFill>
+                  <a:srgbClr val="000000"/>
+                </a:solidFill>
+                <a:round/>
+                <a:headEnd/>
+                <a:tailEnd/>
+              </a14:hiddenLine>
+            </a:ext>
+          </a:extLst>
         </p:spPr>
-      </p:pic>
+        <p:style>
+          <a:lnRef idx="1">
+            <a:schemeClr val="accent1"/>
+          </a:lnRef>
+          <a:fillRef idx="3">
+            <a:schemeClr val="accent1"/>
+          </a:fillRef>
+          <a:effectRef idx="2">
+            <a:schemeClr val="accent1"/>
+          </a:effectRef>
+          <a:fontRef idx="minor">
+            <a:schemeClr val="lt1"/>
+          </a:fontRef>
+        </p:style>
+      </p:sp>
       <p:sp>
         <p:nvSpPr>
           <p:cNvPr id="2" name="Title 1"/>
@@ -179,19 +253,15 @@
         </p:nvSpPr>
         <p:spPr>
           <a:xfrm>
-            <a:off x="3962399" y="1964267"/>
-            <a:ext cx="7197726" cy="2421464"/>
+            <a:off x="810001" y="1449147"/>
+            <a:ext cx="10572000" cy="2971051"/>
           </a:xfrm>
         </p:spPr>
         <p:txBody>
-          <a:bodyPr anchor="b">
-            <a:normAutofit/>
-          </a:bodyPr>
+          <a:bodyPr/>
           <a:lstStyle>
-            <a:lvl1pPr algn="r">
-              <a:defRPr sz="4800">
-                <a:effectLst/>
-              </a:defRPr>
+            <a:lvl1pPr>
+              <a:defRPr sz="5400"/>
             </a:lvl1pPr>
           </a:lstStyle>
           <a:p>
@@ -215,18 +285,16 @@
         </p:nvSpPr>
         <p:spPr>
           <a:xfrm>
-            <a:off x="3962399" y="4385732"/>
-            <a:ext cx="7197726" cy="1405467"/>
+            <a:off x="810001" y="5280847"/>
+            <a:ext cx="10572000" cy="434974"/>
           </a:xfrm>
         </p:spPr>
         <p:txBody>
-          <a:bodyPr anchor="t">
-            <a:normAutofit/>
-          </a:bodyPr>
+          <a:bodyPr anchor="t"/>
           <a:lstStyle>
-            <a:lvl1pPr marL="0" indent="0" algn="r">
+            <a:lvl1pPr marL="0" indent="0" algn="l">
               <a:buNone/>
-              <a:defRPr sz="1800" cap="all">
+              <a:defRPr>
                 <a:solidFill>
                   <a:schemeClr val="tx1"/>
                 </a:solidFill>
@@ -332,20 +400,15 @@
             <p:ph type="dt" sz="half" idx="10"/>
           </p:nvPr>
         </p:nvSpPr>
-        <p:spPr>
-          <a:xfrm>
-            <a:off x="8932558" y="5870575"/>
-            <a:ext cx="1600200" cy="377825"/>
-          </a:xfrm>
-        </p:spPr>
+        <p:spPr/>
         <p:txBody>
           <a:bodyPr/>
           <a:lstStyle/>
           <a:p>
             <a:fld id="{B61BEF0D-F0BB-DE4B-95CE-6DB70DBA9567}" type="datetimeFigureOut">
-              <a:rPr lang="en-US" dirty="0"/>
+              <a:rPr lang="en-US" smtClean="0"/>
               <a:pPr/>
-              <a:t>2/10/2016</a:t>
+              <a:t>2/12/2016</a:t>
             </a:fld>
             <a:endParaRPr lang="en-US" dirty="0"/>
           </a:p>
@@ -361,12 +424,7 @@
             <p:ph type="ftr" sz="quarter" idx="11"/>
           </p:nvPr>
         </p:nvSpPr>
-        <p:spPr>
-          <a:xfrm>
-            <a:off x="3962399" y="5870575"/>
-            <a:ext cx="4893958" cy="377825"/>
-          </a:xfrm>
-        </p:spPr>
+        <p:spPr/>
         <p:txBody>
           <a:bodyPr/>
           <a:lstStyle/>
@@ -385,18 +443,13 @@
             <p:ph type="sldNum" sz="quarter" idx="12"/>
           </p:nvPr>
         </p:nvSpPr>
-        <p:spPr>
-          <a:xfrm>
-            <a:off x="10608958" y="5870575"/>
-            <a:ext cx="551167" cy="377825"/>
-          </a:xfrm>
-        </p:spPr>
+        <p:spPr/>
         <p:txBody>
           <a:bodyPr/>
           <a:lstStyle/>
           <a:p>
             <a:fld id="{D57F1E4F-1CFF-5643-939E-217C01CDF565}" type="slidenum">
-              <a:rPr lang="en-US" dirty="0"/>
+              <a:rPr lang="en-US" smtClean="0"/>
               <a:pPr/>
               <a:t>‹nr.›</a:t>
             </a:fld>
@@ -405,9 +458,14 @@
         </p:txBody>
       </p:sp>
     </p:spTree>
+    <p:extLst>
+      <p:ext uri="{BB962C8B-B14F-4D97-AF65-F5344CB8AC3E}">
+        <p14:creationId xmlns:p14="http://schemas.microsoft.com/office/powerpoint/2010/main" val="3197378900"/>
+      </p:ext>
+    </p:extLst>
   </p:cSld>
   <p:clrMapOvr>
-    <a:overrideClrMapping bg1="dk1" tx1="lt1" bg2="dk2" tx2="lt2" accent1="accent1" accent2="accent2" accent3="accent3" accent4="accent4" accent5="accent5" accent6="accent6" hlink="hlink" folHlink="folHlink"/>
+    <a:masterClrMapping/>
   </p:clrMapOvr>
 </p:sldLayout>
 </file>
@@ -429,36 +487,6 @@
           <a:chExt cx="0" cy="0"/>
         </a:xfrm>
       </p:grpSpPr>
-      <p:pic>
-        <p:nvPicPr>
-          <p:cNvPr id="8" name="Picture 7" descr="Celestia-R1---OverlayContentHD.png"/>
-          <p:cNvPicPr>
-            <a:picLocks noChangeAspect="1"/>
-          </p:cNvPicPr>
-          <p:nvPr/>
-        </p:nvPicPr>
-        <p:blipFill>
-          <a:blip r:embed="rId2">
-            <a:extLst>
-              <a:ext uri="{28A0092B-C50C-407E-A947-70E740481C1C}">
-                <a14:useLocalDpi xmlns:a14="http://schemas.microsoft.com/office/drawing/2010/main" val="0"/>
-              </a:ext>
-            </a:extLst>
-          </a:blip>
-          <a:stretch>
-            <a:fillRect/>
-          </a:stretch>
-        </p:blipFill>
-        <p:spPr>
-          <a:xfrm>
-            <a:off x="0" y="0"/>
-            <a:ext cx="12188825" cy="6856214"/>
-          </a:xfrm>
-          <a:prstGeom prst="rect">
-            <a:avLst/>
-          </a:prstGeom>
-        </p:spPr>
-      </p:pic>
       <p:sp>
         <p:nvSpPr>
           <p:cNvPr id="2" name="Title 1"/>
@@ -471,8 +499,8 @@
         </p:nvSpPr>
         <p:spPr>
           <a:xfrm>
-            <a:off x="685800" y="4732865"/>
-            <a:ext cx="10131427" cy="566738"/>
+            <a:off x="810000" y="4800600"/>
+            <a:ext cx="10561418" cy="566738"/>
           </a:xfrm>
         </p:spPr>
         <p:txBody>
@@ -495,92 +523,116 @@
       </p:sp>
       <p:sp>
         <p:nvSpPr>
-          <p:cNvPr id="3" name="Picture Placeholder 2"/>
+          <p:cNvPr id="15" name="Picture Placeholder 14"/>
           <p:cNvSpPr>
             <a:spLocks noGrp="1" noChangeAspect="1"/>
           </p:cNvSpPr>
           <p:nvPr>
-            <p:ph type="pic" idx="1"/>
+            <p:ph type="pic" sz="quarter" idx="13"/>
           </p:nvPr>
         </p:nvSpPr>
-        <p:spPr>
+        <p:spPr bwMode="auto">
           <a:xfrm>
-            <a:off x="1371600" y="932112"/>
-            <a:ext cx="8759827" cy="3164976"/>
+            <a:off x="0" y="0"/>
+            <a:ext cx="12192000" cy="4800600"/>
           </a:xfrm>
-          <a:prstGeom prst="roundRect">
-            <a:avLst>
-              <a:gd name="adj" fmla="val 4380"/>
-            </a:avLst>
-          </a:prstGeom>
-          <a:ln w="50800" cap="sq" cmpd="dbl">
-            <a:gradFill flip="none" rotWithShape="1">
-              <a:gsLst>
-                <a:gs pos="0">
-                  <a:srgbClr val="FFFFFF"/>
-                </a:gs>
-                <a:gs pos="100000">
-                  <a:schemeClr val="tx1">
-                    <a:alpha val="0"/>
-                  </a:schemeClr>
-                </a:gs>
-              </a:gsLst>
-              <a:path path="circle">
-                <a:fillToRect l="50000" t="50000" r="50000" b="50000"/>
+          <a:custGeom>
+            <a:avLst/>
+            <a:gdLst/>
+            <a:ahLst/>
+            <a:cxnLst/>
+            <a:rect l="0" t="0" r="r" b="b"/>
+            <a:pathLst>
+              <a:path w="5760" h="3289">
+                <a:moveTo>
+                  <a:pt x="5760" y="0"/>
+                </a:moveTo>
+                <a:lnTo>
+                  <a:pt x="0" y="0"/>
+                </a:lnTo>
+                <a:lnTo>
+                  <a:pt x="0" y="3100"/>
+                </a:lnTo>
+                <a:lnTo>
+                  <a:pt x="943" y="3100"/>
+                </a:lnTo>
+                <a:lnTo>
+                  <a:pt x="1123" y="3281"/>
+                </a:lnTo>
+                <a:lnTo>
+                  <a:pt x="1123" y="3281"/>
+                </a:lnTo>
+                <a:lnTo>
+                  <a:pt x="1127" y="3283"/>
+                </a:lnTo>
+                <a:lnTo>
+                  <a:pt x="1133" y="3286"/>
+                </a:lnTo>
+                <a:lnTo>
+                  <a:pt x="1139" y="3289"/>
+                </a:lnTo>
+                <a:lnTo>
+                  <a:pt x="1144" y="3289"/>
+                </a:lnTo>
+                <a:lnTo>
+                  <a:pt x="1150" y="3289"/>
+                </a:lnTo>
+                <a:lnTo>
+                  <a:pt x="1155" y="3286"/>
+                </a:lnTo>
+                <a:lnTo>
+                  <a:pt x="1161" y="3283"/>
+                </a:lnTo>
+                <a:lnTo>
+                  <a:pt x="1165" y="3281"/>
+                </a:lnTo>
+                <a:lnTo>
+                  <a:pt x="1345" y="3100"/>
+                </a:lnTo>
+                <a:lnTo>
+                  <a:pt x="5760" y="3100"/>
+                </a:lnTo>
+                <a:lnTo>
+                  <a:pt x="5760" y="0"/>
+                </a:lnTo>
+                <a:close/>
               </a:path>
-              <a:tileRect/>
-            </a:gradFill>
-            <a:miter lim="800000"/>
+            </a:pathLst>
+          </a:custGeom>
+          <a:noFill/>
+          <a:ln>
+            <a:solidFill>
+              <a:schemeClr val="tx2"/>
+            </a:solidFill>
           </a:ln>
-          <a:effectLst>
-            <a:outerShdw blurRad="254000" algn="tl" rotWithShape="0">
-              <a:srgbClr val="000000">
-                <a:alpha val="43000"/>
-              </a:srgbClr>
-            </a:outerShdw>
-          </a:effectLst>
         </p:spPr>
+        <p:style>
+          <a:lnRef idx="1">
+            <a:schemeClr val="accent1"/>
+          </a:lnRef>
+          <a:fillRef idx="3">
+            <a:schemeClr val="accent1"/>
+          </a:fillRef>
+          <a:effectRef idx="2">
+            <a:schemeClr val="accent1"/>
+          </a:effectRef>
+          <a:fontRef idx="minor">
+            <a:schemeClr val="lt1"/>
+          </a:fontRef>
+        </p:style>
         <p:txBody>
-          <a:bodyPr anchor="t">
+          <a:bodyPr wrap="square" numCol="1" anchor="t" anchorCtr="0" compatLnSpc="1">
+            <a:prstTxWarp prst="textNoShape">
+              <a:avLst/>
+            </a:prstTxWarp>
             <a:normAutofit/>
           </a:bodyPr>
           <a:lstStyle>
             <a:lvl1pPr marL="0" indent="0" algn="ctr">
+              <a:buFontTx/>
               <a:buNone/>
               <a:defRPr sz="1600"/>
             </a:lvl1pPr>
-            <a:lvl2pPr marL="457200" indent="0">
-              <a:buNone/>
-              <a:defRPr sz="1600"/>
-            </a:lvl2pPr>
-            <a:lvl3pPr marL="914400" indent="0">
-              <a:buNone/>
-              <a:defRPr sz="1600"/>
-            </a:lvl3pPr>
-            <a:lvl4pPr marL="1371600" indent="0">
-              <a:buNone/>
-              <a:defRPr sz="1600"/>
-            </a:lvl4pPr>
-            <a:lvl5pPr marL="1828800" indent="0">
-              <a:buNone/>
-              <a:defRPr sz="1600"/>
-            </a:lvl5pPr>
-            <a:lvl6pPr marL="2286000" indent="0">
-              <a:buNone/>
-              <a:defRPr sz="1600"/>
-            </a:lvl6pPr>
-            <a:lvl7pPr marL="2743200" indent="0">
-              <a:buNone/>
-              <a:defRPr sz="1600"/>
-            </a:lvl7pPr>
-            <a:lvl8pPr marL="3200400" indent="0">
-              <a:buNone/>
-              <a:defRPr sz="1600"/>
-            </a:lvl8pPr>
-            <a:lvl9pPr marL="3657600" indent="0">
-              <a:buNone/>
-              <a:defRPr sz="1600"/>
-            </a:lvl9pPr>
           </a:lstStyle>
           <a:p>
             <a:r>
@@ -603,18 +655,18 @@
         </p:nvSpPr>
         <p:spPr>
           <a:xfrm>
-            <a:off x="685800" y="5299603"/>
-            <a:ext cx="10131427" cy="493712"/>
+            <a:off x="810000" y="5367338"/>
+            <a:ext cx="10561418" cy="493712"/>
           </a:xfrm>
         </p:spPr>
         <p:txBody>
-          <a:bodyPr anchor="t">
+          <a:bodyPr>
             <a:normAutofit/>
           </a:bodyPr>
           <a:lstStyle>
             <a:lvl1pPr marL="0" indent="0">
               <a:buNone/>
-              <a:defRPr sz="1400"/>
+              <a:defRPr sz="1200"/>
             </a:lvl1pPr>
             <a:lvl2pPr marL="457200" indent="0">
               <a:buNone/>
@@ -674,9 +726,9 @@
           <a:lstStyle/>
           <a:p>
             <a:fld id="{B61BEF0D-F0BB-DE4B-95CE-6DB70DBA9567}" type="datetimeFigureOut">
-              <a:rPr lang="en-US" dirty="0"/>
+              <a:rPr lang="en-US" smtClean="0"/>
               <a:pPr/>
-              <a:t>2/10/2016</a:t>
+              <a:t>2/12/2016</a:t>
             </a:fld>
             <a:endParaRPr lang="en-US" dirty="0"/>
           </a:p>
@@ -717,7 +769,7 @@
           <a:lstStyle/>
           <a:p>
             <a:fld id="{D57F1E4F-1CFF-5643-939E-217C01CDF565}" type="slidenum">
-              <a:rPr lang="en-US" dirty="0"/>
+              <a:rPr lang="en-US" smtClean="0"/>
               <a:pPr/>
               <a:t>‹nr.›</a:t>
             </a:fld>
@@ -726,6 +778,11 @@
         </p:txBody>
       </p:sp>
     </p:spTree>
+    <p:extLst>
+      <p:ext uri="{BB962C8B-B14F-4D97-AF65-F5344CB8AC3E}">
+        <p14:creationId xmlns:p14="http://schemas.microsoft.com/office/powerpoint/2010/main" val="2571726534"/>
+      </p:ext>
+    </p:extLst>
   </p:cSld>
   <p:clrMapOvr>
     <a:masterClrMapping/>
@@ -734,281 +791,6 @@
 </file>
 
 <file path=ppt/slideLayouts/slideLayout11.xml><?xml version="1.0" encoding="utf-8"?>
-<p:sldLayout xmlns:a="http://schemas.openxmlformats.org/drawingml/2006/main" xmlns:r="http://schemas.openxmlformats.org/officeDocument/2006/relationships" xmlns:p="http://schemas.openxmlformats.org/presentationml/2006/main" preserve="1">
-  <p:cSld name="Titel en bijschrift">
-    <p:spTree>
-      <p:nvGrpSpPr>
-        <p:cNvPr id="1" name=""/>
-        <p:cNvGrpSpPr/>
-        <p:nvPr/>
-      </p:nvGrpSpPr>
-      <p:grpSpPr>
-        <a:xfrm>
-          <a:off x="0" y="0"/>
-          <a:ext cx="0" cy="0"/>
-          <a:chOff x="0" y="0"/>
-          <a:chExt cx="0" cy="0"/>
-        </a:xfrm>
-      </p:grpSpPr>
-      <p:pic>
-        <p:nvPicPr>
-          <p:cNvPr id="7" name="Picture 6" descr="Celestia-R1---OverlayContentHD.png"/>
-          <p:cNvPicPr>
-            <a:picLocks noChangeAspect="1"/>
-          </p:cNvPicPr>
-          <p:nvPr/>
-        </p:nvPicPr>
-        <p:blipFill>
-          <a:blip r:embed="rId2">
-            <a:extLst>
-              <a:ext uri="{28A0092B-C50C-407E-A947-70E740481C1C}">
-                <a14:useLocalDpi xmlns:a14="http://schemas.microsoft.com/office/drawing/2010/main" val="0"/>
-              </a:ext>
-            </a:extLst>
-          </a:blip>
-          <a:stretch>
-            <a:fillRect/>
-          </a:stretch>
-        </p:blipFill>
-        <p:spPr>
-          <a:xfrm>
-            <a:off x="0" y="0"/>
-            <a:ext cx="12188825" cy="6856214"/>
-          </a:xfrm>
-          <a:prstGeom prst="rect">
-            <a:avLst/>
-          </a:prstGeom>
-        </p:spPr>
-      </p:pic>
-      <p:sp>
-        <p:nvSpPr>
-          <p:cNvPr id="2" name="Title 1"/>
-          <p:cNvSpPr>
-            <a:spLocks noGrp="1"/>
-          </p:cNvSpPr>
-          <p:nvPr>
-            <p:ph type="title"/>
-          </p:nvPr>
-        </p:nvSpPr>
-        <p:spPr>
-          <a:xfrm>
-            <a:off x="685801" y="609601"/>
-            <a:ext cx="10131427" cy="3124199"/>
-          </a:xfrm>
-        </p:spPr>
-        <p:txBody>
-          <a:bodyPr anchor="ctr">
-            <a:normAutofit/>
-          </a:bodyPr>
-          <a:lstStyle>
-            <a:lvl1pPr algn="l">
-              <a:defRPr sz="3200" b="0" cap="none"/>
-            </a:lvl1pPr>
-          </a:lstStyle>
-          <a:p>
-            <a:r>
-              <a:rPr lang="nl-NL" smtClean="0"/>
-              <a:t>Klik om de stijl te bewerken</a:t>
-            </a:r>
-            <a:endParaRPr lang="en-US" dirty="0"/>
-          </a:p>
-        </p:txBody>
-      </p:sp>
-      <p:sp>
-        <p:nvSpPr>
-          <p:cNvPr id="3" name="Text Placeholder 2"/>
-          <p:cNvSpPr>
-            <a:spLocks noGrp="1"/>
-          </p:cNvSpPr>
-          <p:nvPr>
-            <p:ph type="body" idx="1"/>
-          </p:nvPr>
-        </p:nvSpPr>
-        <p:spPr>
-          <a:xfrm>
-            <a:off x="685800" y="4343400"/>
-            <a:ext cx="10131428" cy="1447800"/>
-          </a:xfrm>
-        </p:spPr>
-        <p:txBody>
-          <a:bodyPr anchor="ctr">
-            <a:normAutofit/>
-          </a:bodyPr>
-          <a:lstStyle>
-            <a:lvl1pPr marL="0" indent="0" algn="l">
-              <a:buNone/>
-              <a:defRPr sz="2000">
-                <a:solidFill>
-                  <a:schemeClr val="tx1"/>
-                </a:solidFill>
-              </a:defRPr>
-            </a:lvl1pPr>
-            <a:lvl2pPr marL="457200" indent="0">
-              <a:buNone/>
-              <a:defRPr sz="1800">
-                <a:solidFill>
-                  <a:schemeClr val="tx1">
-                    <a:tint val="75000"/>
-                  </a:schemeClr>
-                </a:solidFill>
-              </a:defRPr>
-            </a:lvl2pPr>
-            <a:lvl3pPr marL="914400" indent="0">
-              <a:buNone/>
-              <a:defRPr sz="1600">
-                <a:solidFill>
-                  <a:schemeClr val="tx1">
-                    <a:tint val="75000"/>
-                  </a:schemeClr>
-                </a:solidFill>
-              </a:defRPr>
-            </a:lvl3pPr>
-            <a:lvl4pPr marL="1371600" indent="0">
-              <a:buNone/>
-              <a:defRPr sz="1400">
-                <a:solidFill>
-                  <a:schemeClr val="tx1">
-                    <a:tint val="75000"/>
-                  </a:schemeClr>
-                </a:solidFill>
-              </a:defRPr>
-            </a:lvl4pPr>
-            <a:lvl5pPr marL="1828800" indent="0">
-              <a:buNone/>
-              <a:defRPr sz="1400">
-                <a:solidFill>
-                  <a:schemeClr val="tx1">
-                    <a:tint val="75000"/>
-                  </a:schemeClr>
-                </a:solidFill>
-              </a:defRPr>
-            </a:lvl5pPr>
-            <a:lvl6pPr marL="2286000" indent="0">
-              <a:buNone/>
-              <a:defRPr sz="1400">
-                <a:solidFill>
-                  <a:schemeClr val="tx1">
-                    <a:tint val="75000"/>
-                  </a:schemeClr>
-                </a:solidFill>
-              </a:defRPr>
-            </a:lvl6pPr>
-            <a:lvl7pPr marL="2743200" indent="0">
-              <a:buNone/>
-              <a:defRPr sz="1400">
-                <a:solidFill>
-                  <a:schemeClr val="tx1">
-                    <a:tint val="75000"/>
-                  </a:schemeClr>
-                </a:solidFill>
-              </a:defRPr>
-            </a:lvl7pPr>
-            <a:lvl8pPr marL="3200400" indent="0">
-              <a:buNone/>
-              <a:defRPr sz="1400">
-                <a:solidFill>
-                  <a:schemeClr val="tx1">
-                    <a:tint val="75000"/>
-                  </a:schemeClr>
-                </a:solidFill>
-              </a:defRPr>
-            </a:lvl8pPr>
-            <a:lvl9pPr marL="3657600" indent="0">
-              <a:buNone/>
-              <a:defRPr sz="1400">
-                <a:solidFill>
-                  <a:schemeClr val="tx1">
-                    <a:tint val="75000"/>
-                  </a:schemeClr>
-                </a:solidFill>
-              </a:defRPr>
-            </a:lvl9pPr>
-          </a:lstStyle>
-          <a:p>
-            <a:pPr lvl="0"/>
-            <a:r>
-              <a:rPr lang="nl-NL" smtClean="0"/>
-              <a:t>Klik om de modelstijlen te bewerken</a:t>
-            </a:r>
-          </a:p>
-        </p:txBody>
-      </p:sp>
-      <p:sp>
-        <p:nvSpPr>
-          <p:cNvPr id="4" name="Date Placeholder 3"/>
-          <p:cNvSpPr>
-            <a:spLocks noGrp="1"/>
-          </p:cNvSpPr>
-          <p:nvPr>
-            <p:ph type="dt" sz="half" idx="10"/>
-          </p:nvPr>
-        </p:nvSpPr>
-        <p:spPr/>
-        <p:txBody>
-          <a:bodyPr/>
-          <a:lstStyle/>
-          <a:p>
-            <a:fld id="{B61BEF0D-F0BB-DE4B-95CE-6DB70DBA9567}" type="datetimeFigureOut">
-              <a:rPr lang="en-US" dirty="0"/>
-              <a:pPr/>
-              <a:t>2/10/2016</a:t>
-            </a:fld>
-            <a:endParaRPr lang="en-US" dirty="0"/>
-          </a:p>
-        </p:txBody>
-      </p:sp>
-      <p:sp>
-        <p:nvSpPr>
-          <p:cNvPr id="5" name="Footer Placeholder 4"/>
-          <p:cNvSpPr>
-            <a:spLocks noGrp="1"/>
-          </p:cNvSpPr>
-          <p:nvPr>
-            <p:ph type="ftr" sz="quarter" idx="11"/>
-          </p:nvPr>
-        </p:nvSpPr>
-        <p:spPr/>
-        <p:txBody>
-          <a:bodyPr/>
-          <a:lstStyle/>
-          <a:p>
-            <a:endParaRPr lang="en-US" dirty="0"/>
-          </a:p>
-        </p:txBody>
-      </p:sp>
-      <p:sp>
-        <p:nvSpPr>
-          <p:cNvPr id="6" name="Slide Number Placeholder 5"/>
-          <p:cNvSpPr>
-            <a:spLocks noGrp="1"/>
-          </p:cNvSpPr>
-          <p:nvPr>
-            <p:ph type="sldNum" sz="quarter" idx="12"/>
-          </p:nvPr>
-        </p:nvSpPr>
-        <p:spPr/>
-        <p:txBody>
-          <a:bodyPr/>
-          <a:lstStyle/>
-          <a:p>
-            <a:fld id="{D57F1E4F-1CFF-5643-939E-217C01CDF565}" type="slidenum">
-              <a:rPr lang="en-US" dirty="0"/>
-              <a:pPr/>
-              <a:t>‹nr.›</a:t>
-            </a:fld>
-            <a:endParaRPr lang="en-US" dirty="0"/>
-          </a:p>
-        </p:txBody>
-      </p:sp>
-    </p:spTree>
-  </p:cSld>
-  <p:clrMapOvr>
-    <a:masterClrMapping/>
-  </p:clrMapOvr>
-</p:sldLayout>
-</file>
-
-<file path=ppt/slideLayouts/slideLayout12.xml><?xml version="1.0" encoding="utf-8"?>
 <p:sldLayout xmlns:a="http://schemas.openxmlformats.org/drawingml/2006/main" xmlns:r="http://schemas.openxmlformats.org/officeDocument/2006/relationships" xmlns:p="http://schemas.openxmlformats.org/presentationml/2006/main" preserve="1">
   <p:cSld name="Citeraat met bijschrift">
     <p:spTree>
@@ -1025,267 +807,213 @@
           <a:chExt cx="0" cy="0"/>
         </a:xfrm>
       </p:grpSpPr>
-      <p:pic>
-        <p:nvPicPr>
-          <p:cNvPr id="16" name="Picture 15" descr="Celestia-R1---OverlayContentHD.png"/>
-          <p:cNvPicPr>
-            <a:picLocks noChangeAspect="1"/>
-          </p:cNvPicPr>
+      <p:sp>
+        <p:nvSpPr>
+          <p:cNvPr id="8" name="Freeform 6"/>
+          <p:cNvSpPr>
+            <a:spLocks noChangeAspect="1"/>
+          </p:cNvSpPr>
           <p:nvPr/>
-        </p:nvPicPr>
-        <p:blipFill>
-          <a:blip r:embed="rId2">
-            <a:extLst>
-              <a:ext uri="{28A0092B-C50C-407E-A947-70E740481C1C}">
-                <a14:useLocalDpi xmlns:a14="http://schemas.microsoft.com/office/drawing/2010/main" val="0"/>
-              </a:ext>
-            </a:extLst>
-          </a:blip>
-          <a:stretch>
-            <a:fillRect/>
-          </a:stretch>
-        </p:blipFill>
-        <p:spPr>
+        </p:nvSpPr>
+        <p:spPr bwMode="auto">
           <a:xfrm>
-            <a:off x="0" y="0"/>
-            <a:ext cx="12188825" cy="6856214"/>
+            <a:off x="631697" y="1081456"/>
+            <a:ext cx="6332416" cy="3239188"/>
           </a:xfrm>
-          <a:prstGeom prst="rect">
+          <a:custGeom>
             <a:avLst/>
-          </a:prstGeom>
+            <a:gdLst/>
+            <a:ahLst/>
+            <a:cxnLst/>
+            <a:rect l="0" t="0" r="r" b="b"/>
+            <a:pathLst>
+              <a:path w="3384" h="2308">
+                <a:moveTo>
+                  <a:pt x="3340" y="0"/>
+                </a:moveTo>
+                <a:lnTo>
+                  <a:pt x="44" y="0"/>
+                </a:lnTo>
+                <a:lnTo>
+                  <a:pt x="44" y="0"/>
+                </a:lnTo>
+                <a:lnTo>
+                  <a:pt x="34" y="0"/>
+                </a:lnTo>
+                <a:lnTo>
+                  <a:pt x="26" y="4"/>
+                </a:lnTo>
+                <a:lnTo>
+                  <a:pt x="20" y="8"/>
+                </a:lnTo>
+                <a:lnTo>
+                  <a:pt x="12" y="12"/>
+                </a:lnTo>
+                <a:lnTo>
+                  <a:pt x="8" y="20"/>
+                </a:lnTo>
+                <a:lnTo>
+                  <a:pt x="4" y="26"/>
+                </a:lnTo>
+                <a:lnTo>
+                  <a:pt x="0" y="34"/>
+                </a:lnTo>
+                <a:lnTo>
+                  <a:pt x="0" y="44"/>
+                </a:lnTo>
+                <a:lnTo>
+                  <a:pt x="0" y="2076"/>
+                </a:lnTo>
+                <a:lnTo>
+                  <a:pt x="0" y="2076"/>
+                </a:lnTo>
+                <a:lnTo>
+                  <a:pt x="0" y="2086"/>
+                </a:lnTo>
+                <a:lnTo>
+                  <a:pt x="4" y="2094"/>
+                </a:lnTo>
+                <a:lnTo>
+                  <a:pt x="8" y="2100"/>
+                </a:lnTo>
+                <a:lnTo>
+                  <a:pt x="12" y="2108"/>
+                </a:lnTo>
+                <a:lnTo>
+                  <a:pt x="20" y="2112"/>
+                </a:lnTo>
+                <a:lnTo>
+                  <a:pt x="26" y="2116"/>
+                </a:lnTo>
+                <a:lnTo>
+                  <a:pt x="34" y="2120"/>
+                </a:lnTo>
+                <a:lnTo>
+                  <a:pt x="44" y="2120"/>
+                </a:lnTo>
+                <a:lnTo>
+                  <a:pt x="474" y="2120"/>
+                </a:lnTo>
+                <a:lnTo>
+                  <a:pt x="650" y="2296"/>
+                </a:lnTo>
+                <a:lnTo>
+                  <a:pt x="650" y="2296"/>
+                </a:lnTo>
+                <a:lnTo>
+                  <a:pt x="656" y="2300"/>
+                </a:lnTo>
+                <a:lnTo>
+                  <a:pt x="664" y="2304"/>
+                </a:lnTo>
+                <a:lnTo>
+                  <a:pt x="672" y="2308"/>
+                </a:lnTo>
+                <a:lnTo>
+                  <a:pt x="680" y="2308"/>
+                </a:lnTo>
+                <a:lnTo>
+                  <a:pt x="688" y="2308"/>
+                </a:lnTo>
+                <a:lnTo>
+                  <a:pt x="696" y="2304"/>
+                </a:lnTo>
+                <a:lnTo>
+                  <a:pt x="704" y="2300"/>
+                </a:lnTo>
+                <a:lnTo>
+                  <a:pt x="710" y="2296"/>
+                </a:lnTo>
+                <a:lnTo>
+                  <a:pt x="886" y="2120"/>
+                </a:lnTo>
+                <a:lnTo>
+                  <a:pt x="3340" y="2120"/>
+                </a:lnTo>
+                <a:lnTo>
+                  <a:pt x="3340" y="2120"/>
+                </a:lnTo>
+                <a:lnTo>
+                  <a:pt x="3350" y="2120"/>
+                </a:lnTo>
+                <a:lnTo>
+                  <a:pt x="3358" y="2116"/>
+                </a:lnTo>
+                <a:lnTo>
+                  <a:pt x="3364" y="2112"/>
+                </a:lnTo>
+                <a:lnTo>
+                  <a:pt x="3372" y="2108"/>
+                </a:lnTo>
+                <a:lnTo>
+                  <a:pt x="3376" y="2100"/>
+                </a:lnTo>
+                <a:lnTo>
+                  <a:pt x="3380" y="2094"/>
+                </a:lnTo>
+                <a:lnTo>
+                  <a:pt x="3384" y="2086"/>
+                </a:lnTo>
+                <a:lnTo>
+                  <a:pt x="3384" y="2076"/>
+                </a:lnTo>
+                <a:lnTo>
+                  <a:pt x="3384" y="44"/>
+                </a:lnTo>
+                <a:lnTo>
+                  <a:pt x="3384" y="44"/>
+                </a:lnTo>
+                <a:lnTo>
+                  <a:pt x="3384" y="34"/>
+                </a:lnTo>
+                <a:lnTo>
+                  <a:pt x="3380" y="26"/>
+                </a:lnTo>
+                <a:lnTo>
+                  <a:pt x="3376" y="20"/>
+                </a:lnTo>
+                <a:lnTo>
+                  <a:pt x="3372" y="12"/>
+                </a:lnTo>
+                <a:lnTo>
+                  <a:pt x="3364" y="8"/>
+                </a:lnTo>
+                <a:lnTo>
+                  <a:pt x="3358" y="4"/>
+                </a:lnTo>
+                <a:lnTo>
+                  <a:pt x="3350" y="0"/>
+                </a:lnTo>
+                <a:lnTo>
+                  <a:pt x="3340" y="0"/>
+                </a:lnTo>
+                <a:lnTo>
+                  <a:pt x="3340" y="0"/>
+                </a:lnTo>
+                <a:close/>
+              </a:path>
+            </a:pathLst>
+          </a:custGeom>
+          <a:ln>
+            <a:solidFill>
+              <a:schemeClr val="accent1"/>
+            </a:solidFill>
+          </a:ln>
         </p:spPr>
-      </p:pic>
-      <p:sp>
-        <p:nvSpPr>
-          <p:cNvPr id="15" name="TextBox 14"/>
-          <p:cNvSpPr txBox="1"/>
-          <p:nvPr/>
-        </p:nvSpPr>
-        <p:spPr>
-          <a:xfrm>
-            <a:off x="10237867" y="2743200"/>
-            <a:ext cx="609600" cy="584776"/>
-          </a:xfrm>
-          <a:prstGeom prst="rect">
-            <a:avLst/>
-          </a:prstGeom>
-        </p:spPr>
-        <p:txBody>
-          <a:bodyPr vert="horz" lIns="91440" tIns="45720" rIns="91440" bIns="45720" rtlCol="0" anchor="ctr">
-            <a:noAutofit/>
-          </a:bodyPr>
-          <a:lstStyle>
-            <a:lvl1pPr>
-              <a:spcBef>
-                <a:spcPct val="0"/>
-              </a:spcBef>
-              <a:buNone/>
-              <a:defRPr sz="3200" b="0" cap="all">
-                <a:ln w="3175" cmpd="sng">
-                  <a:noFill/>
-                </a:ln>
-                <a:effectLst>
-                  <a:glow rad="38100">
-                    <a:schemeClr val="bg1">
-                      <a:lumMod val="65000"/>
-                      <a:lumOff val="35000"/>
-                      <a:alpha val="40000"/>
-                    </a:schemeClr>
-                  </a:glow>
-                  <a:outerShdw blurRad="28575" dist="38100" dir="14040000" algn="tl" rotWithShape="0">
-                    <a:srgbClr val="000000">
-                      <a:alpha val="25000"/>
-                    </a:srgbClr>
-                  </a:outerShdw>
-                </a:effectLst>
-              </a:defRPr>
-            </a:lvl1pPr>
-            <a:lvl2pPr>
-              <a:defRPr>
-                <a:solidFill>
-                  <a:schemeClr val="tx2"/>
-                </a:solidFill>
-              </a:defRPr>
-            </a:lvl2pPr>
-            <a:lvl3pPr>
-              <a:defRPr>
-                <a:solidFill>
-                  <a:schemeClr val="tx2"/>
-                </a:solidFill>
-              </a:defRPr>
-            </a:lvl3pPr>
-            <a:lvl4pPr>
-              <a:defRPr>
-                <a:solidFill>
-                  <a:schemeClr val="tx2"/>
-                </a:solidFill>
-              </a:defRPr>
-            </a:lvl4pPr>
-            <a:lvl5pPr>
-              <a:defRPr>
-                <a:solidFill>
-                  <a:schemeClr val="tx2"/>
-                </a:solidFill>
-              </a:defRPr>
-            </a:lvl5pPr>
-            <a:lvl6pPr>
-              <a:defRPr>
-                <a:solidFill>
-                  <a:schemeClr val="tx2"/>
-                </a:solidFill>
-              </a:defRPr>
-            </a:lvl6pPr>
-            <a:lvl7pPr>
-              <a:defRPr>
-                <a:solidFill>
-                  <a:schemeClr val="tx2"/>
-                </a:solidFill>
-              </a:defRPr>
-            </a:lvl7pPr>
-            <a:lvl8pPr>
-              <a:defRPr>
-                <a:solidFill>
-                  <a:schemeClr val="tx2"/>
-                </a:solidFill>
-              </a:defRPr>
-            </a:lvl8pPr>
-            <a:lvl9pPr>
-              <a:defRPr>
-                <a:solidFill>
-                  <a:schemeClr val="tx2"/>
-                </a:solidFill>
-              </a:defRPr>
-            </a:lvl9pPr>
-          </a:lstStyle>
-          <a:p>
-            <a:pPr lvl="0" algn="r"/>
-            <a:r>
-              <a:rPr lang="en-US" sz="8000" dirty="0">
-                <a:solidFill>
-                  <a:schemeClr val="tx1"/>
-                </a:solidFill>
-                <a:effectLst/>
-              </a:rPr>
-              <a:t>”</a:t>
-            </a:r>
-          </a:p>
-        </p:txBody>
-      </p:sp>
-      <p:sp>
-        <p:nvSpPr>
-          <p:cNvPr id="11" name="TextBox 10"/>
-          <p:cNvSpPr txBox="1"/>
-          <p:nvPr/>
-        </p:nvSpPr>
-        <p:spPr>
-          <a:xfrm>
-            <a:off x="488275" y="823337"/>
-            <a:ext cx="609600" cy="584776"/>
-          </a:xfrm>
-          <a:prstGeom prst="rect">
-            <a:avLst/>
-          </a:prstGeom>
-        </p:spPr>
-        <p:txBody>
-          <a:bodyPr vert="horz" lIns="91440" tIns="45720" rIns="91440" bIns="45720" rtlCol="0" anchor="ctr">
-            <a:noAutofit/>
-          </a:bodyPr>
-          <a:lstStyle>
-            <a:lvl1pPr>
-              <a:spcBef>
-                <a:spcPct val="0"/>
-              </a:spcBef>
-              <a:buNone/>
-              <a:defRPr sz="3200" b="0" cap="all">
-                <a:ln w="3175" cmpd="sng">
-                  <a:noFill/>
-                </a:ln>
-                <a:effectLst>
-                  <a:glow rad="38100">
-                    <a:schemeClr val="bg1">
-                      <a:lumMod val="65000"/>
-                      <a:lumOff val="35000"/>
-                      <a:alpha val="40000"/>
-                    </a:schemeClr>
-                  </a:glow>
-                  <a:outerShdw blurRad="28575" dist="38100" dir="14040000" algn="tl" rotWithShape="0">
-                    <a:srgbClr val="000000">
-                      <a:alpha val="25000"/>
-                    </a:srgbClr>
-                  </a:outerShdw>
-                </a:effectLst>
-              </a:defRPr>
-            </a:lvl1pPr>
-            <a:lvl2pPr>
-              <a:defRPr>
-                <a:solidFill>
-                  <a:schemeClr val="tx2"/>
-                </a:solidFill>
-              </a:defRPr>
-            </a:lvl2pPr>
-            <a:lvl3pPr>
-              <a:defRPr>
-                <a:solidFill>
-                  <a:schemeClr val="tx2"/>
-                </a:solidFill>
-              </a:defRPr>
-            </a:lvl3pPr>
-            <a:lvl4pPr>
-              <a:defRPr>
-                <a:solidFill>
-                  <a:schemeClr val="tx2"/>
-                </a:solidFill>
-              </a:defRPr>
-            </a:lvl4pPr>
-            <a:lvl5pPr>
-              <a:defRPr>
-                <a:solidFill>
-                  <a:schemeClr val="tx2"/>
-                </a:solidFill>
-              </a:defRPr>
-            </a:lvl5pPr>
-            <a:lvl6pPr>
-              <a:defRPr>
-                <a:solidFill>
-                  <a:schemeClr val="tx2"/>
-                </a:solidFill>
-              </a:defRPr>
-            </a:lvl6pPr>
-            <a:lvl7pPr>
-              <a:defRPr>
-                <a:solidFill>
-                  <a:schemeClr val="tx2"/>
-                </a:solidFill>
-              </a:defRPr>
-            </a:lvl7pPr>
-            <a:lvl8pPr>
-              <a:defRPr>
-                <a:solidFill>
-                  <a:schemeClr val="tx2"/>
-                </a:solidFill>
-              </a:defRPr>
-            </a:lvl8pPr>
-            <a:lvl9pPr>
-              <a:defRPr>
-                <a:solidFill>
-                  <a:schemeClr val="tx2"/>
-                </a:solidFill>
-              </a:defRPr>
-            </a:lvl9pPr>
-          </a:lstStyle>
-          <a:p>
-            <a:pPr lvl="0" algn="r"/>
-            <a:r>
-              <a:rPr lang="en-US" sz="8000" dirty="0">
-                <a:solidFill>
-                  <a:schemeClr val="tx1"/>
-                </a:solidFill>
-                <a:effectLst/>
-              </a:rPr>
-              <a:t>“</a:t>
-            </a:r>
-          </a:p>
-        </p:txBody>
+        <p:style>
+          <a:lnRef idx="1">
+            <a:schemeClr val="accent1"/>
+          </a:lnRef>
+          <a:fillRef idx="3">
+            <a:schemeClr val="accent1"/>
+          </a:fillRef>
+          <a:effectRef idx="2">
+            <a:schemeClr val="accent1"/>
+          </a:effectRef>
+          <a:fontRef idx="minor">
+            <a:schemeClr val="lt1"/>
+          </a:fontRef>
+        </p:style>
       </p:sp>
       <p:sp>
         <p:nvSpPr>
@@ -1299,21 +1027,15 @@
         </p:nvSpPr>
         <p:spPr>
           <a:xfrm>
-            <a:off x="992267" y="609601"/>
-            <a:ext cx="9550399" cy="2743199"/>
+            <a:off x="850985" y="1238502"/>
+            <a:ext cx="5893840" cy="2645912"/>
           </a:xfrm>
         </p:spPr>
         <p:txBody>
-          <a:bodyPr anchor="ctr">
-            <a:normAutofit/>
-          </a:bodyPr>
+          <a:bodyPr anchor="b"/>
           <a:lstStyle>
             <a:lvl1pPr algn="l">
-              <a:defRPr sz="3200" b="0" cap="none">
-                <a:solidFill>
-                  <a:schemeClr val="tx1"/>
-                </a:solidFill>
-              </a:defRPr>
+              <a:defRPr sz="4200" b="1" cap="none"/>
             </a:lvl1pPr>
           </a:lstStyle>
           <a:p>
@@ -1322,60 +1044,6 @@
               <a:t>Klik om de stijl te bewerken</a:t>
             </a:r>
             <a:endParaRPr lang="en-US" dirty="0"/>
-          </a:p>
-        </p:txBody>
-      </p:sp>
-      <p:sp>
-        <p:nvSpPr>
-          <p:cNvPr id="10" name="Text Placeholder 9"/>
-          <p:cNvSpPr>
-            <a:spLocks noGrp="1"/>
-          </p:cNvSpPr>
-          <p:nvPr>
-            <p:ph type="body" sz="quarter" idx="13"/>
-          </p:nvPr>
-        </p:nvSpPr>
-        <p:spPr>
-          <a:xfrm>
-            <a:off x="1097875" y="3352800"/>
-            <a:ext cx="9339184" cy="381000"/>
-          </a:xfrm>
-        </p:spPr>
-        <p:txBody>
-          <a:bodyPr anchor="ctr"/>
-          <a:lstStyle>
-            <a:lvl1pPr marL="0" indent="0">
-              <a:buFontTx/>
-              <a:buNone/>
-              <a:defRPr/>
-            </a:lvl1pPr>
-            <a:lvl2pPr marL="457200" indent="0">
-              <a:buFontTx/>
-              <a:buNone/>
-              <a:defRPr/>
-            </a:lvl2pPr>
-            <a:lvl3pPr marL="914400" indent="0">
-              <a:buFontTx/>
-              <a:buNone/>
-              <a:defRPr/>
-            </a:lvl3pPr>
-            <a:lvl4pPr marL="1371600" indent="0">
-              <a:buFontTx/>
-              <a:buNone/>
-              <a:defRPr/>
-            </a:lvl4pPr>
-            <a:lvl5pPr marL="1828800" indent="0">
-              <a:buFontTx/>
-              <a:buNone/>
-              <a:defRPr/>
-            </a:lvl5pPr>
-          </a:lstStyle>
-          <a:p>
-            <a:pPr lvl="0"/>
-            <a:r>
-              <a:rPr lang="nl-NL" smtClean="0"/>
-              <a:t>Klik om de modelstijlen te bewerken</a:t>
-            </a:r>
           </a:p>
         </p:txBody>
       </p:sp>
@@ -1391,847 +1059,13 @@
         </p:nvSpPr>
         <p:spPr>
           <a:xfrm>
-            <a:off x="687465" y="4343400"/>
-            <a:ext cx="10152367" cy="1447800"/>
-          </a:xfrm>
-        </p:spPr>
-        <p:txBody>
-          <a:bodyPr anchor="ctr">
-            <a:normAutofit/>
-          </a:bodyPr>
-          <a:lstStyle>
-            <a:lvl1pPr marL="0" indent="0" algn="l">
-              <a:buNone/>
-              <a:defRPr sz="2000">
-                <a:solidFill>
-                  <a:schemeClr val="tx1"/>
-                </a:solidFill>
-              </a:defRPr>
-            </a:lvl1pPr>
-            <a:lvl2pPr marL="457200" indent="0">
-              <a:buNone/>
-              <a:defRPr sz="1800">
-                <a:solidFill>
-                  <a:schemeClr val="tx1">
-                    <a:tint val="75000"/>
-                  </a:schemeClr>
-                </a:solidFill>
-              </a:defRPr>
-            </a:lvl2pPr>
-            <a:lvl3pPr marL="914400" indent="0">
-              <a:buNone/>
-              <a:defRPr sz="1600">
-                <a:solidFill>
-                  <a:schemeClr val="tx1">
-                    <a:tint val="75000"/>
-                  </a:schemeClr>
-                </a:solidFill>
-              </a:defRPr>
-            </a:lvl3pPr>
-            <a:lvl4pPr marL="1371600" indent="0">
-              <a:buNone/>
-              <a:defRPr sz="1400">
-                <a:solidFill>
-                  <a:schemeClr val="tx1">
-                    <a:tint val="75000"/>
-                  </a:schemeClr>
-                </a:solidFill>
-              </a:defRPr>
-            </a:lvl4pPr>
-            <a:lvl5pPr marL="1828800" indent="0">
-              <a:buNone/>
-              <a:defRPr sz="1400">
-                <a:solidFill>
-                  <a:schemeClr val="tx1">
-                    <a:tint val="75000"/>
-                  </a:schemeClr>
-                </a:solidFill>
-              </a:defRPr>
-            </a:lvl5pPr>
-            <a:lvl6pPr marL="2286000" indent="0">
-              <a:buNone/>
-              <a:defRPr sz="1400">
-                <a:solidFill>
-                  <a:schemeClr val="tx1">
-                    <a:tint val="75000"/>
-                  </a:schemeClr>
-                </a:solidFill>
-              </a:defRPr>
-            </a:lvl6pPr>
-            <a:lvl7pPr marL="2743200" indent="0">
-              <a:buNone/>
-              <a:defRPr sz="1400">
-                <a:solidFill>
-                  <a:schemeClr val="tx1">
-                    <a:tint val="75000"/>
-                  </a:schemeClr>
-                </a:solidFill>
-              </a:defRPr>
-            </a:lvl7pPr>
-            <a:lvl8pPr marL="3200400" indent="0">
-              <a:buNone/>
-              <a:defRPr sz="1400">
-                <a:solidFill>
-                  <a:schemeClr val="tx1">
-                    <a:tint val="75000"/>
-                  </a:schemeClr>
-                </a:solidFill>
-              </a:defRPr>
-            </a:lvl8pPr>
-            <a:lvl9pPr marL="3657600" indent="0">
-              <a:buNone/>
-              <a:defRPr sz="1400">
-                <a:solidFill>
-                  <a:schemeClr val="tx1">
-                    <a:tint val="75000"/>
-                  </a:schemeClr>
-                </a:solidFill>
-              </a:defRPr>
-            </a:lvl9pPr>
-          </a:lstStyle>
-          <a:p>
-            <a:pPr lvl="0"/>
-            <a:r>
-              <a:rPr lang="nl-NL" smtClean="0"/>
-              <a:t>Klik om de modelstijlen te bewerken</a:t>
-            </a:r>
-          </a:p>
-        </p:txBody>
-      </p:sp>
-      <p:sp>
-        <p:nvSpPr>
-          <p:cNvPr id="4" name="Date Placeholder 3"/>
-          <p:cNvSpPr>
-            <a:spLocks noGrp="1"/>
-          </p:cNvSpPr>
-          <p:nvPr>
-            <p:ph type="dt" sz="half" idx="10"/>
-          </p:nvPr>
-        </p:nvSpPr>
-        <p:spPr/>
-        <p:txBody>
-          <a:bodyPr/>
-          <a:lstStyle/>
-          <a:p>
-            <a:fld id="{B61BEF0D-F0BB-DE4B-95CE-6DB70DBA9567}" type="datetimeFigureOut">
-              <a:rPr lang="en-US" dirty="0"/>
-              <a:pPr/>
-              <a:t>2/10/2016</a:t>
-            </a:fld>
-            <a:endParaRPr lang="en-US" dirty="0"/>
-          </a:p>
-        </p:txBody>
-      </p:sp>
-      <p:sp>
-        <p:nvSpPr>
-          <p:cNvPr id="5" name="Footer Placeholder 4"/>
-          <p:cNvSpPr>
-            <a:spLocks noGrp="1"/>
-          </p:cNvSpPr>
-          <p:nvPr>
-            <p:ph type="ftr" sz="quarter" idx="11"/>
-          </p:nvPr>
-        </p:nvSpPr>
-        <p:spPr/>
-        <p:txBody>
-          <a:bodyPr/>
-          <a:lstStyle/>
-          <a:p>
-            <a:endParaRPr lang="en-US" dirty="0"/>
-          </a:p>
-        </p:txBody>
-      </p:sp>
-      <p:sp>
-        <p:nvSpPr>
-          <p:cNvPr id="6" name="Slide Number Placeholder 5"/>
-          <p:cNvSpPr>
-            <a:spLocks noGrp="1"/>
-          </p:cNvSpPr>
-          <p:nvPr>
-            <p:ph type="sldNum" sz="quarter" idx="12"/>
-          </p:nvPr>
-        </p:nvSpPr>
-        <p:spPr/>
-        <p:txBody>
-          <a:bodyPr/>
-          <a:lstStyle/>
-          <a:p>
-            <a:fld id="{D57F1E4F-1CFF-5643-939E-217C01CDF565}" type="slidenum">
-              <a:rPr lang="en-US" dirty="0"/>
-              <a:pPr/>
-              <a:t>‹nr.›</a:t>
-            </a:fld>
-            <a:endParaRPr lang="en-US" dirty="0"/>
-          </a:p>
-        </p:txBody>
-      </p:sp>
-    </p:spTree>
-  </p:cSld>
-  <p:clrMapOvr>
-    <a:masterClrMapping/>
-  </p:clrMapOvr>
-</p:sldLayout>
-</file>
-
-<file path=ppt/slideLayouts/slideLayout13.xml><?xml version="1.0" encoding="utf-8"?>
-<p:sldLayout xmlns:a="http://schemas.openxmlformats.org/drawingml/2006/main" xmlns:r="http://schemas.openxmlformats.org/officeDocument/2006/relationships" xmlns:p="http://schemas.openxmlformats.org/presentationml/2006/main" preserve="1">
-  <p:cSld name="Naamkaartje">
-    <p:spTree>
-      <p:nvGrpSpPr>
-        <p:cNvPr id="1" name=""/>
-        <p:cNvGrpSpPr/>
-        <p:nvPr/>
-      </p:nvGrpSpPr>
-      <p:grpSpPr>
-        <a:xfrm>
-          <a:off x="0" y="0"/>
-          <a:ext cx="0" cy="0"/>
-          <a:chOff x="0" y="0"/>
-          <a:chExt cx="0" cy="0"/>
-        </a:xfrm>
-      </p:grpSpPr>
-      <p:pic>
-        <p:nvPicPr>
-          <p:cNvPr id="8" name="Picture 7" descr="Celestia-R1---OverlayContentHD.png"/>
-          <p:cNvPicPr>
-            <a:picLocks noChangeAspect="1"/>
-          </p:cNvPicPr>
-          <p:nvPr/>
-        </p:nvPicPr>
-        <p:blipFill>
-          <a:blip r:embed="rId2">
-            <a:extLst>
-              <a:ext uri="{28A0092B-C50C-407E-A947-70E740481C1C}">
-                <a14:useLocalDpi xmlns:a14="http://schemas.microsoft.com/office/drawing/2010/main" val="0"/>
-              </a:ext>
-            </a:extLst>
-          </a:blip>
-          <a:stretch>
-            <a:fillRect/>
-          </a:stretch>
-        </p:blipFill>
-        <p:spPr>
-          <a:xfrm>
-            <a:off x="0" y="0"/>
-            <a:ext cx="12188825" cy="6856214"/>
-          </a:xfrm>
-          <a:prstGeom prst="rect">
-            <a:avLst/>
-          </a:prstGeom>
-        </p:spPr>
-      </p:pic>
-      <p:sp>
-        <p:nvSpPr>
-          <p:cNvPr id="2" name="Title 1"/>
-          <p:cNvSpPr>
-            <a:spLocks noGrp="1"/>
-          </p:cNvSpPr>
-          <p:nvPr>
-            <p:ph type="title"/>
-          </p:nvPr>
-        </p:nvSpPr>
-        <p:spPr>
-          <a:xfrm>
-            <a:off x="685802" y="3308581"/>
-            <a:ext cx="10131425" cy="1468800"/>
-          </a:xfrm>
-        </p:spPr>
-        <p:txBody>
-          <a:bodyPr anchor="b">
-            <a:normAutofit/>
-          </a:bodyPr>
-          <a:lstStyle>
-            <a:lvl1pPr algn="l">
-              <a:defRPr sz="3200" b="0" cap="none"/>
-            </a:lvl1pPr>
-          </a:lstStyle>
-          <a:p>
-            <a:r>
-              <a:rPr lang="nl-NL" smtClean="0"/>
-              <a:t>Klik om de stijl te bewerken</a:t>
-            </a:r>
-            <a:endParaRPr lang="en-US" dirty="0"/>
-          </a:p>
-        </p:txBody>
-      </p:sp>
-      <p:sp>
-        <p:nvSpPr>
-          <p:cNvPr id="3" name="Text Placeholder 2"/>
-          <p:cNvSpPr>
-            <a:spLocks noGrp="1"/>
-          </p:cNvSpPr>
-          <p:nvPr>
-            <p:ph type="body" idx="1"/>
-          </p:nvPr>
-        </p:nvSpPr>
-        <p:spPr>
-          <a:xfrm>
-            <a:off x="685801" y="4777381"/>
-            <a:ext cx="10131426" cy="860400"/>
+            <a:off x="853190" y="4443680"/>
+            <a:ext cx="5891636" cy="713241"/>
           </a:xfrm>
         </p:spPr>
         <p:txBody>
           <a:bodyPr anchor="t">
-            <a:normAutofit/>
-          </a:bodyPr>
-          <a:lstStyle>
-            <a:lvl1pPr marL="0" indent="0" algn="l">
-              <a:buNone/>
-              <a:defRPr sz="2000">
-                <a:solidFill>
-                  <a:schemeClr val="tx1"/>
-                </a:solidFill>
-              </a:defRPr>
-            </a:lvl1pPr>
-            <a:lvl2pPr marL="457200" indent="0">
-              <a:buNone/>
-              <a:defRPr sz="1800">
-                <a:solidFill>
-                  <a:schemeClr val="tx1">
-                    <a:tint val="75000"/>
-                  </a:schemeClr>
-                </a:solidFill>
-              </a:defRPr>
-            </a:lvl2pPr>
-            <a:lvl3pPr marL="914400" indent="0">
-              <a:buNone/>
-              <a:defRPr sz="1600">
-                <a:solidFill>
-                  <a:schemeClr val="tx1">
-                    <a:tint val="75000"/>
-                  </a:schemeClr>
-                </a:solidFill>
-              </a:defRPr>
-            </a:lvl3pPr>
-            <a:lvl4pPr marL="1371600" indent="0">
-              <a:buNone/>
-              <a:defRPr sz="1400">
-                <a:solidFill>
-                  <a:schemeClr val="tx1">
-                    <a:tint val="75000"/>
-                  </a:schemeClr>
-                </a:solidFill>
-              </a:defRPr>
-            </a:lvl4pPr>
-            <a:lvl5pPr marL="1828800" indent="0">
-              <a:buNone/>
-              <a:defRPr sz="1400">
-                <a:solidFill>
-                  <a:schemeClr val="tx1">
-                    <a:tint val="75000"/>
-                  </a:schemeClr>
-                </a:solidFill>
-              </a:defRPr>
-            </a:lvl5pPr>
-            <a:lvl6pPr marL="2286000" indent="0">
-              <a:buNone/>
-              <a:defRPr sz="1400">
-                <a:solidFill>
-                  <a:schemeClr val="tx1">
-                    <a:tint val="75000"/>
-                  </a:schemeClr>
-                </a:solidFill>
-              </a:defRPr>
-            </a:lvl6pPr>
-            <a:lvl7pPr marL="2743200" indent="0">
-              <a:buNone/>
-              <a:defRPr sz="1400">
-                <a:solidFill>
-                  <a:schemeClr val="tx1">
-                    <a:tint val="75000"/>
-                  </a:schemeClr>
-                </a:solidFill>
-              </a:defRPr>
-            </a:lvl7pPr>
-            <a:lvl8pPr marL="3200400" indent="0">
-              <a:buNone/>
-              <a:defRPr sz="1400">
-                <a:solidFill>
-                  <a:schemeClr val="tx1">
-                    <a:tint val="75000"/>
-                  </a:schemeClr>
-                </a:solidFill>
-              </a:defRPr>
-            </a:lvl8pPr>
-            <a:lvl9pPr marL="3657600" indent="0">
-              <a:buNone/>
-              <a:defRPr sz="1400">
-                <a:solidFill>
-                  <a:schemeClr val="tx1">
-                    <a:tint val="75000"/>
-                  </a:schemeClr>
-                </a:solidFill>
-              </a:defRPr>
-            </a:lvl9pPr>
-          </a:lstStyle>
-          <a:p>
-            <a:pPr lvl="0"/>
-            <a:r>
-              <a:rPr lang="nl-NL" smtClean="0"/>
-              <a:t>Klik om de modelstijlen te bewerken</a:t>
-            </a:r>
-          </a:p>
-        </p:txBody>
-      </p:sp>
-      <p:sp>
-        <p:nvSpPr>
-          <p:cNvPr id="4" name="Date Placeholder 3"/>
-          <p:cNvSpPr>
-            <a:spLocks noGrp="1"/>
-          </p:cNvSpPr>
-          <p:nvPr>
-            <p:ph type="dt" sz="half" idx="10"/>
-          </p:nvPr>
-        </p:nvSpPr>
-        <p:spPr/>
-        <p:txBody>
-          <a:bodyPr/>
-          <a:lstStyle/>
-          <a:p>
-            <a:fld id="{B61BEF0D-F0BB-DE4B-95CE-6DB70DBA9567}" type="datetimeFigureOut">
-              <a:rPr lang="en-US" dirty="0"/>
-              <a:pPr/>
-              <a:t>2/10/2016</a:t>
-            </a:fld>
-            <a:endParaRPr lang="en-US" dirty="0"/>
-          </a:p>
-        </p:txBody>
-      </p:sp>
-      <p:sp>
-        <p:nvSpPr>
-          <p:cNvPr id="5" name="Footer Placeholder 4"/>
-          <p:cNvSpPr>
-            <a:spLocks noGrp="1"/>
-          </p:cNvSpPr>
-          <p:nvPr>
-            <p:ph type="ftr" sz="quarter" idx="11"/>
-          </p:nvPr>
-        </p:nvSpPr>
-        <p:spPr/>
-        <p:txBody>
-          <a:bodyPr/>
-          <a:lstStyle/>
-          <a:p>
-            <a:endParaRPr lang="en-US" dirty="0"/>
-          </a:p>
-        </p:txBody>
-      </p:sp>
-      <p:sp>
-        <p:nvSpPr>
-          <p:cNvPr id="6" name="Slide Number Placeholder 5"/>
-          <p:cNvSpPr>
-            <a:spLocks noGrp="1"/>
-          </p:cNvSpPr>
-          <p:nvPr>
-            <p:ph type="sldNum" sz="quarter" idx="12"/>
-          </p:nvPr>
-        </p:nvSpPr>
-        <p:spPr/>
-        <p:txBody>
-          <a:bodyPr/>
-          <a:lstStyle/>
-          <a:p>
-            <a:fld id="{D57F1E4F-1CFF-5643-939E-217C01CDF565}" type="slidenum">
-              <a:rPr lang="en-US" dirty="0"/>
-              <a:pPr/>
-              <a:t>‹nr.›</a:t>
-            </a:fld>
-            <a:endParaRPr lang="en-US" dirty="0"/>
-          </a:p>
-        </p:txBody>
-      </p:sp>
-    </p:spTree>
-  </p:cSld>
-  <p:clrMapOvr>
-    <a:masterClrMapping/>
-  </p:clrMapOvr>
-</p:sldLayout>
-</file>
-
-<file path=ppt/slideLayouts/slideLayout14.xml><?xml version="1.0" encoding="utf-8"?>
-<p:sldLayout xmlns:a="http://schemas.openxmlformats.org/drawingml/2006/main" xmlns:r="http://schemas.openxmlformats.org/officeDocument/2006/relationships" xmlns:p="http://schemas.openxmlformats.org/presentationml/2006/main" preserve="1">
-  <p:cSld name="Offerte naamkaartje">
-    <p:spTree>
-      <p:nvGrpSpPr>
-        <p:cNvPr id="1" name=""/>
-        <p:cNvGrpSpPr/>
-        <p:nvPr/>
-      </p:nvGrpSpPr>
-      <p:grpSpPr>
-        <a:xfrm>
-          <a:off x="0" y="0"/>
-          <a:ext cx="0" cy="0"/>
-          <a:chOff x="0" y="0"/>
-          <a:chExt cx="0" cy="0"/>
-        </a:xfrm>
-      </p:grpSpPr>
-      <p:pic>
-        <p:nvPicPr>
-          <p:cNvPr id="11" name="Picture 10" descr="Celestia-R1---OverlayContentHD.png"/>
-          <p:cNvPicPr>
-            <a:picLocks noChangeAspect="1"/>
-          </p:cNvPicPr>
-          <p:nvPr/>
-        </p:nvPicPr>
-        <p:blipFill>
-          <a:blip r:embed="rId2">
-            <a:extLst>
-              <a:ext uri="{28A0092B-C50C-407E-A947-70E740481C1C}">
-                <a14:useLocalDpi xmlns:a14="http://schemas.microsoft.com/office/drawing/2010/main" val="0"/>
-              </a:ext>
-            </a:extLst>
-          </a:blip>
-          <a:stretch>
-            <a:fillRect/>
-          </a:stretch>
-        </p:blipFill>
-        <p:spPr>
-          <a:xfrm>
-            <a:off x="0" y="0"/>
-            <a:ext cx="12188825" cy="6856214"/>
-          </a:xfrm>
-          <a:prstGeom prst="rect">
-            <a:avLst/>
-          </a:prstGeom>
-        </p:spPr>
-      </p:pic>
-      <p:sp>
-        <p:nvSpPr>
-          <p:cNvPr id="13" name="TextBox 12"/>
-          <p:cNvSpPr txBox="1"/>
-          <p:nvPr/>
-        </p:nvSpPr>
-        <p:spPr>
-          <a:xfrm>
-            <a:off x="10237867" y="2743200"/>
-            <a:ext cx="609600" cy="584776"/>
-          </a:xfrm>
-          <a:prstGeom prst="rect">
-            <a:avLst/>
-          </a:prstGeom>
-        </p:spPr>
-        <p:txBody>
-          <a:bodyPr vert="horz" lIns="91440" tIns="45720" rIns="91440" bIns="45720" rtlCol="0" anchor="ctr">
             <a:noAutofit/>
-          </a:bodyPr>
-          <a:lstStyle>
-            <a:lvl1pPr>
-              <a:spcBef>
-                <a:spcPct val="0"/>
-              </a:spcBef>
-              <a:buNone/>
-              <a:defRPr sz="3200" b="0" cap="all">
-                <a:ln w="3175" cmpd="sng">
-                  <a:noFill/>
-                </a:ln>
-                <a:effectLst>
-                  <a:glow rad="38100">
-                    <a:schemeClr val="bg1">
-                      <a:lumMod val="65000"/>
-                      <a:lumOff val="35000"/>
-                      <a:alpha val="40000"/>
-                    </a:schemeClr>
-                  </a:glow>
-                  <a:outerShdw blurRad="28575" dist="38100" dir="14040000" algn="tl" rotWithShape="0">
-                    <a:srgbClr val="000000">
-                      <a:alpha val="25000"/>
-                    </a:srgbClr>
-                  </a:outerShdw>
-                </a:effectLst>
-              </a:defRPr>
-            </a:lvl1pPr>
-            <a:lvl2pPr>
-              <a:defRPr>
-                <a:solidFill>
-                  <a:schemeClr val="tx2"/>
-                </a:solidFill>
-              </a:defRPr>
-            </a:lvl2pPr>
-            <a:lvl3pPr>
-              <a:defRPr>
-                <a:solidFill>
-                  <a:schemeClr val="tx2"/>
-                </a:solidFill>
-              </a:defRPr>
-            </a:lvl3pPr>
-            <a:lvl4pPr>
-              <a:defRPr>
-                <a:solidFill>
-                  <a:schemeClr val="tx2"/>
-                </a:solidFill>
-              </a:defRPr>
-            </a:lvl4pPr>
-            <a:lvl5pPr>
-              <a:defRPr>
-                <a:solidFill>
-                  <a:schemeClr val="tx2"/>
-                </a:solidFill>
-              </a:defRPr>
-            </a:lvl5pPr>
-            <a:lvl6pPr>
-              <a:defRPr>
-                <a:solidFill>
-                  <a:schemeClr val="tx2"/>
-                </a:solidFill>
-              </a:defRPr>
-            </a:lvl6pPr>
-            <a:lvl7pPr>
-              <a:defRPr>
-                <a:solidFill>
-                  <a:schemeClr val="tx2"/>
-                </a:solidFill>
-              </a:defRPr>
-            </a:lvl7pPr>
-            <a:lvl8pPr>
-              <a:defRPr>
-                <a:solidFill>
-                  <a:schemeClr val="tx2"/>
-                </a:solidFill>
-              </a:defRPr>
-            </a:lvl8pPr>
-            <a:lvl9pPr>
-              <a:defRPr>
-                <a:solidFill>
-                  <a:schemeClr val="tx2"/>
-                </a:solidFill>
-              </a:defRPr>
-            </a:lvl9pPr>
-          </a:lstStyle>
-          <a:p>
-            <a:pPr lvl="0" algn="r"/>
-            <a:r>
-              <a:rPr lang="en-US" sz="8000" dirty="0">
-                <a:solidFill>
-                  <a:schemeClr val="tx1"/>
-                </a:solidFill>
-                <a:effectLst/>
-              </a:rPr>
-              <a:t>”</a:t>
-            </a:r>
-          </a:p>
-        </p:txBody>
-      </p:sp>
-      <p:sp>
-        <p:nvSpPr>
-          <p:cNvPr id="14" name="TextBox 13"/>
-          <p:cNvSpPr txBox="1"/>
-          <p:nvPr/>
-        </p:nvSpPr>
-        <p:spPr>
-          <a:xfrm>
-            <a:off x="488275" y="823337"/>
-            <a:ext cx="609600" cy="584776"/>
-          </a:xfrm>
-          <a:prstGeom prst="rect">
-            <a:avLst/>
-          </a:prstGeom>
-        </p:spPr>
-        <p:txBody>
-          <a:bodyPr vert="horz" lIns="91440" tIns="45720" rIns="91440" bIns="45720" rtlCol="0" anchor="ctr">
-            <a:noAutofit/>
-          </a:bodyPr>
-          <a:lstStyle>
-            <a:lvl1pPr>
-              <a:spcBef>
-                <a:spcPct val="0"/>
-              </a:spcBef>
-              <a:buNone/>
-              <a:defRPr sz="3200" b="0" cap="all">
-                <a:ln w="3175" cmpd="sng">
-                  <a:noFill/>
-                </a:ln>
-                <a:effectLst>
-                  <a:glow rad="38100">
-                    <a:schemeClr val="bg1">
-                      <a:lumMod val="65000"/>
-                      <a:lumOff val="35000"/>
-                      <a:alpha val="40000"/>
-                    </a:schemeClr>
-                  </a:glow>
-                  <a:outerShdw blurRad="28575" dist="38100" dir="14040000" algn="tl" rotWithShape="0">
-                    <a:srgbClr val="000000">
-                      <a:alpha val="25000"/>
-                    </a:srgbClr>
-                  </a:outerShdw>
-                </a:effectLst>
-              </a:defRPr>
-            </a:lvl1pPr>
-            <a:lvl2pPr>
-              <a:defRPr>
-                <a:solidFill>
-                  <a:schemeClr val="tx2"/>
-                </a:solidFill>
-              </a:defRPr>
-            </a:lvl2pPr>
-            <a:lvl3pPr>
-              <a:defRPr>
-                <a:solidFill>
-                  <a:schemeClr val="tx2"/>
-                </a:solidFill>
-              </a:defRPr>
-            </a:lvl3pPr>
-            <a:lvl4pPr>
-              <a:defRPr>
-                <a:solidFill>
-                  <a:schemeClr val="tx2"/>
-                </a:solidFill>
-              </a:defRPr>
-            </a:lvl4pPr>
-            <a:lvl5pPr>
-              <a:defRPr>
-                <a:solidFill>
-                  <a:schemeClr val="tx2"/>
-                </a:solidFill>
-              </a:defRPr>
-            </a:lvl5pPr>
-            <a:lvl6pPr>
-              <a:defRPr>
-                <a:solidFill>
-                  <a:schemeClr val="tx2"/>
-                </a:solidFill>
-              </a:defRPr>
-            </a:lvl6pPr>
-            <a:lvl7pPr>
-              <a:defRPr>
-                <a:solidFill>
-                  <a:schemeClr val="tx2"/>
-                </a:solidFill>
-              </a:defRPr>
-            </a:lvl7pPr>
-            <a:lvl8pPr>
-              <a:defRPr>
-                <a:solidFill>
-                  <a:schemeClr val="tx2"/>
-                </a:solidFill>
-              </a:defRPr>
-            </a:lvl8pPr>
-            <a:lvl9pPr>
-              <a:defRPr>
-                <a:solidFill>
-                  <a:schemeClr val="tx2"/>
-                </a:solidFill>
-              </a:defRPr>
-            </a:lvl9pPr>
-          </a:lstStyle>
-          <a:p>
-            <a:pPr lvl="0" algn="r"/>
-            <a:r>
-              <a:rPr lang="en-US" sz="8000" dirty="0">
-                <a:solidFill>
-                  <a:schemeClr val="tx1"/>
-                </a:solidFill>
-                <a:effectLst/>
-              </a:rPr>
-              <a:t>“</a:t>
-            </a:r>
-          </a:p>
-        </p:txBody>
-      </p:sp>
-      <p:sp>
-        <p:nvSpPr>
-          <p:cNvPr id="16" name="Title 1"/>
-          <p:cNvSpPr>
-            <a:spLocks noGrp="1"/>
-          </p:cNvSpPr>
-          <p:nvPr>
-            <p:ph type="title"/>
-          </p:nvPr>
-        </p:nvSpPr>
-        <p:spPr>
-          <a:xfrm>
-            <a:off x="992267" y="609601"/>
-            <a:ext cx="9550399" cy="2743199"/>
-          </a:xfrm>
-        </p:spPr>
-        <p:txBody>
-          <a:bodyPr anchor="ctr">
-            <a:normAutofit/>
-          </a:bodyPr>
-          <a:lstStyle>
-            <a:lvl1pPr algn="l">
-              <a:defRPr sz="3200" b="0" cap="none">
-                <a:solidFill>
-                  <a:schemeClr val="tx1"/>
-                </a:solidFill>
-              </a:defRPr>
-            </a:lvl1pPr>
-          </a:lstStyle>
-          <a:p>
-            <a:r>
-              <a:rPr lang="nl-NL" smtClean="0"/>
-              <a:t>Klik om de stijl te bewerken</a:t>
-            </a:r>
-            <a:endParaRPr lang="en-US" dirty="0"/>
-          </a:p>
-        </p:txBody>
-      </p:sp>
-      <p:sp>
-        <p:nvSpPr>
-          <p:cNvPr id="10" name="Text Placeholder 9"/>
-          <p:cNvSpPr>
-            <a:spLocks noGrp="1"/>
-          </p:cNvSpPr>
-          <p:nvPr>
-            <p:ph type="body" sz="quarter" idx="13"/>
-          </p:nvPr>
-        </p:nvSpPr>
-        <p:spPr>
-          <a:xfrm>
-            <a:off x="685800" y="3886200"/>
-            <a:ext cx="10135436" cy="889000"/>
-          </a:xfrm>
-        </p:spPr>
-        <p:txBody>
-          <a:bodyPr vert="horz" lIns="91440" tIns="45720" rIns="91440" bIns="45720" rtlCol="0" anchor="b">
-            <a:normAutofit/>
-          </a:bodyPr>
-          <a:lstStyle>
-            <a:lvl1pPr>
-              <a:buNone/>
-              <a:defRPr lang="en-US" sz="2400" b="0" cap="none" dirty="0">
-                <a:ln w="3175" cmpd="sng">
-                  <a:noFill/>
-                </a:ln>
-                <a:solidFill>
-                  <a:schemeClr val="tx1"/>
-                </a:solidFill>
-                <a:effectLst/>
-              </a:defRPr>
-            </a:lvl1pPr>
-          </a:lstStyle>
-          <a:p>
-            <a:pPr marL="0" lvl="0">
-              <a:spcBef>
-                <a:spcPct val="0"/>
-              </a:spcBef>
-              <a:buNone/>
-            </a:pPr>
-            <a:r>
-              <a:rPr lang="nl-NL" smtClean="0"/>
-              <a:t>Klik om de modelstijlen te bewerken</a:t>
-            </a:r>
-          </a:p>
-        </p:txBody>
-      </p:sp>
-      <p:sp>
-        <p:nvSpPr>
-          <p:cNvPr id="3" name="Text Placeholder 2"/>
-          <p:cNvSpPr>
-            <a:spLocks noGrp="1"/>
-          </p:cNvSpPr>
-          <p:nvPr>
-            <p:ph type="body" idx="1"/>
-          </p:nvPr>
-        </p:nvSpPr>
-        <p:spPr>
-          <a:xfrm>
-            <a:off x="685799" y="4775200"/>
-            <a:ext cx="10135436" cy="1016000"/>
-          </a:xfrm>
-        </p:spPr>
-        <p:txBody>
-          <a:bodyPr anchor="t">
-            <a:normAutofit/>
           </a:bodyPr>
           <a:lstStyle>
             <a:lvl1pPr marL="0" indent="0" algn="l">
@@ -2334,6 +1168,40 @@
       </p:sp>
       <p:sp>
         <p:nvSpPr>
+          <p:cNvPr id="9" name="Text Placeholder 5"/>
+          <p:cNvSpPr>
+            <a:spLocks noGrp="1"/>
+          </p:cNvSpPr>
+          <p:nvPr>
+            <p:ph type="body" sz="quarter" idx="16"/>
+          </p:nvPr>
+        </p:nvSpPr>
+        <p:spPr>
+          <a:xfrm>
+            <a:off x="7574642" y="1081456"/>
+            <a:ext cx="3810001" cy="4075465"/>
+          </a:xfrm>
+        </p:spPr>
+        <p:txBody>
+          <a:bodyPr anchor="t"/>
+          <a:lstStyle>
+            <a:lvl1pPr marL="0" indent="0">
+              <a:buFontTx/>
+              <a:buNone/>
+              <a:defRPr/>
+            </a:lvl1pPr>
+          </a:lstStyle>
+          <a:p>
+            <a:pPr lvl="0"/>
+            <a:r>
+              <a:rPr lang="nl-NL" smtClean="0"/>
+              <a:t>Klik om de modelstijlen te bewerken</a:t>
+            </a:r>
+          </a:p>
+        </p:txBody>
+      </p:sp>
+      <p:sp>
+        <p:nvSpPr>
           <p:cNvPr id="4" name="Date Placeholder 3"/>
           <p:cNvSpPr>
             <a:spLocks noGrp="1"/>
@@ -2348,9 +1216,9 @@
           <a:lstStyle/>
           <a:p>
             <a:fld id="{B61BEF0D-F0BB-DE4B-95CE-6DB70DBA9567}" type="datetimeFigureOut">
-              <a:rPr lang="en-US" dirty="0"/>
+              <a:rPr lang="en-US" smtClean="0"/>
               <a:pPr/>
-              <a:t>2/10/2016</a:t>
+              <a:t>2/12/2016</a:t>
             </a:fld>
             <a:endParaRPr lang="en-US" dirty="0"/>
           </a:p>
@@ -2391,7 +1259,7 @@
           <a:lstStyle/>
           <a:p>
             <a:fld id="{D57F1E4F-1CFF-5643-939E-217C01CDF565}" type="slidenum">
-              <a:rPr lang="en-US" dirty="0"/>
+              <a:rPr lang="en-US" smtClean="0"/>
               <a:pPr/>
               <a:t>‹nr.›</a:t>
             </a:fld>
@@ -2400,6 +1268,11 @@
         </p:txBody>
       </p:sp>
     </p:spTree>
+    <p:extLst>
+      <p:ext uri="{BB962C8B-B14F-4D97-AF65-F5344CB8AC3E}">
+        <p14:creationId xmlns:p14="http://schemas.microsoft.com/office/powerpoint/2010/main" val="4251117431"/>
+      </p:ext>
+    </p:extLst>
   </p:cSld>
   <p:clrMapOvr>
     <a:masterClrMapping/>
@@ -2407,9 +1280,9 @@
 </p:sldLayout>
 </file>
 
-<file path=ppt/slideLayouts/slideLayout15.xml><?xml version="1.0" encoding="utf-8"?>
+<file path=ppt/slideLayouts/slideLayout12.xml><?xml version="1.0" encoding="utf-8"?>
 <p:sldLayout xmlns:a="http://schemas.openxmlformats.org/drawingml/2006/main" xmlns:r="http://schemas.openxmlformats.org/officeDocument/2006/relationships" xmlns:p="http://schemas.openxmlformats.org/presentationml/2006/main" preserve="1">
-  <p:cSld name="Waar of onwaar">
+  <p:cSld name="Naamkaartje">
     <p:spTree>
       <p:nvGrpSpPr>
         <p:cNvPr id="1" name=""/>
@@ -2424,36 +1297,480 @@
           <a:chExt cx="0" cy="0"/>
         </a:xfrm>
       </p:grpSpPr>
-      <p:pic>
-        <p:nvPicPr>
-          <p:cNvPr id="8" name="Picture 7" descr="Celestia-R1---OverlayContentHD.png"/>
-          <p:cNvPicPr>
-            <a:picLocks noChangeAspect="1"/>
-          </p:cNvPicPr>
+      <p:sp>
+        <p:nvSpPr>
+          <p:cNvPr id="9" name="Freeform 6"/>
+          <p:cNvSpPr>
+            <a:spLocks noChangeAspect="1"/>
+          </p:cNvSpPr>
           <p:nvPr/>
-        </p:nvPicPr>
-        <p:blipFill>
-          <a:blip r:embed="rId2">
-            <a:extLst>
-              <a:ext uri="{28A0092B-C50C-407E-A947-70E740481C1C}">
-                <a14:useLocalDpi xmlns:a14="http://schemas.microsoft.com/office/drawing/2010/main" val="0"/>
-              </a:ext>
-            </a:extLst>
-          </a:blip>
-          <a:stretch>
-            <a:fillRect/>
-          </a:stretch>
-        </p:blipFill>
+        </p:nvSpPr>
+        <p:spPr bwMode="auto">
+          <a:xfrm>
+            <a:off x="1140884" y="2286585"/>
+            <a:ext cx="4895115" cy="2503972"/>
+          </a:xfrm>
+          <a:custGeom>
+            <a:avLst/>
+            <a:gdLst/>
+            <a:ahLst/>
+            <a:cxnLst/>
+            <a:rect l="0" t="0" r="r" b="b"/>
+            <a:pathLst>
+              <a:path w="3384" h="2308">
+                <a:moveTo>
+                  <a:pt x="3340" y="0"/>
+                </a:moveTo>
+                <a:lnTo>
+                  <a:pt x="44" y="0"/>
+                </a:lnTo>
+                <a:lnTo>
+                  <a:pt x="44" y="0"/>
+                </a:lnTo>
+                <a:lnTo>
+                  <a:pt x="34" y="0"/>
+                </a:lnTo>
+                <a:lnTo>
+                  <a:pt x="26" y="4"/>
+                </a:lnTo>
+                <a:lnTo>
+                  <a:pt x="20" y="8"/>
+                </a:lnTo>
+                <a:lnTo>
+                  <a:pt x="12" y="12"/>
+                </a:lnTo>
+                <a:lnTo>
+                  <a:pt x="8" y="20"/>
+                </a:lnTo>
+                <a:lnTo>
+                  <a:pt x="4" y="26"/>
+                </a:lnTo>
+                <a:lnTo>
+                  <a:pt x="0" y="34"/>
+                </a:lnTo>
+                <a:lnTo>
+                  <a:pt x="0" y="44"/>
+                </a:lnTo>
+                <a:lnTo>
+                  <a:pt x="0" y="2076"/>
+                </a:lnTo>
+                <a:lnTo>
+                  <a:pt x="0" y="2076"/>
+                </a:lnTo>
+                <a:lnTo>
+                  <a:pt x="0" y="2086"/>
+                </a:lnTo>
+                <a:lnTo>
+                  <a:pt x="4" y="2094"/>
+                </a:lnTo>
+                <a:lnTo>
+                  <a:pt x="8" y="2100"/>
+                </a:lnTo>
+                <a:lnTo>
+                  <a:pt x="12" y="2108"/>
+                </a:lnTo>
+                <a:lnTo>
+                  <a:pt x="20" y="2112"/>
+                </a:lnTo>
+                <a:lnTo>
+                  <a:pt x="26" y="2116"/>
+                </a:lnTo>
+                <a:lnTo>
+                  <a:pt x="34" y="2120"/>
+                </a:lnTo>
+                <a:lnTo>
+                  <a:pt x="44" y="2120"/>
+                </a:lnTo>
+                <a:lnTo>
+                  <a:pt x="474" y="2120"/>
+                </a:lnTo>
+                <a:lnTo>
+                  <a:pt x="650" y="2296"/>
+                </a:lnTo>
+                <a:lnTo>
+                  <a:pt x="650" y="2296"/>
+                </a:lnTo>
+                <a:lnTo>
+                  <a:pt x="656" y="2300"/>
+                </a:lnTo>
+                <a:lnTo>
+                  <a:pt x="664" y="2304"/>
+                </a:lnTo>
+                <a:lnTo>
+                  <a:pt x="672" y="2308"/>
+                </a:lnTo>
+                <a:lnTo>
+                  <a:pt x="680" y="2308"/>
+                </a:lnTo>
+                <a:lnTo>
+                  <a:pt x="688" y="2308"/>
+                </a:lnTo>
+                <a:lnTo>
+                  <a:pt x="696" y="2304"/>
+                </a:lnTo>
+                <a:lnTo>
+                  <a:pt x="704" y="2300"/>
+                </a:lnTo>
+                <a:lnTo>
+                  <a:pt x="710" y="2296"/>
+                </a:lnTo>
+                <a:lnTo>
+                  <a:pt x="886" y="2120"/>
+                </a:lnTo>
+                <a:lnTo>
+                  <a:pt x="3340" y="2120"/>
+                </a:lnTo>
+                <a:lnTo>
+                  <a:pt x="3340" y="2120"/>
+                </a:lnTo>
+                <a:lnTo>
+                  <a:pt x="3350" y="2120"/>
+                </a:lnTo>
+                <a:lnTo>
+                  <a:pt x="3358" y="2116"/>
+                </a:lnTo>
+                <a:lnTo>
+                  <a:pt x="3364" y="2112"/>
+                </a:lnTo>
+                <a:lnTo>
+                  <a:pt x="3372" y="2108"/>
+                </a:lnTo>
+                <a:lnTo>
+                  <a:pt x="3376" y="2100"/>
+                </a:lnTo>
+                <a:lnTo>
+                  <a:pt x="3380" y="2094"/>
+                </a:lnTo>
+                <a:lnTo>
+                  <a:pt x="3384" y="2086"/>
+                </a:lnTo>
+                <a:lnTo>
+                  <a:pt x="3384" y="2076"/>
+                </a:lnTo>
+                <a:lnTo>
+                  <a:pt x="3384" y="44"/>
+                </a:lnTo>
+                <a:lnTo>
+                  <a:pt x="3384" y="44"/>
+                </a:lnTo>
+                <a:lnTo>
+                  <a:pt x="3384" y="34"/>
+                </a:lnTo>
+                <a:lnTo>
+                  <a:pt x="3380" y="26"/>
+                </a:lnTo>
+                <a:lnTo>
+                  <a:pt x="3376" y="20"/>
+                </a:lnTo>
+                <a:lnTo>
+                  <a:pt x="3372" y="12"/>
+                </a:lnTo>
+                <a:lnTo>
+                  <a:pt x="3364" y="8"/>
+                </a:lnTo>
+                <a:lnTo>
+                  <a:pt x="3358" y="4"/>
+                </a:lnTo>
+                <a:lnTo>
+                  <a:pt x="3350" y="0"/>
+                </a:lnTo>
+                <a:lnTo>
+                  <a:pt x="3340" y="0"/>
+                </a:lnTo>
+                <a:lnTo>
+                  <a:pt x="3340" y="0"/>
+                </a:lnTo>
+                <a:close/>
+              </a:path>
+            </a:pathLst>
+          </a:custGeom>
+          <a:ln>
+            <a:solidFill>
+              <a:schemeClr val="accent1"/>
+            </a:solidFill>
+          </a:ln>
+        </p:spPr>
+        <p:style>
+          <a:lnRef idx="1">
+            <a:schemeClr val="accent1"/>
+          </a:lnRef>
+          <a:fillRef idx="3">
+            <a:schemeClr val="accent1"/>
+          </a:fillRef>
+          <a:effectRef idx="2">
+            <a:schemeClr val="accent1"/>
+          </a:effectRef>
+          <a:fontRef idx="minor">
+            <a:schemeClr val="lt1"/>
+          </a:fontRef>
+        </p:style>
+      </p:sp>
+      <p:sp>
+        <p:nvSpPr>
+          <p:cNvPr id="38" name="Title 1"/>
+          <p:cNvSpPr>
+            <a:spLocks noGrp="1"/>
+          </p:cNvSpPr>
+          <p:nvPr>
+            <p:ph type="title"/>
+          </p:nvPr>
+        </p:nvSpPr>
         <p:spPr>
           <a:xfrm>
+            <a:off x="1357089" y="2435957"/>
+            <a:ext cx="4382521" cy="2007789"/>
+          </a:xfrm>
+        </p:spPr>
+        <p:txBody>
+          <a:bodyPr/>
+          <a:lstStyle>
+            <a:lvl1pPr>
+              <a:defRPr sz="3200"/>
+            </a:lvl1pPr>
+          </a:lstStyle>
+          <a:p>
+            <a:r>
+              <a:rPr lang="nl-NL" smtClean="0"/>
+              <a:t>Klik om de stijl te bewerken</a:t>
+            </a:r>
+            <a:endParaRPr lang="en-US" dirty="0"/>
+          </a:p>
+        </p:txBody>
+      </p:sp>
+      <p:sp>
+        <p:nvSpPr>
+          <p:cNvPr id="6" name="Text Placeholder 5"/>
+          <p:cNvSpPr>
+            <a:spLocks noGrp="1"/>
+          </p:cNvSpPr>
+          <p:nvPr>
+            <p:ph type="body" sz="quarter" idx="16"/>
+          </p:nvPr>
+        </p:nvSpPr>
+        <p:spPr>
+          <a:xfrm>
+            <a:off x="6156000" y="2286000"/>
+            <a:ext cx="4880300" cy="2295525"/>
+          </a:xfrm>
+        </p:spPr>
+        <p:txBody>
+          <a:bodyPr anchor="t"/>
+          <a:lstStyle>
+            <a:lvl1pPr marL="0" indent="0">
+              <a:buFontTx/>
+              <a:buNone/>
+              <a:defRPr/>
+            </a:lvl1pPr>
+          </a:lstStyle>
+          <a:p>
+            <a:pPr lvl="0"/>
+            <a:r>
+              <a:rPr lang="nl-NL" smtClean="0"/>
+              <a:t>Klik om de modelstijlen te bewerken</a:t>
+            </a:r>
+          </a:p>
+        </p:txBody>
+      </p:sp>
+      <p:sp>
+        <p:nvSpPr>
+          <p:cNvPr id="2" name="Date Placeholder 1"/>
+          <p:cNvSpPr>
+            <a:spLocks noGrp="1"/>
+          </p:cNvSpPr>
+          <p:nvPr>
+            <p:ph type="dt" sz="half" idx="10"/>
+          </p:nvPr>
+        </p:nvSpPr>
+        <p:spPr/>
+        <p:txBody>
+          <a:bodyPr/>
+          <a:lstStyle/>
+          <a:p>
+            <a:fld id="{B61BEF0D-F0BB-DE4B-95CE-6DB70DBA9567}" type="datetimeFigureOut">
+              <a:rPr lang="en-US" smtClean="0"/>
+              <a:pPr/>
+              <a:t>2/12/2016</a:t>
+            </a:fld>
+            <a:endParaRPr lang="en-US" dirty="0"/>
+          </a:p>
+        </p:txBody>
+      </p:sp>
+      <p:sp>
+        <p:nvSpPr>
+          <p:cNvPr id="3" name="Footer Placeholder 2"/>
+          <p:cNvSpPr>
+            <a:spLocks noGrp="1"/>
+          </p:cNvSpPr>
+          <p:nvPr>
+            <p:ph type="ftr" sz="quarter" idx="11"/>
+          </p:nvPr>
+        </p:nvSpPr>
+        <p:spPr/>
+        <p:txBody>
+          <a:bodyPr/>
+          <a:lstStyle/>
+          <a:p>
+            <a:endParaRPr lang="en-US" dirty="0"/>
+          </a:p>
+        </p:txBody>
+      </p:sp>
+      <p:sp>
+        <p:nvSpPr>
+          <p:cNvPr id="4" name="Slide Number Placeholder 3"/>
+          <p:cNvSpPr>
+            <a:spLocks noGrp="1"/>
+          </p:cNvSpPr>
+          <p:nvPr>
+            <p:ph type="sldNum" sz="quarter" idx="12"/>
+          </p:nvPr>
+        </p:nvSpPr>
+        <p:spPr/>
+        <p:txBody>
+          <a:bodyPr/>
+          <a:lstStyle/>
+          <a:p>
+            <a:fld id="{D57F1E4F-1CFF-5643-939E-217C01CDF565}" type="slidenum">
+              <a:rPr lang="en-US" smtClean="0"/>
+              <a:pPr/>
+              <a:t>‹nr.›</a:t>
+            </a:fld>
+            <a:endParaRPr lang="en-US" dirty="0"/>
+          </a:p>
+        </p:txBody>
+      </p:sp>
+    </p:spTree>
+    <p:extLst>
+      <p:ext uri="{BB962C8B-B14F-4D97-AF65-F5344CB8AC3E}">
+        <p14:creationId xmlns:p14="http://schemas.microsoft.com/office/powerpoint/2010/main" val="1478290817"/>
+      </p:ext>
+    </p:extLst>
+  </p:cSld>
+  <p:clrMapOvr>
+    <a:masterClrMapping/>
+  </p:clrMapOvr>
+</p:sldLayout>
+</file>
+
+<file path=ppt/slideLayouts/slideLayout13.xml><?xml version="1.0" encoding="utf-8"?>
+<p:sldLayout xmlns:a="http://schemas.openxmlformats.org/drawingml/2006/main" xmlns:r="http://schemas.openxmlformats.org/officeDocument/2006/relationships" xmlns:p="http://schemas.openxmlformats.org/presentationml/2006/main" type="vertTx" preserve="1">
+  <p:cSld name="Titel en verticale tekst">
+    <p:spTree>
+      <p:nvGrpSpPr>
+        <p:cNvPr id="1" name=""/>
+        <p:cNvGrpSpPr/>
+        <p:nvPr/>
+      </p:nvGrpSpPr>
+      <p:grpSpPr>
+        <a:xfrm>
+          <a:off x="0" y="0"/>
+          <a:ext cx="0" cy="0"/>
+          <a:chOff x="0" y="0"/>
+          <a:chExt cx="0" cy="0"/>
+        </a:xfrm>
+      </p:grpSpPr>
+      <p:sp>
+        <p:nvSpPr>
+          <p:cNvPr id="7" name="Freeform 6"/>
+          <p:cNvSpPr/>
+          <p:nvPr/>
+        </p:nvSpPr>
+        <p:spPr bwMode="auto">
+          <a:xfrm>
             <a:off x="0" y="0"/>
-            <a:ext cx="12188825" cy="6856214"/>
+            <a:ext cx="12192000" cy="2185988"/>
           </a:xfrm>
-          <a:prstGeom prst="rect">
+          <a:custGeom>
             <a:avLst/>
-          </a:prstGeom>
+            <a:gdLst/>
+            <a:ahLst/>
+            <a:cxnLst/>
+            <a:rect l="0" t="0" r="r" b="b"/>
+            <a:pathLst>
+              <a:path w="5760" h="1377">
+                <a:moveTo>
+                  <a:pt x="5760" y="0"/>
+                </a:moveTo>
+                <a:lnTo>
+                  <a:pt x="0" y="0"/>
+                </a:lnTo>
+                <a:lnTo>
+                  <a:pt x="0" y="1189"/>
+                </a:lnTo>
+                <a:lnTo>
+                  <a:pt x="943" y="1189"/>
+                </a:lnTo>
+                <a:lnTo>
+                  <a:pt x="1123" y="1369"/>
+                </a:lnTo>
+                <a:lnTo>
+                  <a:pt x="1123" y="1369"/>
+                </a:lnTo>
+                <a:lnTo>
+                  <a:pt x="1127" y="1371"/>
+                </a:lnTo>
+                <a:lnTo>
+                  <a:pt x="1133" y="1374"/>
+                </a:lnTo>
+                <a:lnTo>
+                  <a:pt x="1139" y="1377"/>
+                </a:lnTo>
+                <a:lnTo>
+                  <a:pt x="1144" y="1377"/>
+                </a:lnTo>
+                <a:lnTo>
+                  <a:pt x="1150" y="1377"/>
+                </a:lnTo>
+                <a:lnTo>
+                  <a:pt x="1155" y="1374"/>
+                </a:lnTo>
+                <a:lnTo>
+                  <a:pt x="1161" y="1371"/>
+                </a:lnTo>
+                <a:lnTo>
+                  <a:pt x="1165" y="1369"/>
+                </a:lnTo>
+                <a:lnTo>
+                  <a:pt x="1345" y="1189"/>
+                </a:lnTo>
+                <a:lnTo>
+                  <a:pt x="5760" y="1189"/>
+                </a:lnTo>
+                <a:lnTo>
+                  <a:pt x="5760" y="0"/>
+                </a:lnTo>
+                <a:close/>
+              </a:path>
+            </a:pathLst>
+          </a:custGeom>
+          <a:ln/>
+          <a:extLst>
+            <a:ext uri="{91240B29-F687-4f45-9708-019B960494DF}">
+              <a14:hiddenLine xmlns:a14="http://schemas.microsoft.com/office/drawing/2010/main" xmlns="" w="9525">
+                <a:solidFill>
+                  <a:srgbClr val="000000"/>
+                </a:solidFill>
+                <a:round/>
+                <a:headEnd/>
+                <a:tailEnd/>
+              </a14:hiddenLine>
+            </a:ext>
+          </a:extLst>
         </p:spPr>
-      </p:pic>
+        <p:style>
+          <a:lnRef idx="1">
+            <a:schemeClr val="accent1"/>
+          </a:lnRef>
+          <a:fillRef idx="3">
+            <a:schemeClr val="accent1"/>
+          </a:fillRef>
+          <a:effectRef idx="2">
+            <a:schemeClr val="accent1"/>
+          </a:effectRef>
+          <a:fontRef idx="minor">
+            <a:schemeClr val="lt1"/>
+          </a:fontRef>
+        </p:style>
+      </p:sp>
       <p:sp>
         <p:nvSpPr>
           <p:cNvPr id="2" name="Title 1"/>
@@ -2464,23 +1781,11 @@
             <p:ph type="title"/>
           </p:nvPr>
         </p:nvSpPr>
-        <p:spPr>
-          <a:xfrm>
-            <a:off x="685801" y="609601"/>
-            <a:ext cx="10131427" cy="2743199"/>
-          </a:xfrm>
-        </p:spPr>
+        <p:spPr/>
         <p:txBody>
-          <a:bodyPr vert="horz" lIns="91440" tIns="45720" rIns="91440" bIns="45720" rtlCol="0" anchor="ctr">
-            <a:normAutofit/>
-          </a:bodyPr>
-          <a:lstStyle>
-            <a:lvl1pPr>
-              <a:defRPr lang="en-US" b="0" dirty="0"/>
-            </a:lvl1pPr>
-          </a:lstStyle>
-          <a:p>
-            <a:pPr marL="0" lvl="0"/>
+          <a:bodyPr/>
+          <a:lstStyle/>
+          <a:p>
             <a:r>
               <a:rPr lang="nl-NL" smtClean="0"/>
               <a:t>Klik om de stijl te bewerken</a:t>
@@ -2491,49 +1796,851 @@
       </p:sp>
       <p:sp>
         <p:nvSpPr>
-          <p:cNvPr id="10" name="Text Placeholder 9"/>
+          <p:cNvPr id="3" name="Vertical Text Placeholder 2"/>
           <p:cNvSpPr>
             <a:spLocks noGrp="1"/>
           </p:cNvSpPr>
           <p:nvPr>
-            <p:ph type="body" sz="quarter" idx="13"/>
+            <p:ph type="body" orient="vert" idx="1"/>
+          </p:nvPr>
+        </p:nvSpPr>
+        <p:spPr/>
+        <p:txBody>
+          <a:bodyPr vert="eaVert" anchor="t"/>
+          <a:lstStyle/>
+          <a:p>
+            <a:pPr lvl="0"/>
+            <a:r>
+              <a:rPr lang="nl-NL" smtClean="0"/>
+              <a:t>Klik om de modelstijlen te bewerken</a:t>
+            </a:r>
+          </a:p>
+          <a:p>
+            <a:pPr lvl="1"/>
+            <a:r>
+              <a:rPr lang="nl-NL" smtClean="0"/>
+              <a:t>Tweede niveau</a:t>
+            </a:r>
+          </a:p>
+          <a:p>
+            <a:pPr lvl="2"/>
+            <a:r>
+              <a:rPr lang="nl-NL" smtClean="0"/>
+              <a:t>Derde niveau</a:t>
+            </a:r>
+          </a:p>
+          <a:p>
+            <a:pPr lvl="3"/>
+            <a:r>
+              <a:rPr lang="nl-NL" smtClean="0"/>
+              <a:t>Vierde niveau</a:t>
+            </a:r>
+          </a:p>
+          <a:p>
+            <a:pPr lvl="4"/>
+            <a:r>
+              <a:rPr lang="nl-NL" smtClean="0"/>
+              <a:t>Vijfde niveau</a:t>
+            </a:r>
+            <a:endParaRPr lang="en-US" dirty="0"/>
+          </a:p>
+        </p:txBody>
+      </p:sp>
+      <p:sp>
+        <p:nvSpPr>
+          <p:cNvPr id="4" name="Date Placeholder 3"/>
+          <p:cNvSpPr>
+            <a:spLocks noGrp="1"/>
+          </p:cNvSpPr>
+          <p:nvPr>
+            <p:ph type="dt" sz="half" idx="10"/>
+          </p:nvPr>
+        </p:nvSpPr>
+        <p:spPr/>
+        <p:txBody>
+          <a:bodyPr/>
+          <a:lstStyle/>
+          <a:p>
+            <a:fld id="{B61BEF0D-F0BB-DE4B-95CE-6DB70DBA9567}" type="datetimeFigureOut">
+              <a:rPr lang="en-US" smtClean="0"/>
+              <a:pPr/>
+              <a:t>2/12/2016</a:t>
+            </a:fld>
+            <a:endParaRPr lang="en-US" dirty="0"/>
+          </a:p>
+        </p:txBody>
+      </p:sp>
+      <p:sp>
+        <p:nvSpPr>
+          <p:cNvPr id="5" name="Footer Placeholder 4"/>
+          <p:cNvSpPr>
+            <a:spLocks noGrp="1"/>
+          </p:cNvSpPr>
+          <p:nvPr>
+            <p:ph type="ftr" sz="quarter" idx="11"/>
+          </p:nvPr>
+        </p:nvSpPr>
+        <p:spPr/>
+        <p:txBody>
+          <a:bodyPr/>
+          <a:lstStyle/>
+          <a:p>
+            <a:endParaRPr lang="en-US" dirty="0"/>
+          </a:p>
+        </p:txBody>
+      </p:sp>
+      <p:sp>
+        <p:nvSpPr>
+          <p:cNvPr id="6" name="Slide Number Placeholder 5"/>
+          <p:cNvSpPr>
+            <a:spLocks noGrp="1"/>
+          </p:cNvSpPr>
+          <p:nvPr>
+            <p:ph type="sldNum" sz="quarter" idx="12"/>
+          </p:nvPr>
+        </p:nvSpPr>
+        <p:spPr/>
+        <p:txBody>
+          <a:bodyPr/>
+          <a:lstStyle/>
+          <a:p>
+            <a:fld id="{D57F1E4F-1CFF-5643-939E-217C01CDF565}" type="slidenum">
+              <a:rPr lang="en-US" smtClean="0"/>
+              <a:pPr/>
+              <a:t>‹nr.›</a:t>
+            </a:fld>
+            <a:endParaRPr lang="en-US" dirty="0"/>
+          </a:p>
+        </p:txBody>
+      </p:sp>
+    </p:spTree>
+    <p:extLst>
+      <p:ext uri="{BB962C8B-B14F-4D97-AF65-F5344CB8AC3E}">
+        <p14:creationId xmlns:p14="http://schemas.microsoft.com/office/powerpoint/2010/main" val="2317135257"/>
+      </p:ext>
+    </p:extLst>
+  </p:cSld>
+  <p:clrMapOvr>
+    <a:masterClrMapping/>
+  </p:clrMapOvr>
+</p:sldLayout>
+</file>
+
+<file path=ppt/slideLayouts/slideLayout14.xml><?xml version="1.0" encoding="utf-8"?>
+<p:sldLayout xmlns:a="http://schemas.openxmlformats.org/drawingml/2006/main" xmlns:r="http://schemas.openxmlformats.org/officeDocument/2006/relationships" xmlns:p="http://schemas.openxmlformats.org/presentationml/2006/main" type="vertTitleAndTx" preserve="1">
+  <p:cSld name="Verticale titel en tekst">
+    <p:spTree>
+      <p:nvGrpSpPr>
+        <p:cNvPr id="1" name=""/>
+        <p:cNvGrpSpPr/>
+        <p:nvPr/>
+      </p:nvGrpSpPr>
+      <p:grpSpPr>
+        <a:xfrm>
+          <a:off x="0" y="0"/>
+          <a:ext cx="0" cy="0"/>
+          <a:chOff x="0" y="0"/>
+          <a:chExt cx="0" cy="0"/>
+        </a:xfrm>
+      </p:grpSpPr>
+      <p:sp>
+        <p:nvSpPr>
+          <p:cNvPr id="12" name="Freeform 6"/>
+          <p:cNvSpPr>
+            <a:spLocks noChangeAspect="1"/>
+          </p:cNvSpPr>
+          <p:nvPr/>
+        </p:nvSpPr>
+        <p:spPr bwMode="auto">
+          <a:xfrm>
+            <a:off x="7669651" y="446089"/>
+            <a:ext cx="4522349" cy="5414962"/>
+          </a:xfrm>
+          <a:custGeom>
+            <a:avLst/>
+            <a:gdLst/>
+            <a:ahLst/>
+            <a:cxnLst/>
+            <a:rect l="0" t="0" r="r" b="b"/>
+            <a:pathLst>
+              <a:path w="2879" h="4320">
+                <a:moveTo>
+                  <a:pt x="183" y="0"/>
+                </a:moveTo>
+                <a:lnTo>
+                  <a:pt x="183" y="1197"/>
+                </a:lnTo>
+                <a:lnTo>
+                  <a:pt x="8" y="1372"/>
+                </a:lnTo>
+                <a:lnTo>
+                  <a:pt x="8" y="1372"/>
+                </a:lnTo>
+                <a:lnTo>
+                  <a:pt x="6" y="1376"/>
+                </a:lnTo>
+                <a:lnTo>
+                  <a:pt x="3" y="1382"/>
+                </a:lnTo>
+                <a:lnTo>
+                  <a:pt x="0" y="1387"/>
+                </a:lnTo>
+                <a:lnTo>
+                  <a:pt x="0" y="1393"/>
+                </a:lnTo>
+                <a:lnTo>
+                  <a:pt x="0" y="1399"/>
+                </a:lnTo>
+                <a:lnTo>
+                  <a:pt x="3" y="1404"/>
+                </a:lnTo>
+                <a:lnTo>
+                  <a:pt x="6" y="1410"/>
+                </a:lnTo>
+                <a:lnTo>
+                  <a:pt x="8" y="1414"/>
+                </a:lnTo>
+                <a:lnTo>
+                  <a:pt x="183" y="1589"/>
+                </a:lnTo>
+                <a:lnTo>
+                  <a:pt x="183" y="4320"/>
+                </a:lnTo>
+                <a:lnTo>
+                  <a:pt x="2879" y="4320"/>
+                </a:lnTo>
+                <a:lnTo>
+                  <a:pt x="2879" y="0"/>
+                </a:lnTo>
+                <a:lnTo>
+                  <a:pt x="183" y="0"/>
+                </a:lnTo>
+                <a:close/>
+              </a:path>
+            </a:pathLst>
+          </a:custGeom>
+          <a:ln/>
+          <a:extLst>
+            <a:ext uri="{91240B29-F687-4f45-9708-019B960494DF}">
+              <a14:hiddenLine xmlns:a14="http://schemas.microsoft.com/office/drawing/2010/main" xmlns="" w="9525">
+                <a:solidFill>
+                  <a:srgbClr val="000000"/>
+                </a:solidFill>
+                <a:round/>
+                <a:headEnd/>
+                <a:tailEnd/>
+              </a14:hiddenLine>
+            </a:ext>
+          </a:extLst>
+        </p:spPr>
+        <p:style>
+          <a:lnRef idx="1">
+            <a:schemeClr val="accent1"/>
+          </a:lnRef>
+          <a:fillRef idx="3">
+            <a:schemeClr val="accent1"/>
+          </a:fillRef>
+          <a:effectRef idx="2">
+            <a:schemeClr val="accent1"/>
+          </a:effectRef>
+          <a:fontRef idx="minor">
+            <a:schemeClr val="lt1"/>
+          </a:fontRef>
+        </p:style>
+      </p:sp>
+      <p:sp>
+        <p:nvSpPr>
+          <p:cNvPr id="2" name="Vertical Title 1"/>
+          <p:cNvSpPr>
+            <a:spLocks noGrp="1"/>
+          </p:cNvSpPr>
+          <p:nvPr>
+            <p:ph type="title" orient="vert"/>
           </p:nvPr>
         </p:nvSpPr>
         <p:spPr>
           <a:xfrm>
-            <a:off x="685801" y="3505200"/>
-            <a:ext cx="10131428" cy="838200"/>
+            <a:off x="8183540" y="586171"/>
+            <a:ext cx="2494791" cy="5134798"/>
           </a:xfrm>
         </p:spPr>
         <p:txBody>
-          <a:bodyPr vert="horz" lIns="91440" tIns="45720" rIns="91440" bIns="45720" rtlCol="0" anchor="b">
-            <a:normAutofit/>
-          </a:bodyPr>
+          <a:bodyPr vert="eaVert"/>
+          <a:lstStyle/>
+          <a:p>
+            <a:r>
+              <a:rPr lang="nl-NL" smtClean="0"/>
+              <a:t>Klik om de stijl te bewerken</a:t>
+            </a:r>
+            <a:endParaRPr lang="en-US" dirty="0"/>
+          </a:p>
+        </p:txBody>
+      </p:sp>
+      <p:sp>
+        <p:nvSpPr>
+          <p:cNvPr id="3" name="Vertical Text Placeholder 2"/>
+          <p:cNvSpPr>
+            <a:spLocks noGrp="1"/>
+          </p:cNvSpPr>
+          <p:nvPr>
+            <p:ph type="body" orient="vert" idx="1"/>
+          </p:nvPr>
+        </p:nvSpPr>
+        <p:spPr>
+          <a:xfrm>
+            <a:off x="810001" y="446089"/>
+            <a:ext cx="6611540" cy="5414962"/>
+          </a:xfrm>
+        </p:spPr>
+        <p:txBody>
+          <a:bodyPr vert="eaVert" anchor="t"/>
+          <a:lstStyle/>
+          <a:p>
+            <a:pPr lvl="0"/>
+            <a:r>
+              <a:rPr lang="nl-NL" smtClean="0"/>
+              <a:t>Klik om de modelstijlen te bewerken</a:t>
+            </a:r>
+          </a:p>
+          <a:p>
+            <a:pPr lvl="1"/>
+            <a:r>
+              <a:rPr lang="nl-NL" smtClean="0"/>
+              <a:t>Tweede niveau</a:t>
+            </a:r>
+          </a:p>
+          <a:p>
+            <a:pPr lvl="2"/>
+            <a:r>
+              <a:rPr lang="nl-NL" smtClean="0"/>
+              <a:t>Derde niveau</a:t>
+            </a:r>
+          </a:p>
+          <a:p>
+            <a:pPr lvl="3"/>
+            <a:r>
+              <a:rPr lang="nl-NL" smtClean="0"/>
+              <a:t>Vierde niveau</a:t>
+            </a:r>
+          </a:p>
+          <a:p>
+            <a:pPr lvl="4"/>
+            <a:r>
+              <a:rPr lang="nl-NL" smtClean="0"/>
+              <a:t>Vijfde niveau</a:t>
+            </a:r>
+            <a:endParaRPr lang="en-US" dirty="0"/>
+          </a:p>
+        </p:txBody>
+      </p:sp>
+      <p:sp>
+        <p:nvSpPr>
+          <p:cNvPr id="4" name="Date Placeholder 3"/>
+          <p:cNvSpPr>
+            <a:spLocks noGrp="1"/>
+          </p:cNvSpPr>
+          <p:nvPr>
+            <p:ph type="dt" sz="half" idx="10"/>
+          </p:nvPr>
+        </p:nvSpPr>
+        <p:spPr/>
+        <p:txBody>
+          <a:bodyPr/>
+          <a:lstStyle/>
+          <a:p>
+            <a:fld id="{B61BEF0D-F0BB-DE4B-95CE-6DB70DBA9567}" type="datetimeFigureOut">
+              <a:rPr lang="en-US" smtClean="0"/>
+              <a:pPr/>
+              <a:t>2/12/2016</a:t>
+            </a:fld>
+            <a:endParaRPr lang="en-US" dirty="0"/>
+          </a:p>
+        </p:txBody>
+      </p:sp>
+      <p:sp>
+        <p:nvSpPr>
+          <p:cNvPr id="5" name="Footer Placeholder 4"/>
+          <p:cNvSpPr>
+            <a:spLocks noGrp="1"/>
+          </p:cNvSpPr>
+          <p:nvPr>
+            <p:ph type="ftr" sz="quarter" idx="11"/>
+          </p:nvPr>
+        </p:nvSpPr>
+        <p:spPr/>
+        <p:txBody>
+          <a:bodyPr/>
+          <a:lstStyle/>
+          <a:p>
+            <a:endParaRPr lang="en-US" dirty="0"/>
+          </a:p>
+        </p:txBody>
+      </p:sp>
+      <p:sp>
+        <p:nvSpPr>
+          <p:cNvPr id="6" name="Slide Number Placeholder 5"/>
+          <p:cNvSpPr>
+            <a:spLocks noGrp="1"/>
+          </p:cNvSpPr>
+          <p:nvPr>
+            <p:ph type="sldNum" sz="quarter" idx="12"/>
+          </p:nvPr>
+        </p:nvSpPr>
+        <p:spPr/>
+        <p:txBody>
+          <a:bodyPr/>
+          <a:lstStyle/>
+          <a:p>
+            <a:fld id="{D57F1E4F-1CFF-5643-939E-217C01CDF565}" type="slidenum">
+              <a:rPr lang="en-US" smtClean="0"/>
+              <a:pPr/>
+              <a:t>‹nr.›</a:t>
+            </a:fld>
+            <a:endParaRPr lang="en-US" dirty="0"/>
+          </a:p>
+        </p:txBody>
+      </p:sp>
+    </p:spTree>
+    <p:extLst>
+      <p:ext uri="{BB962C8B-B14F-4D97-AF65-F5344CB8AC3E}">
+        <p14:creationId xmlns:p14="http://schemas.microsoft.com/office/powerpoint/2010/main" val="3174347232"/>
+      </p:ext>
+    </p:extLst>
+  </p:cSld>
+  <p:clrMapOvr>
+    <a:masterClrMapping/>
+  </p:clrMapOvr>
+</p:sldLayout>
+</file>
+
+<file path=ppt/slideLayouts/slideLayout2.xml><?xml version="1.0" encoding="utf-8"?>
+<p:sldLayout xmlns:a="http://schemas.openxmlformats.org/drawingml/2006/main" xmlns:r="http://schemas.openxmlformats.org/officeDocument/2006/relationships" xmlns:p="http://schemas.openxmlformats.org/presentationml/2006/main" type="obj" preserve="1">
+  <p:cSld name="Titel en object">
+    <p:spTree>
+      <p:nvGrpSpPr>
+        <p:cNvPr id="1" name=""/>
+        <p:cNvGrpSpPr/>
+        <p:nvPr/>
+      </p:nvGrpSpPr>
+      <p:grpSpPr>
+        <a:xfrm>
+          <a:off x="0" y="0"/>
+          <a:ext cx="0" cy="0"/>
+          <a:chOff x="0" y="0"/>
+          <a:chExt cx="0" cy="0"/>
+        </a:xfrm>
+      </p:grpSpPr>
+      <p:sp>
+        <p:nvSpPr>
+          <p:cNvPr id="11" name="Freeform 6"/>
+          <p:cNvSpPr/>
+          <p:nvPr/>
+        </p:nvSpPr>
+        <p:spPr bwMode="auto">
+          <a:xfrm>
+            <a:off x="0" y="0"/>
+            <a:ext cx="12192000" cy="2185988"/>
+          </a:xfrm>
+          <a:custGeom>
+            <a:avLst/>
+            <a:gdLst/>
+            <a:ahLst/>
+            <a:cxnLst/>
+            <a:rect l="0" t="0" r="r" b="b"/>
+            <a:pathLst>
+              <a:path w="5760" h="1377">
+                <a:moveTo>
+                  <a:pt x="5760" y="0"/>
+                </a:moveTo>
+                <a:lnTo>
+                  <a:pt x="0" y="0"/>
+                </a:lnTo>
+                <a:lnTo>
+                  <a:pt x="0" y="1189"/>
+                </a:lnTo>
+                <a:lnTo>
+                  <a:pt x="943" y="1189"/>
+                </a:lnTo>
+                <a:lnTo>
+                  <a:pt x="1123" y="1369"/>
+                </a:lnTo>
+                <a:lnTo>
+                  <a:pt x="1123" y="1369"/>
+                </a:lnTo>
+                <a:lnTo>
+                  <a:pt x="1127" y="1371"/>
+                </a:lnTo>
+                <a:lnTo>
+                  <a:pt x="1133" y="1374"/>
+                </a:lnTo>
+                <a:lnTo>
+                  <a:pt x="1139" y="1377"/>
+                </a:lnTo>
+                <a:lnTo>
+                  <a:pt x="1144" y="1377"/>
+                </a:lnTo>
+                <a:lnTo>
+                  <a:pt x="1150" y="1377"/>
+                </a:lnTo>
+                <a:lnTo>
+                  <a:pt x="1155" y="1374"/>
+                </a:lnTo>
+                <a:lnTo>
+                  <a:pt x="1161" y="1371"/>
+                </a:lnTo>
+                <a:lnTo>
+                  <a:pt x="1165" y="1369"/>
+                </a:lnTo>
+                <a:lnTo>
+                  <a:pt x="1345" y="1189"/>
+                </a:lnTo>
+                <a:lnTo>
+                  <a:pt x="5760" y="1189"/>
+                </a:lnTo>
+                <a:lnTo>
+                  <a:pt x="5760" y="0"/>
+                </a:lnTo>
+                <a:close/>
+              </a:path>
+            </a:pathLst>
+          </a:custGeom>
+          <a:ln/>
+          <a:extLst>
+            <a:ext uri="{91240B29-F687-4f45-9708-019B960494DF}">
+              <a14:hiddenLine xmlns:a14="http://schemas.microsoft.com/office/drawing/2010/main" xmlns="" w="9525">
+                <a:solidFill>
+                  <a:srgbClr val="000000"/>
+                </a:solidFill>
+                <a:round/>
+                <a:headEnd/>
+                <a:tailEnd/>
+              </a14:hiddenLine>
+            </a:ext>
+          </a:extLst>
+        </p:spPr>
+        <p:style>
+          <a:lnRef idx="1">
+            <a:schemeClr val="accent1"/>
+          </a:lnRef>
+          <a:fillRef idx="3">
+            <a:schemeClr val="accent1"/>
+          </a:fillRef>
+          <a:effectRef idx="2">
+            <a:schemeClr val="accent1"/>
+          </a:effectRef>
+          <a:fontRef idx="minor">
+            <a:schemeClr val="lt1"/>
+          </a:fontRef>
+        </p:style>
+      </p:sp>
+      <p:sp>
+        <p:nvSpPr>
+          <p:cNvPr id="2" name="Title 1"/>
+          <p:cNvSpPr>
+            <a:spLocks noGrp="1"/>
+          </p:cNvSpPr>
+          <p:nvPr>
+            <p:ph type="title"/>
+          </p:nvPr>
+        </p:nvSpPr>
+        <p:spPr>
+          <a:xfrm>
+            <a:off x="810000" y="447188"/>
+            <a:ext cx="10571998" cy="970450"/>
+          </a:xfrm>
+        </p:spPr>
+        <p:txBody>
+          <a:bodyPr/>
+          <a:lstStyle/>
+          <a:p>
+            <a:r>
+              <a:rPr lang="nl-NL" smtClean="0"/>
+              <a:t>Klik om de stijl te bewerken</a:t>
+            </a:r>
+            <a:endParaRPr lang="en-US" dirty="0"/>
+          </a:p>
+        </p:txBody>
+      </p:sp>
+      <p:sp>
+        <p:nvSpPr>
+          <p:cNvPr id="3" name="Content Placeholder 2"/>
+          <p:cNvSpPr>
+            <a:spLocks noGrp="1"/>
+          </p:cNvSpPr>
+          <p:nvPr>
+            <p:ph idx="1"/>
+          </p:nvPr>
+        </p:nvSpPr>
+        <p:spPr>
+          <a:xfrm>
+            <a:off x="818712" y="2222287"/>
+            <a:ext cx="10554574" cy="3636511"/>
+          </a:xfrm>
+        </p:spPr>
+        <p:txBody>
+          <a:bodyPr/>
+          <a:lstStyle/>
+          <a:p>
+            <a:pPr lvl="0"/>
+            <a:r>
+              <a:rPr lang="nl-NL" smtClean="0"/>
+              <a:t>Klik om de modelstijlen te bewerken</a:t>
+            </a:r>
+          </a:p>
+          <a:p>
+            <a:pPr lvl="1"/>
+            <a:r>
+              <a:rPr lang="nl-NL" smtClean="0"/>
+              <a:t>Tweede niveau</a:t>
+            </a:r>
+          </a:p>
+          <a:p>
+            <a:pPr lvl="2"/>
+            <a:r>
+              <a:rPr lang="nl-NL" smtClean="0"/>
+              <a:t>Derde niveau</a:t>
+            </a:r>
+          </a:p>
+          <a:p>
+            <a:pPr lvl="3"/>
+            <a:r>
+              <a:rPr lang="nl-NL" smtClean="0"/>
+              <a:t>Vierde niveau</a:t>
+            </a:r>
+          </a:p>
+          <a:p>
+            <a:pPr lvl="4"/>
+            <a:r>
+              <a:rPr lang="nl-NL" smtClean="0"/>
+              <a:t>Vijfde niveau</a:t>
+            </a:r>
+            <a:endParaRPr lang="en-US" dirty="0"/>
+          </a:p>
+        </p:txBody>
+      </p:sp>
+      <p:sp>
+        <p:nvSpPr>
+          <p:cNvPr id="4" name="Date Placeholder 3"/>
+          <p:cNvSpPr>
+            <a:spLocks noGrp="1"/>
+          </p:cNvSpPr>
+          <p:nvPr>
+            <p:ph type="dt" sz="half" idx="10"/>
+          </p:nvPr>
+        </p:nvSpPr>
+        <p:spPr/>
+        <p:txBody>
+          <a:bodyPr/>
+          <a:lstStyle/>
+          <a:p>
+            <a:fld id="{B61BEF0D-F0BB-DE4B-95CE-6DB70DBA9567}" type="datetimeFigureOut">
+              <a:rPr lang="en-US" smtClean="0"/>
+              <a:pPr/>
+              <a:t>2/12/2016</a:t>
+            </a:fld>
+            <a:endParaRPr lang="en-US" dirty="0"/>
+          </a:p>
+        </p:txBody>
+      </p:sp>
+      <p:sp>
+        <p:nvSpPr>
+          <p:cNvPr id="5" name="Footer Placeholder 4"/>
+          <p:cNvSpPr>
+            <a:spLocks noGrp="1"/>
+          </p:cNvSpPr>
+          <p:nvPr>
+            <p:ph type="ftr" sz="quarter" idx="11"/>
+          </p:nvPr>
+        </p:nvSpPr>
+        <p:spPr/>
+        <p:txBody>
+          <a:bodyPr/>
+          <a:lstStyle/>
+          <a:p>
+            <a:endParaRPr lang="en-US" dirty="0"/>
+          </a:p>
+        </p:txBody>
+      </p:sp>
+      <p:sp>
+        <p:nvSpPr>
+          <p:cNvPr id="6" name="Slide Number Placeholder 5"/>
+          <p:cNvSpPr>
+            <a:spLocks noGrp="1"/>
+          </p:cNvSpPr>
+          <p:nvPr>
+            <p:ph type="sldNum" sz="quarter" idx="12"/>
+          </p:nvPr>
+        </p:nvSpPr>
+        <p:spPr/>
+        <p:txBody>
+          <a:bodyPr/>
+          <a:lstStyle/>
+          <a:p>
+            <a:fld id="{D57F1E4F-1CFF-5643-939E-217C01CDF565}" type="slidenum">
+              <a:rPr lang="en-US" smtClean="0"/>
+              <a:pPr/>
+              <a:t>‹nr.›</a:t>
+            </a:fld>
+            <a:endParaRPr lang="en-US" dirty="0"/>
+          </a:p>
+        </p:txBody>
+      </p:sp>
+    </p:spTree>
+    <p:extLst>
+      <p:ext uri="{BB962C8B-B14F-4D97-AF65-F5344CB8AC3E}">
+        <p14:creationId xmlns:p14="http://schemas.microsoft.com/office/powerpoint/2010/main" val="1319443331"/>
+      </p:ext>
+    </p:extLst>
+  </p:cSld>
+  <p:clrMapOvr>
+    <a:masterClrMapping/>
+  </p:clrMapOvr>
+</p:sldLayout>
+</file>
+
+<file path=ppt/slideLayouts/slideLayout3.xml><?xml version="1.0" encoding="utf-8"?>
+<p:sldLayout xmlns:a="http://schemas.openxmlformats.org/drawingml/2006/main" xmlns:r="http://schemas.openxmlformats.org/officeDocument/2006/relationships" xmlns:p="http://schemas.openxmlformats.org/presentationml/2006/main" type="secHead" preserve="1">
+  <p:cSld name="Sectiekop">
+    <p:spTree>
+      <p:nvGrpSpPr>
+        <p:cNvPr id="1" name=""/>
+        <p:cNvGrpSpPr/>
+        <p:nvPr/>
+      </p:nvGrpSpPr>
+      <p:grpSpPr>
+        <a:xfrm>
+          <a:off x="0" y="0"/>
+          <a:ext cx="0" cy="0"/>
+          <a:chOff x="0" y="0"/>
+          <a:chExt cx="0" cy="0"/>
+        </a:xfrm>
+      </p:grpSpPr>
+      <p:sp>
+        <p:nvSpPr>
+          <p:cNvPr id="10" name="Freeform 7"/>
+          <p:cNvSpPr/>
+          <p:nvPr/>
+        </p:nvSpPr>
+        <p:spPr bwMode="auto">
+          <a:xfrm>
+            <a:off x="0" y="1"/>
+            <a:ext cx="12192000" cy="5203825"/>
+          </a:xfrm>
+          <a:custGeom>
+            <a:avLst/>
+            <a:gdLst/>
+            <a:ahLst/>
+            <a:cxnLst/>
+            <a:rect l="0" t="0" r="r" b="b"/>
+            <a:pathLst>
+              <a:path w="5760" h="3278">
+                <a:moveTo>
+                  <a:pt x="0" y="0"/>
+                </a:moveTo>
+                <a:lnTo>
+                  <a:pt x="5760" y="0"/>
+                </a:lnTo>
+                <a:lnTo>
+                  <a:pt x="5760" y="3090"/>
+                </a:lnTo>
+                <a:lnTo>
+                  <a:pt x="4817" y="3090"/>
+                </a:lnTo>
+                <a:lnTo>
+                  <a:pt x="4637" y="3270"/>
+                </a:lnTo>
+                <a:lnTo>
+                  <a:pt x="4637" y="3270"/>
+                </a:lnTo>
+                <a:lnTo>
+                  <a:pt x="4633" y="3272"/>
+                </a:lnTo>
+                <a:lnTo>
+                  <a:pt x="4627" y="3275"/>
+                </a:lnTo>
+                <a:lnTo>
+                  <a:pt x="4621" y="3278"/>
+                </a:lnTo>
+                <a:lnTo>
+                  <a:pt x="4616" y="3278"/>
+                </a:lnTo>
+                <a:lnTo>
+                  <a:pt x="4610" y="3278"/>
+                </a:lnTo>
+                <a:lnTo>
+                  <a:pt x="4605" y="3275"/>
+                </a:lnTo>
+                <a:lnTo>
+                  <a:pt x="4599" y="3272"/>
+                </a:lnTo>
+                <a:lnTo>
+                  <a:pt x="4595" y="3270"/>
+                </a:lnTo>
+                <a:lnTo>
+                  <a:pt x="4415" y="3090"/>
+                </a:lnTo>
+                <a:lnTo>
+                  <a:pt x="0" y="3090"/>
+                </a:lnTo>
+                <a:lnTo>
+                  <a:pt x="0" y="0"/>
+                </a:lnTo>
+                <a:lnTo>
+                  <a:pt x="0" y="0"/>
+                </a:lnTo>
+                <a:close/>
+              </a:path>
+            </a:pathLst>
+          </a:custGeom>
+          <a:ln>
+            <a:headEnd/>
+            <a:tailEnd/>
+          </a:ln>
+        </p:spPr>
+        <p:style>
+          <a:lnRef idx="1">
+            <a:schemeClr val="accent1"/>
+          </a:lnRef>
+          <a:fillRef idx="3">
+            <a:schemeClr val="accent1"/>
+          </a:fillRef>
+          <a:effectRef idx="2">
+            <a:schemeClr val="accent1"/>
+          </a:effectRef>
+          <a:fontRef idx="minor">
+            <a:schemeClr val="lt1"/>
+          </a:fontRef>
+        </p:style>
+      </p:sp>
+      <p:sp>
+        <p:nvSpPr>
+          <p:cNvPr id="2" name="Title 1"/>
+          <p:cNvSpPr>
+            <a:spLocks noGrp="1"/>
+          </p:cNvSpPr>
+          <p:nvPr>
+            <p:ph type="title"/>
+          </p:nvPr>
+        </p:nvSpPr>
+        <p:spPr>
+          <a:xfrm>
+            <a:off x="810000" y="2951396"/>
+            <a:ext cx="10561418" cy="1468800"/>
+          </a:xfrm>
+        </p:spPr>
+        <p:txBody>
+          <a:bodyPr anchor="b"/>
           <a:lstStyle>
-            <a:lvl1pPr>
-              <a:buNone/>
-              <a:defRPr lang="en-US" sz="2800" b="0" cap="none" dirty="0">
-                <a:ln w="3175" cmpd="sng">
-                  <a:noFill/>
-                </a:ln>
-                <a:solidFill>
-                  <a:schemeClr val="tx1"/>
-                </a:solidFill>
-                <a:effectLst/>
-              </a:defRPr>
+            <a:lvl1pPr algn="r">
+              <a:defRPr sz="4800" b="1" cap="none"/>
             </a:lvl1pPr>
           </a:lstStyle>
           <a:p>
-            <a:pPr marL="0" lvl="0">
-              <a:spcBef>
-                <a:spcPct val="0"/>
-              </a:spcBef>
-              <a:buNone/>
-            </a:pPr>
             <a:r>
               <a:rPr lang="nl-NL" smtClean="0"/>
-              <a:t>Klik om de modelstijlen te bewerken</a:t>
-            </a:r>
+              <a:t>Klik om de stijl te bewerken</a:t>
+            </a:r>
+            <a:endParaRPr lang="en-US" dirty="0"/>
           </a:p>
         </p:txBody>
       </p:sp>
@@ -2549,16 +2656,16 @@
         </p:nvSpPr>
         <p:spPr>
           <a:xfrm>
-            <a:off x="685800" y="4343400"/>
-            <a:ext cx="10131428" cy="1447800"/>
+            <a:off x="810000" y="5281201"/>
+            <a:ext cx="10561418" cy="433955"/>
           </a:xfrm>
         </p:spPr>
         <p:txBody>
           <a:bodyPr anchor="t">
-            <a:normAutofit/>
+            <a:noAutofit/>
           </a:bodyPr>
           <a:lstStyle>
-            <a:lvl1pPr marL="0" indent="0" algn="l">
+            <a:lvl1pPr marL="0" indent="0" algn="r">
               <a:buNone/>
               <a:defRPr sz="1800">
                 <a:solidFill>
@@ -2672,9 +2779,9 @@
           <a:lstStyle/>
           <a:p>
             <a:fld id="{B61BEF0D-F0BB-DE4B-95CE-6DB70DBA9567}" type="datetimeFigureOut">
-              <a:rPr lang="en-US" dirty="0"/>
+              <a:rPr lang="en-US" smtClean="0"/>
               <a:pPr/>
-              <a:t>2/10/2016</a:t>
+              <a:t>2/12/2016</a:t>
             </a:fld>
             <a:endParaRPr lang="en-US" dirty="0"/>
           </a:p>
@@ -2715,7 +2822,7 @@
           <a:lstStyle/>
           <a:p>
             <a:fld id="{D57F1E4F-1CFF-5643-939E-217C01CDF565}" type="slidenum">
-              <a:rPr lang="en-US" dirty="0"/>
+              <a:rPr lang="en-US" smtClean="0"/>
               <a:pPr/>
               <a:t>‹nr.›</a:t>
             </a:fld>
@@ -2724,885 +2831,11 @@
         </p:txBody>
       </p:sp>
     </p:spTree>
-  </p:cSld>
-  <p:clrMapOvr>
-    <a:masterClrMapping/>
-  </p:clrMapOvr>
-</p:sldLayout>
-</file>
-
-<file path=ppt/slideLayouts/slideLayout16.xml><?xml version="1.0" encoding="utf-8"?>
-<p:sldLayout xmlns:a="http://schemas.openxmlformats.org/drawingml/2006/main" xmlns:r="http://schemas.openxmlformats.org/officeDocument/2006/relationships" xmlns:p="http://schemas.openxmlformats.org/presentationml/2006/main" type="vertTx" preserve="1">
-  <p:cSld name="Titel en verticale tekst">
-    <p:spTree>
-      <p:nvGrpSpPr>
-        <p:cNvPr id="1" name=""/>
-        <p:cNvGrpSpPr/>
-        <p:nvPr/>
-      </p:nvGrpSpPr>
-      <p:grpSpPr>
-        <a:xfrm>
-          <a:off x="0" y="0"/>
-          <a:ext cx="0" cy="0"/>
-          <a:chOff x="0" y="0"/>
-          <a:chExt cx="0" cy="0"/>
-        </a:xfrm>
-      </p:grpSpPr>
-      <p:pic>
-        <p:nvPicPr>
-          <p:cNvPr id="7" name="Picture 6" descr="Celestia-R1---OverlayContentHD.png"/>
-          <p:cNvPicPr>
-            <a:picLocks noChangeAspect="1"/>
-          </p:cNvPicPr>
-          <p:nvPr/>
-        </p:nvPicPr>
-        <p:blipFill>
-          <a:blip r:embed="rId2">
-            <a:extLst>
-              <a:ext uri="{28A0092B-C50C-407E-A947-70E740481C1C}">
-                <a14:useLocalDpi xmlns:a14="http://schemas.microsoft.com/office/drawing/2010/main" val="0"/>
-              </a:ext>
-            </a:extLst>
-          </a:blip>
-          <a:stretch>
-            <a:fillRect/>
-          </a:stretch>
-        </p:blipFill>
-        <p:spPr>
-          <a:xfrm>
-            <a:off x="0" y="0"/>
-            <a:ext cx="12188825" cy="6856214"/>
-          </a:xfrm>
-          <a:prstGeom prst="rect">
-            <a:avLst/>
-          </a:prstGeom>
-        </p:spPr>
-      </p:pic>
-      <p:sp>
-        <p:nvSpPr>
-          <p:cNvPr id="3" name="Vertical Text Placeholder 2"/>
-          <p:cNvSpPr>
-            <a:spLocks noGrp="1"/>
-          </p:cNvSpPr>
-          <p:nvPr>
-            <p:ph type="body" orient="vert" idx="1"/>
-          </p:nvPr>
-        </p:nvSpPr>
-        <p:spPr/>
-        <p:txBody>
-          <a:bodyPr vert="eaVert" anchor="t"/>
-          <a:lstStyle/>
-          <a:p>
-            <a:pPr lvl="0"/>
-            <a:r>
-              <a:rPr lang="nl-NL" smtClean="0"/>
-              <a:t>Klik om de modelstijlen te bewerken</a:t>
-            </a:r>
-          </a:p>
-          <a:p>
-            <a:pPr lvl="1"/>
-            <a:r>
-              <a:rPr lang="nl-NL" smtClean="0"/>
-              <a:t>Tweede niveau</a:t>
-            </a:r>
-          </a:p>
-          <a:p>
-            <a:pPr lvl="2"/>
-            <a:r>
-              <a:rPr lang="nl-NL" smtClean="0"/>
-              <a:t>Derde niveau</a:t>
-            </a:r>
-          </a:p>
-          <a:p>
-            <a:pPr lvl="3"/>
-            <a:r>
-              <a:rPr lang="nl-NL" smtClean="0"/>
-              <a:t>Vierde niveau</a:t>
-            </a:r>
-          </a:p>
-          <a:p>
-            <a:pPr lvl="4"/>
-            <a:r>
-              <a:rPr lang="nl-NL" smtClean="0"/>
-              <a:t>Vijfde niveau</a:t>
-            </a:r>
-            <a:endParaRPr lang="en-US" dirty="0"/>
-          </a:p>
-        </p:txBody>
-      </p:sp>
-      <p:sp>
-        <p:nvSpPr>
-          <p:cNvPr id="4" name="Date Placeholder 3"/>
-          <p:cNvSpPr>
-            <a:spLocks noGrp="1"/>
-          </p:cNvSpPr>
-          <p:nvPr>
-            <p:ph type="dt" sz="half" idx="10"/>
-          </p:nvPr>
-        </p:nvSpPr>
-        <p:spPr/>
-        <p:txBody>
-          <a:bodyPr/>
-          <a:lstStyle/>
-          <a:p>
-            <a:fld id="{B61BEF0D-F0BB-DE4B-95CE-6DB70DBA9567}" type="datetimeFigureOut">
-              <a:rPr lang="en-US" dirty="0"/>
-              <a:pPr/>
-              <a:t>2/10/2016</a:t>
-            </a:fld>
-            <a:endParaRPr lang="en-US" dirty="0"/>
-          </a:p>
-        </p:txBody>
-      </p:sp>
-      <p:sp>
-        <p:nvSpPr>
-          <p:cNvPr id="5" name="Footer Placeholder 4"/>
-          <p:cNvSpPr>
-            <a:spLocks noGrp="1"/>
-          </p:cNvSpPr>
-          <p:nvPr>
-            <p:ph type="ftr" sz="quarter" idx="11"/>
-          </p:nvPr>
-        </p:nvSpPr>
-        <p:spPr/>
-        <p:txBody>
-          <a:bodyPr/>
-          <a:lstStyle/>
-          <a:p>
-            <a:endParaRPr lang="en-US" dirty="0"/>
-          </a:p>
-        </p:txBody>
-      </p:sp>
-      <p:sp>
-        <p:nvSpPr>
-          <p:cNvPr id="6" name="Slide Number Placeholder 5"/>
-          <p:cNvSpPr>
-            <a:spLocks noGrp="1"/>
-          </p:cNvSpPr>
-          <p:nvPr>
-            <p:ph type="sldNum" sz="quarter" idx="12"/>
-          </p:nvPr>
-        </p:nvSpPr>
-        <p:spPr/>
-        <p:txBody>
-          <a:bodyPr/>
-          <a:lstStyle/>
-          <a:p>
-            <a:fld id="{D57F1E4F-1CFF-5643-939E-217C01CDF565}" type="slidenum">
-              <a:rPr lang="en-US" dirty="0"/>
-              <a:pPr/>
-              <a:t>‹nr.›</a:t>
-            </a:fld>
-            <a:endParaRPr lang="en-US" dirty="0"/>
-          </a:p>
-        </p:txBody>
-      </p:sp>
-      <p:sp>
-        <p:nvSpPr>
-          <p:cNvPr id="8" name="Title 1"/>
-          <p:cNvSpPr>
-            <a:spLocks noGrp="1"/>
-          </p:cNvSpPr>
-          <p:nvPr>
-            <p:ph type="title"/>
-          </p:nvPr>
-        </p:nvSpPr>
-        <p:spPr>
-          <a:xfrm>
-            <a:off x="685801" y="609600"/>
-            <a:ext cx="10131425" cy="1456267"/>
-          </a:xfrm>
-        </p:spPr>
-        <p:txBody>
-          <a:bodyPr/>
-          <a:lstStyle/>
-          <a:p>
-            <a:r>
-              <a:rPr lang="nl-NL" smtClean="0"/>
-              <a:t>Klik om de stijl te bewerken</a:t>
-            </a:r>
-            <a:endParaRPr lang="en-US" dirty="0"/>
-          </a:p>
-        </p:txBody>
-      </p:sp>
-    </p:spTree>
-  </p:cSld>
-  <p:clrMapOvr>
-    <a:masterClrMapping/>
-  </p:clrMapOvr>
-</p:sldLayout>
-</file>
-
-<file path=ppt/slideLayouts/slideLayout17.xml><?xml version="1.0" encoding="utf-8"?>
-<p:sldLayout xmlns:a="http://schemas.openxmlformats.org/drawingml/2006/main" xmlns:r="http://schemas.openxmlformats.org/officeDocument/2006/relationships" xmlns:p="http://schemas.openxmlformats.org/presentationml/2006/main" type="vertTitleAndTx" preserve="1">
-  <p:cSld name="Verticale titel en tekst">
-    <p:spTree>
-      <p:nvGrpSpPr>
-        <p:cNvPr id="1" name=""/>
-        <p:cNvGrpSpPr/>
-        <p:nvPr/>
-      </p:nvGrpSpPr>
-      <p:grpSpPr>
-        <a:xfrm>
-          <a:off x="0" y="0"/>
-          <a:ext cx="0" cy="0"/>
-          <a:chOff x="0" y="0"/>
-          <a:chExt cx="0" cy="0"/>
-        </a:xfrm>
-      </p:grpSpPr>
-      <p:pic>
-        <p:nvPicPr>
-          <p:cNvPr id="7" name="Picture 6" descr="Celestia-R1---OverlayContentHD.png"/>
-          <p:cNvPicPr>
-            <a:picLocks noChangeAspect="1"/>
-          </p:cNvPicPr>
-          <p:nvPr/>
-        </p:nvPicPr>
-        <p:blipFill>
-          <a:blip r:embed="rId2">
-            <a:extLst>
-              <a:ext uri="{28A0092B-C50C-407E-A947-70E740481C1C}">
-                <a14:useLocalDpi xmlns:a14="http://schemas.microsoft.com/office/drawing/2010/main" val="0"/>
-              </a:ext>
-            </a:extLst>
-          </a:blip>
-          <a:stretch>
-            <a:fillRect/>
-          </a:stretch>
-        </p:blipFill>
-        <p:spPr>
-          <a:xfrm>
-            <a:off x="0" y="0"/>
-            <a:ext cx="12188825" cy="6856214"/>
-          </a:xfrm>
-          <a:prstGeom prst="rect">
-            <a:avLst/>
-          </a:prstGeom>
-        </p:spPr>
-      </p:pic>
-      <p:sp>
-        <p:nvSpPr>
-          <p:cNvPr id="2" name="Vertical Title 1"/>
-          <p:cNvSpPr>
-            <a:spLocks noGrp="1"/>
-          </p:cNvSpPr>
-          <p:nvPr>
-            <p:ph type="title" orient="vert"/>
-          </p:nvPr>
-        </p:nvSpPr>
-        <p:spPr>
-          <a:xfrm>
-            <a:off x="8658675" y="609599"/>
-            <a:ext cx="2158552" cy="5181601"/>
-          </a:xfrm>
-        </p:spPr>
-        <p:txBody>
-          <a:bodyPr vert="eaVert"/>
-          <a:lstStyle/>
-          <a:p>
-            <a:r>
-              <a:rPr lang="nl-NL" smtClean="0"/>
-              <a:t>Klik om de stijl te bewerken</a:t>
-            </a:r>
-            <a:endParaRPr lang="en-US" dirty="0"/>
-          </a:p>
-        </p:txBody>
-      </p:sp>
-      <p:sp>
-        <p:nvSpPr>
-          <p:cNvPr id="3" name="Vertical Text Placeholder 2"/>
-          <p:cNvSpPr>
-            <a:spLocks noGrp="1"/>
-          </p:cNvSpPr>
-          <p:nvPr>
-            <p:ph type="body" orient="vert" idx="1"/>
-          </p:nvPr>
-        </p:nvSpPr>
-        <p:spPr>
-          <a:xfrm>
-            <a:off x="685800" y="609600"/>
-            <a:ext cx="7832116" cy="5181600"/>
-          </a:xfrm>
-        </p:spPr>
-        <p:txBody>
-          <a:bodyPr vert="eaVert" anchor="t"/>
-          <a:lstStyle/>
-          <a:p>
-            <a:pPr lvl="0"/>
-            <a:r>
-              <a:rPr lang="nl-NL" smtClean="0"/>
-              <a:t>Klik om de modelstijlen te bewerken</a:t>
-            </a:r>
-          </a:p>
-          <a:p>
-            <a:pPr lvl="1"/>
-            <a:r>
-              <a:rPr lang="nl-NL" smtClean="0"/>
-              <a:t>Tweede niveau</a:t>
-            </a:r>
-          </a:p>
-          <a:p>
-            <a:pPr lvl="2"/>
-            <a:r>
-              <a:rPr lang="nl-NL" smtClean="0"/>
-              <a:t>Derde niveau</a:t>
-            </a:r>
-          </a:p>
-          <a:p>
-            <a:pPr lvl="3"/>
-            <a:r>
-              <a:rPr lang="nl-NL" smtClean="0"/>
-              <a:t>Vierde niveau</a:t>
-            </a:r>
-          </a:p>
-          <a:p>
-            <a:pPr lvl="4"/>
-            <a:r>
-              <a:rPr lang="nl-NL" smtClean="0"/>
-              <a:t>Vijfde niveau</a:t>
-            </a:r>
-            <a:endParaRPr lang="en-US" dirty="0"/>
-          </a:p>
-        </p:txBody>
-      </p:sp>
-      <p:sp>
-        <p:nvSpPr>
-          <p:cNvPr id="4" name="Date Placeholder 3"/>
-          <p:cNvSpPr>
-            <a:spLocks noGrp="1"/>
-          </p:cNvSpPr>
-          <p:nvPr>
-            <p:ph type="dt" sz="half" idx="10"/>
-          </p:nvPr>
-        </p:nvSpPr>
-        <p:spPr/>
-        <p:txBody>
-          <a:bodyPr/>
-          <a:lstStyle/>
-          <a:p>
-            <a:fld id="{B61BEF0D-F0BB-DE4B-95CE-6DB70DBA9567}" type="datetimeFigureOut">
-              <a:rPr lang="en-US" dirty="0"/>
-              <a:pPr/>
-              <a:t>2/10/2016</a:t>
-            </a:fld>
-            <a:endParaRPr lang="en-US" dirty="0"/>
-          </a:p>
-        </p:txBody>
-      </p:sp>
-      <p:sp>
-        <p:nvSpPr>
-          <p:cNvPr id="5" name="Footer Placeholder 4"/>
-          <p:cNvSpPr>
-            <a:spLocks noGrp="1"/>
-          </p:cNvSpPr>
-          <p:nvPr>
-            <p:ph type="ftr" sz="quarter" idx="11"/>
-          </p:nvPr>
-        </p:nvSpPr>
-        <p:spPr/>
-        <p:txBody>
-          <a:bodyPr/>
-          <a:lstStyle/>
-          <a:p>
-            <a:endParaRPr lang="en-US" dirty="0"/>
-          </a:p>
-        </p:txBody>
-      </p:sp>
-      <p:sp>
-        <p:nvSpPr>
-          <p:cNvPr id="6" name="Slide Number Placeholder 5"/>
-          <p:cNvSpPr>
-            <a:spLocks noGrp="1"/>
-          </p:cNvSpPr>
-          <p:nvPr>
-            <p:ph type="sldNum" sz="quarter" idx="12"/>
-          </p:nvPr>
-        </p:nvSpPr>
-        <p:spPr/>
-        <p:txBody>
-          <a:bodyPr/>
-          <a:lstStyle/>
-          <a:p>
-            <a:fld id="{D57F1E4F-1CFF-5643-939E-217C01CDF565}" type="slidenum">
-              <a:rPr lang="en-US" dirty="0"/>
-              <a:pPr/>
-              <a:t>‹nr.›</a:t>
-            </a:fld>
-            <a:endParaRPr lang="en-US" dirty="0"/>
-          </a:p>
-        </p:txBody>
-      </p:sp>
-    </p:spTree>
-  </p:cSld>
-  <p:clrMapOvr>
-    <a:masterClrMapping/>
-  </p:clrMapOvr>
-</p:sldLayout>
-</file>
-
-<file path=ppt/slideLayouts/slideLayout2.xml><?xml version="1.0" encoding="utf-8"?>
-<p:sldLayout xmlns:a="http://schemas.openxmlformats.org/drawingml/2006/main" xmlns:r="http://schemas.openxmlformats.org/officeDocument/2006/relationships" xmlns:p="http://schemas.openxmlformats.org/presentationml/2006/main" type="obj" preserve="1">
-  <p:cSld name="Titel en object">
-    <p:spTree>
-      <p:nvGrpSpPr>
-        <p:cNvPr id="1" name=""/>
-        <p:cNvGrpSpPr/>
-        <p:nvPr/>
-      </p:nvGrpSpPr>
-      <p:grpSpPr>
-        <a:xfrm>
-          <a:off x="0" y="0"/>
-          <a:ext cx="0" cy="0"/>
-          <a:chOff x="0" y="0"/>
-          <a:chExt cx="0" cy="0"/>
-        </a:xfrm>
-      </p:grpSpPr>
-      <p:pic>
-        <p:nvPicPr>
-          <p:cNvPr id="7" name="Picture 6" descr="Celestia-R1---OverlayContentHD.png"/>
-          <p:cNvPicPr>
-            <a:picLocks noChangeAspect="1"/>
-          </p:cNvPicPr>
-          <p:nvPr/>
-        </p:nvPicPr>
-        <p:blipFill>
-          <a:blip r:embed="rId2">
-            <a:extLst>
-              <a:ext uri="{28A0092B-C50C-407E-A947-70E740481C1C}">
-                <a14:useLocalDpi xmlns:a14="http://schemas.microsoft.com/office/drawing/2010/main" val="0"/>
-              </a:ext>
-            </a:extLst>
-          </a:blip>
-          <a:stretch>
-            <a:fillRect/>
-          </a:stretch>
-        </p:blipFill>
-        <p:spPr>
-          <a:xfrm>
-            <a:off x="0" y="0"/>
-            <a:ext cx="12188825" cy="6856214"/>
-          </a:xfrm>
-          <a:prstGeom prst="rect">
-            <a:avLst/>
-          </a:prstGeom>
-        </p:spPr>
-      </p:pic>
-      <p:sp>
-        <p:nvSpPr>
-          <p:cNvPr id="2" name="Title 1"/>
-          <p:cNvSpPr>
-            <a:spLocks noGrp="1"/>
-          </p:cNvSpPr>
-          <p:nvPr>
-            <p:ph type="title"/>
-          </p:nvPr>
-        </p:nvSpPr>
-        <p:spPr/>
-        <p:txBody>
-          <a:bodyPr/>
-          <a:lstStyle/>
-          <a:p>
-            <a:r>
-              <a:rPr lang="nl-NL" smtClean="0"/>
-              <a:t>Klik om de stijl te bewerken</a:t>
-            </a:r>
-            <a:endParaRPr lang="en-US" dirty="0"/>
-          </a:p>
-        </p:txBody>
-      </p:sp>
-      <p:sp>
-        <p:nvSpPr>
-          <p:cNvPr id="3" name="Content Placeholder 2"/>
-          <p:cNvSpPr>
-            <a:spLocks noGrp="1"/>
-          </p:cNvSpPr>
-          <p:nvPr>
-            <p:ph idx="1"/>
-          </p:nvPr>
-        </p:nvSpPr>
-        <p:spPr/>
-        <p:txBody>
-          <a:bodyPr anchor="ctr"/>
-          <a:lstStyle/>
-          <a:p>
-            <a:pPr lvl="0"/>
-            <a:r>
-              <a:rPr lang="nl-NL" smtClean="0"/>
-              <a:t>Klik om de modelstijlen te bewerken</a:t>
-            </a:r>
-          </a:p>
-          <a:p>
-            <a:pPr lvl="1"/>
-            <a:r>
-              <a:rPr lang="nl-NL" smtClean="0"/>
-              <a:t>Tweede niveau</a:t>
-            </a:r>
-          </a:p>
-          <a:p>
-            <a:pPr lvl="2"/>
-            <a:r>
-              <a:rPr lang="nl-NL" smtClean="0"/>
-              <a:t>Derde niveau</a:t>
-            </a:r>
-          </a:p>
-          <a:p>
-            <a:pPr lvl="3"/>
-            <a:r>
-              <a:rPr lang="nl-NL" smtClean="0"/>
-              <a:t>Vierde niveau</a:t>
-            </a:r>
-          </a:p>
-          <a:p>
-            <a:pPr lvl="4"/>
-            <a:r>
-              <a:rPr lang="nl-NL" smtClean="0"/>
-              <a:t>Vijfde niveau</a:t>
-            </a:r>
-            <a:endParaRPr lang="en-US" dirty="0"/>
-          </a:p>
-        </p:txBody>
-      </p:sp>
-      <p:sp>
-        <p:nvSpPr>
-          <p:cNvPr id="4" name="Date Placeholder 3"/>
-          <p:cNvSpPr>
-            <a:spLocks noGrp="1"/>
-          </p:cNvSpPr>
-          <p:nvPr>
-            <p:ph type="dt" sz="half" idx="10"/>
-          </p:nvPr>
-        </p:nvSpPr>
-        <p:spPr/>
-        <p:txBody>
-          <a:bodyPr/>
-          <a:lstStyle/>
-          <a:p>
-            <a:fld id="{B61BEF0D-F0BB-DE4B-95CE-6DB70DBA9567}" type="datetimeFigureOut">
-              <a:rPr lang="en-US" dirty="0"/>
-              <a:pPr/>
-              <a:t>2/10/2016</a:t>
-            </a:fld>
-            <a:endParaRPr lang="en-US" dirty="0"/>
-          </a:p>
-        </p:txBody>
-      </p:sp>
-      <p:sp>
-        <p:nvSpPr>
-          <p:cNvPr id="5" name="Footer Placeholder 4"/>
-          <p:cNvSpPr>
-            <a:spLocks noGrp="1"/>
-          </p:cNvSpPr>
-          <p:nvPr>
-            <p:ph type="ftr" sz="quarter" idx="11"/>
-          </p:nvPr>
-        </p:nvSpPr>
-        <p:spPr/>
-        <p:txBody>
-          <a:bodyPr/>
-          <a:lstStyle/>
-          <a:p>
-            <a:endParaRPr lang="en-US" dirty="0"/>
-          </a:p>
-        </p:txBody>
-      </p:sp>
-      <p:sp>
-        <p:nvSpPr>
-          <p:cNvPr id="6" name="Slide Number Placeholder 5"/>
-          <p:cNvSpPr>
-            <a:spLocks noGrp="1"/>
-          </p:cNvSpPr>
-          <p:nvPr>
-            <p:ph type="sldNum" sz="quarter" idx="12"/>
-          </p:nvPr>
-        </p:nvSpPr>
-        <p:spPr/>
-        <p:txBody>
-          <a:bodyPr/>
-          <a:lstStyle/>
-          <a:p>
-            <a:fld id="{D57F1E4F-1CFF-5643-939E-217C01CDF565}" type="slidenum">
-              <a:rPr lang="en-US" dirty="0"/>
-              <a:pPr/>
-              <a:t>‹nr.›</a:t>
-            </a:fld>
-            <a:endParaRPr lang="en-US" dirty="0"/>
-          </a:p>
-        </p:txBody>
-      </p:sp>
-    </p:spTree>
-  </p:cSld>
-  <p:clrMapOvr>
-    <a:masterClrMapping/>
-  </p:clrMapOvr>
-</p:sldLayout>
-</file>
-
-<file path=ppt/slideLayouts/slideLayout3.xml><?xml version="1.0" encoding="utf-8"?>
-<p:sldLayout xmlns:a="http://schemas.openxmlformats.org/drawingml/2006/main" xmlns:r="http://schemas.openxmlformats.org/officeDocument/2006/relationships" xmlns:p="http://schemas.openxmlformats.org/presentationml/2006/main" type="secHead" preserve="1">
-  <p:cSld name="Sectiekop">
-    <p:spTree>
-      <p:nvGrpSpPr>
-        <p:cNvPr id="1" name=""/>
-        <p:cNvGrpSpPr/>
-        <p:nvPr/>
-      </p:nvGrpSpPr>
-      <p:grpSpPr>
-        <a:xfrm>
-          <a:off x="0" y="0"/>
-          <a:ext cx="0" cy="0"/>
-          <a:chOff x="0" y="0"/>
-          <a:chExt cx="0" cy="0"/>
-        </a:xfrm>
-      </p:grpSpPr>
-      <p:pic>
-        <p:nvPicPr>
-          <p:cNvPr id="7" name="Picture 6" descr="Celestia-R1---OverlayContentHD.png"/>
-          <p:cNvPicPr>
-            <a:picLocks noChangeAspect="1"/>
-          </p:cNvPicPr>
-          <p:nvPr/>
-        </p:nvPicPr>
-        <p:blipFill>
-          <a:blip r:embed="rId2">
-            <a:extLst>
-              <a:ext uri="{28A0092B-C50C-407E-A947-70E740481C1C}">
-                <a14:useLocalDpi xmlns:a14="http://schemas.microsoft.com/office/drawing/2010/main" val="0"/>
-              </a:ext>
-            </a:extLst>
-          </a:blip>
-          <a:stretch>
-            <a:fillRect/>
-          </a:stretch>
-        </p:blipFill>
-        <p:spPr>
-          <a:xfrm>
-            <a:off x="0" y="0"/>
-            <a:ext cx="12188825" cy="6856214"/>
-          </a:xfrm>
-          <a:prstGeom prst="rect">
-            <a:avLst/>
-          </a:prstGeom>
-        </p:spPr>
-      </p:pic>
-      <p:sp>
-        <p:nvSpPr>
-          <p:cNvPr id="2" name="Title 1"/>
-          <p:cNvSpPr>
-            <a:spLocks noGrp="1"/>
-          </p:cNvSpPr>
-          <p:nvPr>
-            <p:ph type="title"/>
-          </p:nvPr>
-        </p:nvSpPr>
-        <p:spPr>
-          <a:xfrm>
-            <a:off x="685800" y="3308581"/>
-            <a:ext cx="10131427" cy="1468800"/>
-          </a:xfrm>
-        </p:spPr>
-        <p:txBody>
-          <a:bodyPr anchor="b"/>
-          <a:lstStyle>
-            <a:lvl1pPr algn="l">
-              <a:defRPr sz="4000" b="0" cap="all"/>
-            </a:lvl1pPr>
-          </a:lstStyle>
-          <a:p>
-            <a:r>
-              <a:rPr lang="nl-NL" smtClean="0"/>
-              <a:t>Klik om de stijl te bewerken</a:t>
-            </a:r>
-            <a:endParaRPr lang="en-US" dirty="0"/>
-          </a:p>
-        </p:txBody>
-      </p:sp>
-      <p:sp>
-        <p:nvSpPr>
-          <p:cNvPr id="3" name="Text Placeholder 2"/>
-          <p:cNvSpPr>
-            <a:spLocks noGrp="1"/>
-          </p:cNvSpPr>
-          <p:nvPr>
-            <p:ph type="body" idx="1"/>
-          </p:nvPr>
-        </p:nvSpPr>
-        <p:spPr>
-          <a:xfrm>
-            <a:off x="685799" y="4777381"/>
-            <a:ext cx="10131428" cy="860400"/>
-          </a:xfrm>
-        </p:spPr>
-        <p:txBody>
-          <a:bodyPr anchor="t">
-            <a:normAutofit/>
-          </a:bodyPr>
-          <a:lstStyle>
-            <a:lvl1pPr marL="0" indent="0" algn="l">
-              <a:buNone/>
-              <a:defRPr sz="2000" cap="all">
-                <a:solidFill>
-                  <a:schemeClr val="tx1"/>
-                </a:solidFill>
-              </a:defRPr>
-            </a:lvl1pPr>
-            <a:lvl2pPr marL="457200" indent="0">
-              <a:buNone/>
-              <a:defRPr sz="1800">
-                <a:solidFill>
-                  <a:schemeClr val="tx1">
-                    <a:tint val="75000"/>
-                  </a:schemeClr>
-                </a:solidFill>
-              </a:defRPr>
-            </a:lvl2pPr>
-            <a:lvl3pPr marL="914400" indent="0">
-              <a:buNone/>
-              <a:defRPr sz="1600">
-                <a:solidFill>
-                  <a:schemeClr val="tx1">
-                    <a:tint val="75000"/>
-                  </a:schemeClr>
-                </a:solidFill>
-              </a:defRPr>
-            </a:lvl3pPr>
-            <a:lvl4pPr marL="1371600" indent="0">
-              <a:buNone/>
-              <a:defRPr sz="1400">
-                <a:solidFill>
-                  <a:schemeClr val="tx1">
-                    <a:tint val="75000"/>
-                  </a:schemeClr>
-                </a:solidFill>
-              </a:defRPr>
-            </a:lvl4pPr>
-            <a:lvl5pPr marL="1828800" indent="0">
-              <a:buNone/>
-              <a:defRPr sz="1400">
-                <a:solidFill>
-                  <a:schemeClr val="tx1">
-                    <a:tint val="75000"/>
-                  </a:schemeClr>
-                </a:solidFill>
-              </a:defRPr>
-            </a:lvl5pPr>
-            <a:lvl6pPr marL="2286000" indent="0">
-              <a:buNone/>
-              <a:defRPr sz="1400">
-                <a:solidFill>
-                  <a:schemeClr val="tx1">
-                    <a:tint val="75000"/>
-                  </a:schemeClr>
-                </a:solidFill>
-              </a:defRPr>
-            </a:lvl6pPr>
-            <a:lvl7pPr marL="2743200" indent="0">
-              <a:buNone/>
-              <a:defRPr sz="1400">
-                <a:solidFill>
-                  <a:schemeClr val="tx1">
-                    <a:tint val="75000"/>
-                  </a:schemeClr>
-                </a:solidFill>
-              </a:defRPr>
-            </a:lvl7pPr>
-            <a:lvl8pPr marL="3200400" indent="0">
-              <a:buNone/>
-              <a:defRPr sz="1400">
-                <a:solidFill>
-                  <a:schemeClr val="tx1">
-                    <a:tint val="75000"/>
-                  </a:schemeClr>
-                </a:solidFill>
-              </a:defRPr>
-            </a:lvl8pPr>
-            <a:lvl9pPr marL="3657600" indent="0">
-              <a:buNone/>
-              <a:defRPr sz="1400">
-                <a:solidFill>
-                  <a:schemeClr val="tx1">
-                    <a:tint val="75000"/>
-                  </a:schemeClr>
-                </a:solidFill>
-              </a:defRPr>
-            </a:lvl9pPr>
-          </a:lstStyle>
-          <a:p>
-            <a:pPr lvl="0"/>
-            <a:r>
-              <a:rPr lang="nl-NL" smtClean="0"/>
-              <a:t>Klik om de modelstijlen te bewerken</a:t>
-            </a:r>
-          </a:p>
-        </p:txBody>
-      </p:sp>
-      <p:sp>
-        <p:nvSpPr>
-          <p:cNvPr id="4" name="Date Placeholder 3"/>
-          <p:cNvSpPr>
-            <a:spLocks noGrp="1"/>
-          </p:cNvSpPr>
-          <p:nvPr>
-            <p:ph type="dt" sz="half" idx="10"/>
-          </p:nvPr>
-        </p:nvSpPr>
-        <p:spPr/>
-        <p:txBody>
-          <a:bodyPr/>
-          <a:lstStyle/>
-          <a:p>
-            <a:fld id="{B61BEF0D-F0BB-DE4B-95CE-6DB70DBA9567}" type="datetimeFigureOut">
-              <a:rPr lang="en-US" dirty="0"/>
-              <a:pPr/>
-              <a:t>2/10/2016</a:t>
-            </a:fld>
-            <a:endParaRPr lang="en-US" dirty="0"/>
-          </a:p>
-        </p:txBody>
-      </p:sp>
-      <p:sp>
-        <p:nvSpPr>
-          <p:cNvPr id="5" name="Footer Placeholder 4"/>
-          <p:cNvSpPr>
-            <a:spLocks noGrp="1"/>
-          </p:cNvSpPr>
-          <p:nvPr>
-            <p:ph type="ftr" sz="quarter" idx="11"/>
-          </p:nvPr>
-        </p:nvSpPr>
-        <p:spPr/>
-        <p:txBody>
-          <a:bodyPr/>
-          <a:lstStyle/>
-          <a:p>
-            <a:endParaRPr lang="en-US" dirty="0"/>
-          </a:p>
-        </p:txBody>
-      </p:sp>
-      <p:sp>
-        <p:nvSpPr>
-          <p:cNvPr id="6" name="Slide Number Placeholder 5"/>
-          <p:cNvSpPr>
-            <a:spLocks noGrp="1"/>
-          </p:cNvSpPr>
-          <p:nvPr>
-            <p:ph type="sldNum" sz="quarter" idx="12"/>
-          </p:nvPr>
-        </p:nvSpPr>
-        <p:spPr/>
-        <p:txBody>
-          <a:bodyPr/>
-          <a:lstStyle/>
-          <a:p>
-            <a:fld id="{D57F1E4F-1CFF-5643-939E-217C01CDF565}" type="slidenum">
-              <a:rPr lang="en-US" dirty="0"/>
-              <a:pPr/>
-              <a:t>‹nr.›</a:t>
-            </a:fld>
-            <a:endParaRPr lang="en-US" dirty="0"/>
-          </a:p>
-        </p:txBody>
-      </p:sp>
-    </p:spTree>
+    <p:extLst>
+      <p:ext uri="{BB962C8B-B14F-4D97-AF65-F5344CB8AC3E}">
+        <p14:creationId xmlns:p14="http://schemas.microsoft.com/office/powerpoint/2010/main" val="3564097358"/>
+      </p:ext>
+    </p:extLst>
   </p:cSld>
   <p:clrMapOvr>
     <a:masterClrMapping/>
@@ -3627,36 +2860,109 @@
           <a:chExt cx="0" cy="0"/>
         </a:xfrm>
       </p:grpSpPr>
-      <p:pic>
-        <p:nvPicPr>
-          <p:cNvPr id="8" name="Picture 7" descr="Celestia-R1---OverlayContentHD.png"/>
-          <p:cNvPicPr>
-            <a:picLocks noChangeAspect="1"/>
-          </p:cNvPicPr>
+      <p:sp>
+        <p:nvSpPr>
+          <p:cNvPr id="8" name="Freeform 6"/>
+          <p:cNvSpPr/>
           <p:nvPr/>
-        </p:nvPicPr>
-        <p:blipFill>
-          <a:blip r:embed="rId2">
-            <a:extLst>
-              <a:ext uri="{28A0092B-C50C-407E-A947-70E740481C1C}">
-                <a14:useLocalDpi xmlns:a14="http://schemas.microsoft.com/office/drawing/2010/main" val="0"/>
-              </a:ext>
-            </a:extLst>
-          </a:blip>
-          <a:stretch>
-            <a:fillRect/>
-          </a:stretch>
-        </p:blipFill>
-        <p:spPr>
+        </p:nvSpPr>
+        <p:spPr bwMode="auto">
           <a:xfrm>
             <a:off x="0" y="0"/>
-            <a:ext cx="12188825" cy="6856214"/>
+            <a:ext cx="12192000" cy="2185988"/>
           </a:xfrm>
-          <a:prstGeom prst="rect">
+          <a:custGeom>
             <a:avLst/>
-          </a:prstGeom>
+            <a:gdLst/>
+            <a:ahLst/>
+            <a:cxnLst/>
+            <a:rect l="0" t="0" r="r" b="b"/>
+            <a:pathLst>
+              <a:path w="5760" h="1377">
+                <a:moveTo>
+                  <a:pt x="5760" y="0"/>
+                </a:moveTo>
+                <a:lnTo>
+                  <a:pt x="0" y="0"/>
+                </a:lnTo>
+                <a:lnTo>
+                  <a:pt x="0" y="1189"/>
+                </a:lnTo>
+                <a:lnTo>
+                  <a:pt x="943" y="1189"/>
+                </a:lnTo>
+                <a:lnTo>
+                  <a:pt x="1123" y="1369"/>
+                </a:lnTo>
+                <a:lnTo>
+                  <a:pt x="1123" y="1369"/>
+                </a:lnTo>
+                <a:lnTo>
+                  <a:pt x="1127" y="1371"/>
+                </a:lnTo>
+                <a:lnTo>
+                  <a:pt x="1133" y="1374"/>
+                </a:lnTo>
+                <a:lnTo>
+                  <a:pt x="1139" y="1377"/>
+                </a:lnTo>
+                <a:lnTo>
+                  <a:pt x="1144" y="1377"/>
+                </a:lnTo>
+                <a:lnTo>
+                  <a:pt x="1150" y="1377"/>
+                </a:lnTo>
+                <a:lnTo>
+                  <a:pt x="1155" y="1374"/>
+                </a:lnTo>
+                <a:lnTo>
+                  <a:pt x="1161" y="1371"/>
+                </a:lnTo>
+                <a:lnTo>
+                  <a:pt x="1165" y="1369"/>
+                </a:lnTo>
+                <a:lnTo>
+                  <a:pt x="1345" y="1189"/>
+                </a:lnTo>
+                <a:lnTo>
+                  <a:pt x="5760" y="1189"/>
+                </a:lnTo>
+                <a:lnTo>
+                  <a:pt x="5760" y="0"/>
+                </a:lnTo>
+                <a:close/>
+              </a:path>
+            </a:pathLst>
+          </a:custGeom>
+          <a:ln/>
+          <a:extLst>
+            <a:ext uri="{91240B29-F687-4f45-9708-019B960494DF}">
+              <a14:hiddenLine xmlns:a14="http://schemas.microsoft.com/office/drawing/2010/main" xmlns="" w="9525">
+                <a:solidFill>
+                  <a:srgbClr val="000000"/>
+                </a:solidFill>
+                <a:round/>
+                <a:headEnd/>
+                <a:tailEnd/>
+              </a14:hiddenLine>
+            </a:ext>
+          </a:extLst>
         </p:spPr>
-      </p:pic>
+        <p:style>
+          <a:lnRef idx="1">
+            <a:schemeClr val="accent1"/>
+          </a:lnRef>
+          <a:fillRef idx="3">
+            <a:schemeClr val="accent1"/>
+          </a:fillRef>
+          <a:effectRef idx="2">
+            <a:schemeClr val="accent1"/>
+          </a:effectRef>
+          <a:fontRef idx="minor">
+            <a:schemeClr val="lt1"/>
+          </a:fontRef>
+        </p:style>
+      </p:sp>
       <p:sp>
         <p:nvSpPr>
           <p:cNvPr id="2" name="Title 1"/>
@@ -3692,8 +2998,8 @@
         </p:nvSpPr>
         <p:spPr>
           <a:xfrm>
-            <a:off x="685802" y="2142067"/>
-            <a:ext cx="4995334" cy="3649134"/>
+            <a:off x="818712" y="2222287"/>
+            <a:ext cx="5185873" cy="3638763"/>
           </a:xfrm>
         </p:spPr>
         <p:txBody>
@@ -3751,8 +3057,8 @@
         </p:nvSpPr>
         <p:spPr>
           <a:xfrm>
-            <a:off x="5821895" y="2142067"/>
-            <a:ext cx="4995332" cy="3649133"/>
+            <a:off x="6187415" y="2222287"/>
+            <a:ext cx="5194583" cy="3638764"/>
           </a:xfrm>
         </p:spPr>
         <p:txBody>
@@ -3814,9 +3120,9 @@
           <a:lstStyle/>
           <a:p>
             <a:fld id="{B61BEF0D-F0BB-DE4B-95CE-6DB70DBA9567}" type="datetimeFigureOut">
-              <a:rPr lang="en-US" dirty="0"/>
+              <a:rPr lang="en-US" smtClean="0"/>
               <a:pPr/>
-              <a:t>2/10/2016</a:t>
+              <a:t>2/12/2016</a:t>
             </a:fld>
             <a:endParaRPr lang="en-US" dirty="0"/>
           </a:p>
@@ -3857,7 +3163,7 @@
           <a:lstStyle/>
           <a:p>
             <a:fld id="{D57F1E4F-1CFF-5643-939E-217C01CDF565}" type="slidenum">
-              <a:rPr lang="en-US" dirty="0"/>
+              <a:rPr lang="en-US" smtClean="0"/>
               <a:pPr/>
               <a:t>‹nr.›</a:t>
             </a:fld>
@@ -3866,6 +3172,11 @@
         </p:txBody>
       </p:sp>
     </p:spTree>
+    <p:extLst>
+      <p:ext uri="{BB962C8B-B14F-4D97-AF65-F5344CB8AC3E}">
+        <p14:creationId xmlns:p14="http://schemas.microsoft.com/office/powerpoint/2010/main" val="129509937"/>
+      </p:ext>
+    </p:extLst>
   </p:cSld>
   <p:clrMapOvr>
     <a:masterClrMapping/>
@@ -3892,6 +3203,109 @@
       </p:grpSpPr>
       <p:sp>
         <p:nvSpPr>
+          <p:cNvPr id="10" name="Freeform 6"/>
+          <p:cNvSpPr/>
+          <p:nvPr/>
+        </p:nvSpPr>
+        <p:spPr bwMode="auto">
+          <a:xfrm>
+            <a:off x="0" y="0"/>
+            <a:ext cx="12192000" cy="2185988"/>
+          </a:xfrm>
+          <a:custGeom>
+            <a:avLst/>
+            <a:gdLst/>
+            <a:ahLst/>
+            <a:cxnLst/>
+            <a:rect l="0" t="0" r="r" b="b"/>
+            <a:pathLst>
+              <a:path w="5760" h="1377">
+                <a:moveTo>
+                  <a:pt x="5760" y="0"/>
+                </a:moveTo>
+                <a:lnTo>
+                  <a:pt x="0" y="0"/>
+                </a:lnTo>
+                <a:lnTo>
+                  <a:pt x="0" y="1189"/>
+                </a:lnTo>
+                <a:lnTo>
+                  <a:pt x="943" y="1189"/>
+                </a:lnTo>
+                <a:lnTo>
+                  <a:pt x="1123" y="1369"/>
+                </a:lnTo>
+                <a:lnTo>
+                  <a:pt x="1123" y="1369"/>
+                </a:lnTo>
+                <a:lnTo>
+                  <a:pt x="1127" y="1371"/>
+                </a:lnTo>
+                <a:lnTo>
+                  <a:pt x="1133" y="1374"/>
+                </a:lnTo>
+                <a:lnTo>
+                  <a:pt x="1139" y="1377"/>
+                </a:lnTo>
+                <a:lnTo>
+                  <a:pt x="1144" y="1377"/>
+                </a:lnTo>
+                <a:lnTo>
+                  <a:pt x="1150" y="1377"/>
+                </a:lnTo>
+                <a:lnTo>
+                  <a:pt x="1155" y="1374"/>
+                </a:lnTo>
+                <a:lnTo>
+                  <a:pt x="1161" y="1371"/>
+                </a:lnTo>
+                <a:lnTo>
+                  <a:pt x="1165" y="1369"/>
+                </a:lnTo>
+                <a:lnTo>
+                  <a:pt x="1345" y="1189"/>
+                </a:lnTo>
+                <a:lnTo>
+                  <a:pt x="5760" y="1189"/>
+                </a:lnTo>
+                <a:lnTo>
+                  <a:pt x="5760" y="0"/>
+                </a:lnTo>
+                <a:close/>
+              </a:path>
+            </a:pathLst>
+          </a:custGeom>
+          <a:ln/>
+          <a:extLst>
+            <a:ext uri="{91240B29-F687-4f45-9708-019B960494DF}">
+              <a14:hiddenLine xmlns:a14="http://schemas.microsoft.com/office/drawing/2010/main" xmlns="" w="9525">
+                <a:solidFill>
+                  <a:srgbClr val="000000"/>
+                </a:solidFill>
+                <a:round/>
+                <a:headEnd/>
+                <a:tailEnd/>
+              </a14:hiddenLine>
+            </a:ext>
+          </a:extLst>
+        </p:spPr>
+        <p:style>
+          <a:lnRef idx="1">
+            <a:schemeClr val="accent1"/>
+          </a:lnRef>
+          <a:fillRef idx="3">
+            <a:schemeClr val="accent1"/>
+          </a:fillRef>
+          <a:effectRef idx="2">
+            <a:schemeClr val="accent1"/>
+          </a:effectRef>
+          <a:fontRef idx="minor">
+            <a:schemeClr val="lt1"/>
+          </a:fontRef>
+        </p:style>
+      </p:sp>
+      <p:sp>
+        <p:nvSpPr>
           <p:cNvPr id="2" name="Title 1"/>
           <p:cNvSpPr>
             <a:spLocks noGrp="1"/>
@@ -3924,13 +3338,13 @@
             <a:spLocks noGrp="1"/>
           </p:cNvSpPr>
           <p:nvPr>
-            <p:ph type="body" idx="1" hasCustomPrompt="1"/>
+            <p:ph type="body" idx="1"/>
           </p:nvPr>
         </p:nvSpPr>
         <p:spPr>
           <a:xfrm>
-            <a:off x="973670" y="2218267"/>
-            <a:ext cx="4709054" cy="576262"/>
+            <a:off x="814728" y="2174875"/>
+            <a:ext cx="5189857" cy="576262"/>
           </a:xfrm>
         </p:spPr>
         <p:txBody>
@@ -3938,9 +3352,9 @@
             <a:noAutofit/>
           </a:bodyPr>
           <a:lstStyle>
-            <a:lvl1pPr marL="0" indent="0">
+            <a:lvl1pPr marL="0" indent="0" algn="ctr">
               <a:buNone/>
-              <a:defRPr sz="2800" b="0"/>
+              <a:defRPr sz="2000" b="0"/>
             </a:lvl1pPr>
             <a:lvl2pPr marL="457200" indent="0">
               <a:buNone/>
@@ -3978,8 +3392,8 @@
           <a:p>
             <a:pPr lvl="0"/>
             <a:r>
-              <a:rPr lang="en-US" dirty="0"/>
-              <a:t>CLICK TO EDIT MASTER TEXT STYLES</a:t>
+              <a:rPr lang="nl-NL" smtClean="0"/>
+              <a:t>Klik om de modelstijlen te bewerken</a:t>
             </a:r>
           </a:p>
         </p:txBody>
@@ -3996,8 +3410,8 @@
         </p:nvSpPr>
         <p:spPr>
           <a:xfrm>
-            <a:off x="685801" y="2870201"/>
-            <a:ext cx="4996923" cy="2920998"/>
+            <a:off x="814729" y="2751138"/>
+            <a:ext cx="5189856" cy="3109913"/>
           </a:xfrm>
         </p:spPr>
         <p:txBody>
@@ -4050,13 +3464,13 @@
             <a:spLocks noGrp="1"/>
           </p:cNvSpPr>
           <p:nvPr>
-            <p:ph type="body" sz="quarter" idx="3" hasCustomPrompt="1"/>
+            <p:ph type="body" sz="quarter" idx="3"/>
           </p:nvPr>
         </p:nvSpPr>
         <p:spPr>
           <a:xfrm>
-            <a:off x="6096003" y="2226734"/>
-            <a:ext cx="4722813" cy="576262"/>
+            <a:off x="6187415" y="2174875"/>
+            <a:ext cx="5194583" cy="576262"/>
           </a:xfrm>
         </p:spPr>
         <p:txBody>
@@ -4064,9 +3478,9 @@
             <a:noAutofit/>
           </a:bodyPr>
           <a:lstStyle>
-            <a:lvl1pPr marL="0" indent="0">
+            <a:lvl1pPr marL="0" indent="0" algn="ctr">
               <a:buNone/>
-              <a:defRPr sz="2800" b="0"/>
+              <a:defRPr sz="2000" b="0"/>
             </a:lvl1pPr>
             <a:lvl2pPr marL="457200" indent="0">
               <a:buNone/>
@@ -4104,8 +3518,8 @@
           <a:p>
             <a:pPr lvl="0"/>
             <a:r>
-              <a:rPr lang="en-US" dirty="0"/>
-              <a:t>CLICK TO EDIT MASTER TEXT STYLES</a:t>
+              <a:rPr lang="nl-NL" smtClean="0"/>
+              <a:t>Klik om de modelstijlen te bewerken</a:t>
             </a:r>
           </a:p>
         </p:txBody>
@@ -4122,8 +3536,8 @@
         </p:nvSpPr>
         <p:spPr>
           <a:xfrm>
-            <a:off x="5823483" y="2870201"/>
-            <a:ext cx="4995334" cy="2920998"/>
+            <a:off x="6187415" y="2751138"/>
+            <a:ext cx="5194583" cy="3109913"/>
           </a:xfrm>
         </p:spPr>
         <p:txBody>
@@ -4185,9 +3599,9 @@
           <a:lstStyle/>
           <a:p>
             <a:fld id="{B61BEF0D-F0BB-DE4B-95CE-6DB70DBA9567}" type="datetimeFigureOut">
-              <a:rPr lang="en-US" dirty="0"/>
+              <a:rPr lang="en-US" smtClean="0"/>
               <a:pPr/>
-              <a:t>2/10/2016</a:t>
+              <a:t>2/12/2016</a:t>
             </a:fld>
             <a:endParaRPr lang="en-US" dirty="0"/>
           </a:p>
@@ -4228,7 +3642,7 @@
           <a:lstStyle/>
           <a:p>
             <a:fld id="{D57F1E4F-1CFF-5643-939E-217C01CDF565}" type="slidenum">
-              <a:rPr lang="en-US" dirty="0"/>
+              <a:rPr lang="en-US" smtClean="0"/>
               <a:pPr/>
               <a:t>‹nr.›</a:t>
             </a:fld>
@@ -4237,6 +3651,11 @@
         </p:txBody>
       </p:sp>
     </p:spTree>
+    <p:extLst>
+      <p:ext uri="{BB962C8B-B14F-4D97-AF65-F5344CB8AC3E}">
+        <p14:creationId xmlns:p14="http://schemas.microsoft.com/office/powerpoint/2010/main" val="3597938726"/>
+      </p:ext>
+    </p:extLst>
   </p:cSld>
   <p:clrMapOvr>
     <a:masterClrMapping/>
@@ -4261,36 +3680,109 @@
           <a:chExt cx="0" cy="0"/>
         </a:xfrm>
       </p:grpSpPr>
-      <p:pic>
-        <p:nvPicPr>
-          <p:cNvPr id="6" name="Picture 5" descr="Celestia-R1---OverlayContentHD.png"/>
-          <p:cNvPicPr>
-            <a:picLocks noChangeAspect="1"/>
-          </p:cNvPicPr>
+      <p:sp>
+        <p:nvSpPr>
+          <p:cNvPr id="6" name="Freeform 6"/>
+          <p:cNvSpPr/>
           <p:nvPr/>
-        </p:nvPicPr>
-        <p:blipFill>
-          <a:blip r:embed="rId2">
-            <a:extLst>
-              <a:ext uri="{28A0092B-C50C-407E-A947-70E740481C1C}">
-                <a14:useLocalDpi xmlns:a14="http://schemas.microsoft.com/office/drawing/2010/main" val="0"/>
-              </a:ext>
-            </a:extLst>
-          </a:blip>
-          <a:stretch>
-            <a:fillRect/>
-          </a:stretch>
-        </p:blipFill>
-        <p:spPr>
+        </p:nvSpPr>
+        <p:spPr bwMode="auto">
           <a:xfrm>
             <a:off x="0" y="0"/>
-            <a:ext cx="12188825" cy="6856214"/>
+            <a:ext cx="12192000" cy="2185988"/>
           </a:xfrm>
-          <a:prstGeom prst="rect">
+          <a:custGeom>
             <a:avLst/>
-          </a:prstGeom>
+            <a:gdLst/>
+            <a:ahLst/>
+            <a:cxnLst/>
+            <a:rect l="0" t="0" r="r" b="b"/>
+            <a:pathLst>
+              <a:path w="5760" h="1377">
+                <a:moveTo>
+                  <a:pt x="5760" y="0"/>
+                </a:moveTo>
+                <a:lnTo>
+                  <a:pt x="0" y="0"/>
+                </a:lnTo>
+                <a:lnTo>
+                  <a:pt x="0" y="1189"/>
+                </a:lnTo>
+                <a:lnTo>
+                  <a:pt x="943" y="1189"/>
+                </a:lnTo>
+                <a:lnTo>
+                  <a:pt x="1123" y="1369"/>
+                </a:lnTo>
+                <a:lnTo>
+                  <a:pt x="1123" y="1369"/>
+                </a:lnTo>
+                <a:lnTo>
+                  <a:pt x="1127" y="1371"/>
+                </a:lnTo>
+                <a:lnTo>
+                  <a:pt x="1133" y="1374"/>
+                </a:lnTo>
+                <a:lnTo>
+                  <a:pt x="1139" y="1377"/>
+                </a:lnTo>
+                <a:lnTo>
+                  <a:pt x="1144" y="1377"/>
+                </a:lnTo>
+                <a:lnTo>
+                  <a:pt x="1150" y="1377"/>
+                </a:lnTo>
+                <a:lnTo>
+                  <a:pt x="1155" y="1374"/>
+                </a:lnTo>
+                <a:lnTo>
+                  <a:pt x="1161" y="1371"/>
+                </a:lnTo>
+                <a:lnTo>
+                  <a:pt x="1165" y="1369"/>
+                </a:lnTo>
+                <a:lnTo>
+                  <a:pt x="1345" y="1189"/>
+                </a:lnTo>
+                <a:lnTo>
+                  <a:pt x="5760" y="1189"/>
+                </a:lnTo>
+                <a:lnTo>
+                  <a:pt x="5760" y="0"/>
+                </a:lnTo>
+                <a:close/>
+              </a:path>
+            </a:pathLst>
+          </a:custGeom>
+          <a:ln/>
+          <a:extLst>
+            <a:ext uri="{91240B29-F687-4f45-9708-019B960494DF}">
+              <a14:hiddenLine xmlns:a14="http://schemas.microsoft.com/office/drawing/2010/main" xmlns="" w="9525">
+                <a:solidFill>
+                  <a:srgbClr val="000000"/>
+                </a:solidFill>
+                <a:round/>
+                <a:headEnd/>
+                <a:tailEnd/>
+              </a14:hiddenLine>
+            </a:ext>
+          </a:extLst>
         </p:spPr>
-      </p:pic>
+        <p:style>
+          <a:lnRef idx="1">
+            <a:schemeClr val="accent1"/>
+          </a:lnRef>
+          <a:fillRef idx="3">
+            <a:schemeClr val="accent1"/>
+          </a:fillRef>
+          <a:effectRef idx="2">
+            <a:schemeClr val="accent1"/>
+          </a:effectRef>
+          <a:fontRef idx="minor">
+            <a:schemeClr val="lt1"/>
+          </a:fontRef>
+        </p:style>
+      </p:sp>
       <p:sp>
         <p:nvSpPr>
           <p:cNvPr id="2" name="Title 1"/>
@@ -4330,9 +3822,9 @@
           <a:lstStyle/>
           <a:p>
             <a:fld id="{B61BEF0D-F0BB-DE4B-95CE-6DB70DBA9567}" type="datetimeFigureOut">
-              <a:rPr lang="en-US" dirty="0"/>
+              <a:rPr lang="en-US" smtClean="0"/>
               <a:pPr/>
-              <a:t>2/10/2016</a:t>
+              <a:t>2/12/2016</a:t>
             </a:fld>
             <a:endParaRPr lang="en-US" dirty="0"/>
           </a:p>
@@ -4373,7 +3865,7 @@
           <a:lstStyle/>
           <a:p>
             <a:fld id="{D57F1E4F-1CFF-5643-939E-217C01CDF565}" type="slidenum">
-              <a:rPr lang="en-US" dirty="0"/>
+              <a:rPr lang="en-US" smtClean="0"/>
               <a:pPr/>
               <a:t>‹nr.›</a:t>
             </a:fld>
@@ -4382,6 +3874,11 @@
         </p:txBody>
       </p:sp>
     </p:spTree>
+    <p:extLst>
+      <p:ext uri="{BB962C8B-B14F-4D97-AF65-F5344CB8AC3E}">
+        <p14:creationId xmlns:p14="http://schemas.microsoft.com/office/powerpoint/2010/main" val="1600958112"/>
+      </p:ext>
+    </p:extLst>
   </p:cSld>
   <p:clrMapOvr>
     <a:masterClrMapping/>
@@ -4406,36 +3903,6 @@
           <a:chExt cx="0" cy="0"/>
         </a:xfrm>
       </p:grpSpPr>
-      <p:pic>
-        <p:nvPicPr>
-          <p:cNvPr id="5" name="Picture 4" descr="Celestia-R1---OverlayContentHD.png"/>
-          <p:cNvPicPr>
-            <a:picLocks noChangeAspect="1"/>
-          </p:cNvPicPr>
-          <p:nvPr/>
-        </p:nvPicPr>
-        <p:blipFill>
-          <a:blip r:embed="rId2">
-            <a:extLst>
-              <a:ext uri="{28A0092B-C50C-407E-A947-70E740481C1C}">
-                <a14:useLocalDpi xmlns:a14="http://schemas.microsoft.com/office/drawing/2010/main" val="0"/>
-              </a:ext>
-            </a:extLst>
-          </a:blip>
-          <a:stretch>
-            <a:fillRect/>
-          </a:stretch>
-        </p:blipFill>
-        <p:spPr>
-          <a:xfrm>
-            <a:off x="0" y="0"/>
-            <a:ext cx="12188825" cy="6856214"/>
-          </a:xfrm>
-          <a:prstGeom prst="rect">
-            <a:avLst/>
-          </a:prstGeom>
-        </p:spPr>
-      </p:pic>
       <p:sp>
         <p:nvSpPr>
           <p:cNvPr id="2" name="Date Placeholder 1"/>
@@ -4452,9 +3919,9 @@
           <a:lstStyle/>
           <a:p>
             <a:fld id="{B61BEF0D-F0BB-DE4B-95CE-6DB70DBA9567}" type="datetimeFigureOut">
-              <a:rPr lang="en-US" dirty="0"/>
+              <a:rPr lang="en-US" smtClean="0"/>
               <a:pPr/>
-              <a:t>2/10/2016</a:t>
+              <a:t>2/12/2016</a:t>
             </a:fld>
             <a:endParaRPr lang="en-US" dirty="0"/>
           </a:p>
@@ -4495,7 +3962,7 @@
           <a:lstStyle/>
           <a:p>
             <a:fld id="{D57F1E4F-1CFF-5643-939E-217C01CDF565}" type="slidenum">
-              <a:rPr lang="en-US" dirty="0"/>
+              <a:rPr lang="en-US" smtClean="0"/>
               <a:pPr/>
               <a:t>‹nr.›</a:t>
             </a:fld>
@@ -4504,6 +3971,11 @@
         </p:txBody>
       </p:sp>
     </p:spTree>
+    <p:extLst>
+      <p:ext uri="{BB962C8B-B14F-4D97-AF65-F5344CB8AC3E}">
+        <p14:creationId xmlns:p14="http://schemas.microsoft.com/office/powerpoint/2010/main" val="3901016729"/>
+      </p:ext>
+    </p:extLst>
   </p:cSld>
   <p:clrMapOvr>
     <a:masterClrMapping/>
@@ -4528,36 +4000,222 @@
           <a:chExt cx="0" cy="0"/>
         </a:xfrm>
       </p:grpSpPr>
-      <p:pic>
-        <p:nvPicPr>
-          <p:cNvPr id="8" name="Picture 7" descr="Celestia-R1---OverlayContentHD.png"/>
-          <p:cNvPicPr>
-            <a:picLocks noChangeAspect="1"/>
-          </p:cNvPicPr>
+      <p:sp>
+        <p:nvSpPr>
+          <p:cNvPr id="12" name="Freeform 6"/>
+          <p:cNvSpPr>
+            <a:spLocks noChangeAspect="1"/>
+          </p:cNvSpPr>
           <p:nvPr/>
-        </p:nvPicPr>
-        <p:blipFill>
-          <a:blip r:embed="rId2">
-            <a:extLst>
-              <a:ext uri="{28A0092B-C50C-407E-A947-70E740481C1C}">
-                <a14:useLocalDpi xmlns:a14="http://schemas.microsoft.com/office/drawing/2010/main" val="0"/>
-              </a:ext>
-            </a:extLst>
-          </a:blip>
-          <a:stretch>
-            <a:fillRect/>
-          </a:stretch>
-        </p:blipFill>
-        <p:spPr>
+        </p:nvSpPr>
+        <p:spPr bwMode="auto">
           <a:xfrm>
-            <a:off x="0" y="0"/>
-            <a:ext cx="12188825" cy="6856214"/>
+            <a:off x="1073151" y="446087"/>
+            <a:ext cx="3547533" cy="1814651"/>
           </a:xfrm>
-          <a:prstGeom prst="rect">
+          <a:custGeom>
             <a:avLst/>
-          </a:prstGeom>
+            <a:gdLst/>
+            <a:ahLst/>
+            <a:cxnLst/>
+            <a:rect l="0" t="0" r="r" b="b"/>
+            <a:pathLst>
+              <a:path w="3384" h="2308">
+                <a:moveTo>
+                  <a:pt x="3340" y="0"/>
+                </a:moveTo>
+                <a:lnTo>
+                  <a:pt x="44" y="0"/>
+                </a:lnTo>
+                <a:lnTo>
+                  <a:pt x="44" y="0"/>
+                </a:lnTo>
+                <a:lnTo>
+                  <a:pt x="34" y="0"/>
+                </a:lnTo>
+                <a:lnTo>
+                  <a:pt x="26" y="4"/>
+                </a:lnTo>
+                <a:lnTo>
+                  <a:pt x="20" y="8"/>
+                </a:lnTo>
+                <a:lnTo>
+                  <a:pt x="12" y="12"/>
+                </a:lnTo>
+                <a:lnTo>
+                  <a:pt x="8" y="20"/>
+                </a:lnTo>
+                <a:lnTo>
+                  <a:pt x="4" y="26"/>
+                </a:lnTo>
+                <a:lnTo>
+                  <a:pt x="0" y="34"/>
+                </a:lnTo>
+                <a:lnTo>
+                  <a:pt x="0" y="44"/>
+                </a:lnTo>
+                <a:lnTo>
+                  <a:pt x="0" y="2076"/>
+                </a:lnTo>
+                <a:lnTo>
+                  <a:pt x="0" y="2076"/>
+                </a:lnTo>
+                <a:lnTo>
+                  <a:pt x="0" y="2086"/>
+                </a:lnTo>
+                <a:lnTo>
+                  <a:pt x="4" y="2094"/>
+                </a:lnTo>
+                <a:lnTo>
+                  <a:pt x="8" y="2100"/>
+                </a:lnTo>
+                <a:lnTo>
+                  <a:pt x="12" y="2108"/>
+                </a:lnTo>
+                <a:lnTo>
+                  <a:pt x="20" y="2112"/>
+                </a:lnTo>
+                <a:lnTo>
+                  <a:pt x="26" y="2116"/>
+                </a:lnTo>
+                <a:lnTo>
+                  <a:pt x="34" y="2120"/>
+                </a:lnTo>
+                <a:lnTo>
+                  <a:pt x="44" y="2120"/>
+                </a:lnTo>
+                <a:lnTo>
+                  <a:pt x="474" y="2120"/>
+                </a:lnTo>
+                <a:lnTo>
+                  <a:pt x="650" y="2296"/>
+                </a:lnTo>
+                <a:lnTo>
+                  <a:pt x="650" y="2296"/>
+                </a:lnTo>
+                <a:lnTo>
+                  <a:pt x="656" y="2300"/>
+                </a:lnTo>
+                <a:lnTo>
+                  <a:pt x="664" y="2304"/>
+                </a:lnTo>
+                <a:lnTo>
+                  <a:pt x="672" y="2308"/>
+                </a:lnTo>
+                <a:lnTo>
+                  <a:pt x="680" y="2308"/>
+                </a:lnTo>
+                <a:lnTo>
+                  <a:pt x="688" y="2308"/>
+                </a:lnTo>
+                <a:lnTo>
+                  <a:pt x="696" y="2304"/>
+                </a:lnTo>
+                <a:lnTo>
+                  <a:pt x="704" y="2300"/>
+                </a:lnTo>
+                <a:lnTo>
+                  <a:pt x="710" y="2296"/>
+                </a:lnTo>
+                <a:lnTo>
+                  <a:pt x="886" y="2120"/>
+                </a:lnTo>
+                <a:lnTo>
+                  <a:pt x="3340" y="2120"/>
+                </a:lnTo>
+                <a:lnTo>
+                  <a:pt x="3340" y="2120"/>
+                </a:lnTo>
+                <a:lnTo>
+                  <a:pt x="3350" y="2120"/>
+                </a:lnTo>
+                <a:lnTo>
+                  <a:pt x="3358" y="2116"/>
+                </a:lnTo>
+                <a:lnTo>
+                  <a:pt x="3364" y="2112"/>
+                </a:lnTo>
+                <a:lnTo>
+                  <a:pt x="3372" y="2108"/>
+                </a:lnTo>
+                <a:lnTo>
+                  <a:pt x="3376" y="2100"/>
+                </a:lnTo>
+                <a:lnTo>
+                  <a:pt x="3380" y="2094"/>
+                </a:lnTo>
+                <a:lnTo>
+                  <a:pt x="3384" y="2086"/>
+                </a:lnTo>
+                <a:lnTo>
+                  <a:pt x="3384" y="2076"/>
+                </a:lnTo>
+                <a:lnTo>
+                  <a:pt x="3384" y="44"/>
+                </a:lnTo>
+                <a:lnTo>
+                  <a:pt x="3384" y="44"/>
+                </a:lnTo>
+                <a:lnTo>
+                  <a:pt x="3384" y="34"/>
+                </a:lnTo>
+                <a:lnTo>
+                  <a:pt x="3380" y="26"/>
+                </a:lnTo>
+                <a:lnTo>
+                  <a:pt x="3376" y="20"/>
+                </a:lnTo>
+                <a:lnTo>
+                  <a:pt x="3372" y="12"/>
+                </a:lnTo>
+                <a:lnTo>
+                  <a:pt x="3364" y="8"/>
+                </a:lnTo>
+                <a:lnTo>
+                  <a:pt x="3358" y="4"/>
+                </a:lnTo>
+                <a:lnTo>
+                  <a:pt x="3350" y="0"/>
+                </a:lnTo>
+                <a:lnTo>
+                  <a:pt x="3340" y="0"/>
+                </a:lnTo>
+                <a:lnTo>
+                  <a:pt x="3340" y="0"/>
+                </a:lnTo>
+                <a:close/>
+              </a:path>
+            </a:pathLst>
+          </a:custGeom>
+          <a:ln/>
+          <a:extLst>
+            <a:ext uri="{91240B29-F687-4f45-9708-019B960494DF}">
+              <a14:hiddenLine xmlns:a14="http://schemas.microsoft.com/office/drawing/2010/main" xmlns="" w="9525">
+                <a:solidFill>
+                  <a:srgbClr val="000000"/>
+                </a:solidFill>
+                <a:round/>
+                <a:headEnd/>
+                <a:tailEnd/>
+              </a14:hiddenLine>
+            </a:ext>
+          </a:extLst>
         </p:spPr>
-      </p:pic>
+        <p:style>
+          <a:lnRef idx="1">
+            <a:schemeClr val="accent1"/>
+          </a:lnRef>
+          <a:fillRef idx="3">
+            <a:schemeClr val="accent1"/>
+          </a:fillRef>
+          <a:effectRef idx="2">
+            <a:schemeClr val="accent1"/>
+          </a:effectRef>
+          <a:fontRef idx="minor">
+            <a:schemeClr val="lt1"/>
+          </a:fontRef>
+        </p:style>
+      </p:sp>
       <p:sp>
         <p:nvSpPr>
           <p:cNvPr id="2" name="Title 1"/>
@@ -4570,17 +4228,15 @@
         </p:nvSpPr>
         <p:spPr>
           <a:xfrm>
-            <a:off x="685800" y="2074333"/>
-            <a:ext cx="3680885" cy="1371600"/>
+            <a:off x="1073151" y="446088"/>
+            <a:ext cx="3547533" cy="1618396"/>
           </a:xfrm>
         </p:spPr>
         <p:txBody>
-          <a:bodyPr anchor="b">
-            <a:normAutofit/>
-          </a:bodyPr>
+          <a:bodyPr anchor="b"/>
           <a:lstStyle>
             <a:lvl1pPr algn="l">
-              <a:defRPr sz="2400" b="0"/>
+              <a:defRPr sz="2000" b="1"/>
             </a:lvl1pPr>
           </a:lstStyle>
           <a:p>
@@ -4604,12 +4260,12 @@
         </p:nvSpPr>
         <p:spPr>
           <a:xfrm>
-            <a:off x="4648201" y="609601"/>
-            <a:ext cx="6169026" cy="5181600"/>
+            <a:off x="4855633" y="446088"/>
+            <a:ext cx="6252633" cy="5414963"/>
           </a:xfrm>
         </p:spPr>
         <p:txBody>
-          <a:bodyPr anchor="ctr">
+          <a:bodyPr>
             <a:normAutofit/>
           </a:bodyPr>
           <a:lstStyle/>
@@ -4663,18 +4319,16 @@
         </p:nvSpPr>
         <p:spPr>
           <a:xfrm>
-            <a:off x="685800" y="3445933"/>
-            <a:ext cx="3680885" cy="1828800"/>
+            <a:off x="1073151" y="2260738"/>
+            <a:ext cx="3547533" cy="3600311"/>
           </a:xfrm>
         </p:spPr>
         <p:txBody>
-          <a:bodyPr anchor="t">
-            <a:normAutofit/>
-          </a:bodyPr>
+          <a:bodyPr/>
           <a:lstStyle>
             <a:lvl1pPr marL="0" indent="0">
               <a:buNone/>
-              <a:defRPr sz="1600"/>
+              <a:defRPr sz="1400"/>
             </a:lvl1pPr>
             <a:lvl2pPr marL="457200" indent="0">
               <a:buNone/>
@@ -4734,9 +4388,9 @@
           <a:lstStyle/>
           <a:p>
             <a:fld id="{B61BEF0D-F0BB-DE4B-95CE-6DB70DBA9567}" type="datetimeFigureOut">
-              <a:rPr lang="en-US" dirty="0"/>
+              <a:rPr lang="en-US" smtClean="0"/>
               <a:pPr/>
-              <a:t>2/10/2016</a:t>
+              <a:t>2/12/2016</a:t>
             </a:fld>
             <a:endParaRPr lang="en-US" dirty="0"/>
           </a:p>
@@ -4777,7 +4431,7 @@
           <a:lstStyle/>
           <a:p>
             <a:fld id="{D57F1E4F-1CFF-5643-939E-217C01CDF565}" type="slidenum">
-              <a:rPr lang="en-US" dirty="0"/>
+              <a:rPr lang="en-US" smtClean="0"/>
               <a:pPr/>
               <a:t>‹nr.›</a:t>
             </a:fld>
@@ -4786,6 +4440,11 @@
         </p:txBody>
       </p:sp>
     </p:spTree>
+    <p:extLst>
+      <p:ext uri="{BB962C8B-B14F-4D97-AF65-F5344CB8AC3E}">
+        <p14:creationId xmlns:p14="http://schemas.microsoft.com/office/powerpoint/2010/main" val="482359627"/>
+      </p:ext>
+    </p:extLst>
   </p:cSld>
   <p:clrMapOvr>
     <a:masterClrMapping/>
@@ -4810,36 +4469,6 @@
           <a:chExt cx="0" cy="0"/>
         </a:xfrm>
       </p:grpSpPr>
-      <p:pic>
-        <p:nvPicPr>
-          <p:cNvPr id="8" name="Picture 7" descr="Celestia-R1---OverlayContentHD.png"/>
-          <p:cNvPicPr>
-            <a:picLocks noChangeAspect="1"/>
-          </p:cNvPicPr>
-          <p:nvPr/>
-        </p:nvPicPr>
-        <p:blipFill>
-          <a:blip r:embed="rId2">
-            <a:extLst>
-              <a:ext uri="{28A0092B-C50C-407E-A947-70E740481C1C}">
-                <a14:useLocalDpi xmlns:a14="http://schemas.microsoft.com/office/drawing/2010/main" val="0"/>
-              </a:ext>
-            </a:extLst>
-          </a:blip>
-          <a:stretch>
-            <a:fillRect/>
-          </a:stretch>
-        </p:blipFill>
-        <p:spPr>
-          <a:xfrm>
-            <a:off x="0" y="0"/>
-            <a:ext cx="12188825" cy="6856214"/>
-          </a:xfrm>
-          <a:prstGeom prst="rect">
-            <a:avLst/>
-          </a:prstGeom>
-        </p:spPr>
-      </p:pic>
       <p:sp>
         <p:nvSpPr>
           <p:cNvPr id="2" name="Title 1"/>
@@ -4852,8 +4481,8 @@
         </p:nvSpPr>
         <p:spPr>
           <a:xfrm>
-            <a:off x="685800" y="1600200"/>
-            <a:ext cx="6164653" cy="1371600"/>
+            <a:off x="814728" y="727522"/>
+            <a:ext cx="4852988" cy="1617163"/>
           </a:xfrm>
         </p:spPr>
         <p:txBody>
@@ -4862,7 +4491,7 @@
           </a:bodyPr>
           <a:lstStyle>
             <a:lvl1pPr algn="l">
-              <a:defRPr sz="2800" b="0"/>
+              <a:defRPr sz="2400" b="0"/>
             </a:lvl1pPr>
           </a:lstStyle>
           <a:p>
@@ -4876,92 +4505,106 @@
       </p:sp>
       <p:sp>
         <p:nvSpPr>
-          <p:cNvPr id="14" name="Picture Placeholder 2"/>
+          <p:cNvPr id="9" name="Picture Placeholder 11"/>
           <p:cNvSpPr>
             <a:spLocks noGrp="1" noChangeAspect="1"/>
           </p:cNvSpPr>
           <p:nvPr>
-            <p:ph type="pic" idx="1"/>
+            <p:ph type="pic" sz="quarter" idx="13"/>
           </p:nvPr>
         </p:nvSpPr>
-        <p:spPr>
+        <p:spPr bwMode="auto">
           <a:xfrm>
-            <a:off x="7536253" y="914400"/>
-            <a:ext cx="3280974" cy="4572000"/>
+            <a:off x="6098117" y="0"/>
+            <a:ext cx="6093883" cy="6858000"/>
           </a:xfrm>
-          <a:prstGeom prst="roundRect">
-            <a:avLst>
-              <a:gd name="adj" fmla="val 4280"/>
-            </a:avLst>
-          </a:prstGeom>
-          <a:ln w="50800" cap="sq" cmpd="dbl">
-            <a:gradFill flip="none" rotWithShape="1">
-              <a:gsLst>
-                <a:gs pos="0">
-                  <a:srgbClr val="FFFFFF"/>
-                </a:gs>
-                <a:gs pos="100000">
-                  <a:schemeClr val="tx1">
-                    <a:alpha val="0"/>
-                  </a:schemeClr>
-                </a:gs>
-              </a:gsLst>
-              <a:path path="circle">
-                <a:fillToRect l="50000" t="50000" r="50000" b="50000"/>
+          <a:custGeom>
+            <a:avLst/>
+            <a:gdLst/>
+            <a:ahLst/>
+            <a:cxnLst/>
+            <a:rect l="0" t="0" r="r" b="b"/>
+            <a:pathLst>
+              <a:path w="2879" h="4320">
+                <a:moveTo>
+                  <a:pt x="183" y="0"/>
+                </a:moveTo>
+                <a:lnTo>
+                  <a:pt x="183" y="1197"/>
+                </a:lnTo>
+                <a:lnTo>
+                  <a:pt x="8" y="1372"/>
+                </a:lnTo>
+                <a:lnTo>
+                  <a:pt x="8" y="1372"/>
+                </a:lnTo>
+                <a:lnTo>
+                  <a:pt x="6" y="1376"/>
+                </a:lnTo>
+                <a:lnTo>
+                  <a:pt x="3" y="1382"/>
+                </a:lnTo>
+                <a:lnTo>
+                  <a:pt x="0" y="1387"/>
+                </a:lnTo>
+                <a:lnTo>
+                  <a:pt x="0" y="1393"/>
+                </a:lnTo>
+                <a:lnTo>
+                  <a:pt x="0" y="1399"/>
+                </a:lnTo>
+                <a:lnTo>
+                  <a:pt x="3" y="1404"/>
+                </a:lnTo>
+                <a:lnTo>
+                  <a:pt x="6" y="1410"/>
+                </a:lnTo>
+                <a:lnTo>
+                  <a:pt x="8" y="1414"/>
+                </a:lnTo>
+                <a:lnTo>
+                  <a:pt x="183" y="1589"/>
+                </a:lnTo>
+                <a:lnTo>
+                  <a:pt x="183" y="4320"/>
+                </a:lnTo>
+                <a:lnTo>
+                  <a:pt x="2879" y="4320"/>
+                </a:lnTo>
+                <a:lnTo>
+                  <a:pt x="2879" y="0"/>
+                </a:lnTo>
+                <a:lnTo>
+                  <a:pt x="183" y="0"/>
+                </a:lnTo>
+                <a:close/>
               </a:path>
-              <a:tileRect/>
-            </a:gradFill>
-            <a:miter lim="800000"/>
+            </a:pathLst>
+          </a:custGeom>
+          <a:noFill/>
+          <a:ln w="9525">
+            <a:solidFill>
+              <a:schemeClr val="tx2"/>
+            </a:solidFill>
+            <a:round/>
+            <a:headEnd/>
+            <a:tailEnd/>
           </a:ln>
-          <a:effectLst>
-            <a:outerShdw blurRad="254000" algn="tl" rotWithShape="0">
-              <a:srgbClr val="000000">
-                <a:alpha val="43000"/>
-              </a:srgbClr>
-            </a:outerShdw>
-          </a:effectLst>
+          <a:effectLst/>
         </p:spPr>
         <p:txBody>
-          <a:bodyPr anchor="t">
+          <a:bodyPr wrap="square" numCol="1" anchor="t" anchorCtr="0" compatLnSpc="1">
+            <a:prstTxWarp prst="textNoShape">
+              <a:avLst/>
+            </a:prstTxWarp>
             <a:normAutofit/>
           </a:bodyPr>
           <a:lstStyle>
-            <a:lvl1pPr marL="0" indent="0" algn="ctr">
+            <a:lvl1pPr algn="ctr">
+              <a:buFontTx/>
               <a:buNone/>
-              <a:defRPr sz="1600"/>
+              <a:defRPr sz="1400"/>
             </a:lvl1pPr>
-            <a:lvl2pPr marL="457200" indent="0">
-              <a:buNone/>
-              <a:defRPr sz="1600"/>
-            </a:lvl2pPr>
-            <a:lvl3pPr marL="914400" indent="0">
-              <a:buNone/>
-              <a:defRPr sz="1600"/>
-            </a:lvl3pPr>
-            <a:lvl4pPr marL="1371600" indent="0">
-              <a:buNone/>
-              <a:defRPr sz="1600"/>
-            </a:lvl4pPr>
-            <a:lvl5pPr marL="1828800" indent="0">
-              <a:buNone/>
-              <a:defRPr sz="1600"/>
-            </a:lvl5pPr>
-            <a:lvl6pPr marL="2286000" indent="0">
-              <a:buNone/>
-              <a:defRPr sz="1600"/>
-            </a:lvl6pPr>
-            <a:lvl7pPr marL="2743200" indent="0">
-              <a:buNone/>
-              <a:defRPr sz="1600"/>
-            </a:lvl7pPr>
-            <a:lvl8pPr marL="3200400" indent="0">
-              <a:buNone/>
-              <a:defRPr sz="1600"/>
-            </a:lvl8pPr>
-            <a:lvl9pPr marL="3657600" indent="0">
-              <a:buNone/>
-              <a:defRPr sz="1600"/>
-            </a:lvl9pPr>
           </a:lstStyle>
           <a:p>
             <a:r>
@@ -4984,8 +4627,8 @@
         </p:nvSpPr>
         <p:spPr>
           <a:xfrm>
-            <a:off x="685800" y="2971800"/>
-            <a:ext cx="6164653" cy="1828800"/>
+            <a:off x="814728" y="2344684"/>
+            <a:ext cx="4852988" cy="3516365"/>
           </a:xfrm>
         </p:spPr>
         <p:txBody>
@@ -4995,7 +4638,7 @@
           <a:lstStyle>
             <a:lvl1pPr marL="0" indent="0">
               <a:buNone/>
-              <a:defRPr sz="1800"/>
+              <a:defRPr sz="1200"/>
             </a:lvl1pPr>
             <a:lvl2pPr marL="457200" indent="0">
               <a:buNone/>
@@ -5049,15 +4692,20 @@
             <p:ph type="dt" sz="half" idx="10"/>
           </p:nvPr>
         </p:nvSpPr>
-        <p:spPr/>
+        <p:spPr>
+          <a:xfrm>
+            <a:off x="3885810" y="6041362"/>
+            <a:ext cx="976879" cy="365125"/>
+          </a:xfrm>
+        </p:spPr>
         <p:txBody>
           <a:bodyPr/>
           <a:lstStyle/>
           <a:p>
             <a:fld id="{B61BEF0D-F0BB-DE4B-95CE-6DB70DBA9567}" type="datetimeFigureOut">
-              <a:rPr lang="en-US" dirty="0"/>
+              <a:rPr lang="en-US" smtClean="0"/>
               <a:pPr/>
-              <a:t>2/10/2016</a:t>
+              <a:t>2/12/2016</a:t>
             </a:fld>
             <a:endParaRPr lang="en-US" dirty="0"/>
           </a:p>
@@ -5073,7 +4721,12 @@
             <p:ph type="ftr" sz="quarter" idx="11"/>
           </p:nvPr>
         </p:nvSpPr>
-        <p:spPr/>
+        <p:spPr>
+          <a:xfrm>
+            <a:off x="590396" y="6041362"/>
+            <a:ext cx="3295413" cy="365125"/>
+          </a:xfrm>
+        </p:spPr>
         <p:txBody>
           <a:bodyPr/>
           <a:lstStyle/>
@@ -5092,13 +4745,18 @@
             <p:ph type="sldNum" sz="quarter" idx="12"/>
           </p:nvPr>
         </p:nvSpPr>
-        <p:spPr/>
+        <p:spPr>
+          <a:xfrm>
+            <a:off x="4862689" y="5915888"/>
+            <a:ext cx="1062155" cy="490599"/>
+          </a:xfrm>
+        </p:spPr>
         <p:txBody>
           <a:bodyPr/>
           <a:lstStyle/>
           <a:p>
             <a:fld id="{D57F1E4F-1CFF-5643-939E-217C01CDF565}" type="slidenum">
-              <a:rPr lang="en-US" dirty="0"/>
+              <a:rPr lang="en-US" smtClean="0"/>
               <a:pPr/>
               <a:t>‹nr.›</a:t>
             </a:fld>
@@ -5107,6 +4765,11 @@
         </p:txBody>
       </p:sp>
     </p:spTree>
+    <p:extLst>
+      <p:ext uri="{BB962C8B-B14F-4D97-AF65-F5344CB8AC3E}">
+        <p14:creationId xmlns:p14="http://schemas.microsoft.com/office/powerpoint/2010/main" val="3929027877"/>
+      </p:ext>
+    </p:extLst>
   </p:cSld>
   <p:clrMapOvr>
     <a:masterClrMapping/>
@@ -5118,7 +4781,7 @@
 <p:sldMaster xmlns:a="http://schemas.openxmlformats.org/drawingml/2006/main" xmlns:r="http://schemas.openxmlformats.org/officeDocument/2006/relationships" xmlns:p="http://schemas.openxmlformats.org/presentationml/2006/main">
   <p:cSld>
     <p:bg>
-      <p:bgRef idx="1003">
+      <p:bgRef idx="1001">
         <a:schemeClr val="bg2"/>
       </p:bgRef>
     </p:bg>
@@ -5148,17 +4811,23 @@
         </p:nvSpPr>
         <p:spPr>
           <a:xfrm>
-            <a:off x="685801" y="609600"/>
-            <a:ext cx="10131425" cy="1456267"/>
+            <a:off x="810000" y="447188"/>
+            <a:ext cx="10571998" cy="970450"/>
           </a:xfrm>
           <a:prstGeom prst="rect">
             <a:avLst/>
           </a:prstGeom>
-          <a:effectLst/>
+          <a:effectLst>
+            <a:outerShdw blurRad="50800" dir="14400000">
+              <a:srgbClr val="000000">
+                <a:alpha val="60000"/>
+              </a:srgbClr>
+            </a:outerShdw>
+          </a:effectLst>
         </p:spPr>
         <p:txBody>
-          <a:bodyPr vert="horz" lIns="91440" tIns="45720" rIns="91440" bIns="45720" rtlCol="0" anchor="ctr">
-            <a:normAutofit/>
+          <a:bodyPr vert="horz" lIns="91440" tIns="45720" rIns="91440" bIns="45720" rtlCol="0" anchor="b">
+            <a:noAutofit/>
           </a:bodyPr>
           <a:lstStyle/>
           <a:p>
@@ -5182,52 +4851,94 @@
         </p:nvSpPr>
         <p:spPr>
           <a:xfrm>
-            <a:off x="685801" y="2142067"/>
-            <a:ext cx="10131425" cy="3649133"/>
+            <a:off x="810000" y="2184401"/>
+            <a:ext cx="10563285" cy="3674397"/>
+          </a:xfrm>
+          <a:prstGeom prst="rect">
+            <a:avLst/>
+          </a:prstGeom>
+          <a:effectLst>
+            <a:outerShdw blurRad="50800" dir="14400000">
+              <a:srgbClr val="000000">
+                <a:alpha val="40000"/>
+              </a:srgbClr>
+            </a:outerShdw>
+          </a:effectLst>
+        </p:spPr>
+        <p:txBody>
+          <a:bodyPr vert="horz" lIns="91440" tIns="45720" rIns="91440" bIns="45720" rtlCol="0" anchor="ctr">
+            <a:normAutofit/>
+          </a:bodyPr>
+          <a:lstStyle/>
+          <a:p>
+            <a:pPr lvl="0"/>
+            <a:r>
+              <a:rPr lang="nl-NL" smtClean="0"/>
+              <a:t>Klik om de modelstijlen te bewerken</a:t>
+            </a:r>
+          </a:p>
+          <a:p>
+            <a:pPr lvl="1"/>
+            <a:r>
+              <a:rPr lang="nl-NL" smtClean="0"/>
+              <a:t>Tweede niveau</a:t>
+            </a:r>
+          </a:p>
+          <a:p>
+            <a:pPr lvl="2"/>
+            <a:r>
+              <a:rPr lang="nl-NL" smtClean="0"/>
+              <a:t>Derde niveau</a:t>
+            </a:r>
+          </a:p>
+          <a:p>
+            <a:pPr lvl="3"/>
+            <a:r>
+              <a:rPr lang="nl-NL" smtClean="0"/>
+              <a:t>Vierde niveau</a:t>
+            </a:r>
+          </a:p>
+          <a:p>
+            <a:pPr lvl="4"/>
+            <a:r>
+              <a:rPr lang="nl-NL" smtClean="0"/>
+              <a:t>Vijfde niveau</a:t>
+            </a:r>
+            <a:endParaRPr lang="en-US" dirty="0"/>
+          </a:p>
+        </p:txBody>
+      </p:sp>
+      <p:sp>
+        <p:nvSpPr>
+          <p:cNvPr id="5" name="Footer Placeholder 4"/>
+          <p:cNvSpPr>
+            <a:spLocks noGrp="1"/>
+          </p:cNvSpPr>
+          <p:nvPr>
+            <p:ph type="ftr" sz="quarter" idx="3"/>
+          </p:nvPr>
+        </p:nvSpPr>
+        <p:spPr>
+          <a:xfrm>
+            <a:off x="451514" y="6041362"/>
+            <a:ext cx="8644320" cy="365125"/>
           </a:xfrm>
           <a:prstGeom prst="rect">
             <a:avLst/>
           </a:prstGeom>
         </p:spPr>
         <p:txBody>
-          <a:bodyPr vert="horz" lIns="91440" tIns="45720" rIns="91440" bIns="45720" rtlCol="0" anchor="ctr">
-            <a:normAutofit/>
-          </a:bodyPr>
-          <a:lstStyle/>
-          <a:p>
-            <a:pPr lvl="0"/>
-            <a:r>
-              <a:rPr lang="nl-NL" smtClean="0"/>
-              <a:t>Klik om de modelstijlen te bewerken</a:t>
-            </a:r>
-          </a:p>
-          <a:p>
-            <a:pPr lvl="1"/>
-            <a:r>
-              <a:rPr lang="nl-NL" smtClean="0"/>
-              <a:t>Tweede niveau</a:t>
-            </a:r>
-          </a:p>
-          <a:p>
-            <a:pPr lvl="2"/>
-            <a:r>
-              <a:rPr lang="nl-NL" smtClean="0"/>
-              <a:t>Derde niveau</a:t>
-            </a:r>
-          </a:p>
-          <a:p>
-            <a:pPr lvl="3"/>
-            <a:r>
-              <a:rPr lang="nl-NL" smtClean="0"/>
-              <a:t>Vierde niveau</a:t>
-            </a:r>
-          </a:p>
-          <a:p>
-            <a:pPr lvl="4"/>
-            <a:r>
-              <a:rPr lang="nl-NL" smtClean="0"/>
-              <a:t>Vijfde niveau</a:t>
-            </a:r>
+          <a:bodyPr vert="horz" lIns="91440" tIns="45720" rIns="91440" bIns="45720" rtlCol="0" anchor="b"/>
+          <a:lstStyle>
+            <a:lvl1pPr algn="l">
+              <a:defRPr sz="900">
+                <a:solidFill>
+                  <a:schemeClr val="tx1"/>
+                </a:solidFill>
+              </a:defRPr>
+            </a:lvl1pPr>
+          </a:lstStyle>
+          <a:p>
             <a:endParaRPr lang="en-US" dirty="0"/>
           </a:p>
         </p:txBody>
@@ -5244,69 +4955,30 @@
         </p:nvSpPr>
         <p:spPr>
           <a:xfrm>
-            <a:off x="8589660" y="5870575"/>
-            <a:ext cx="1600200" cy="377825"/>
+            <a:off x="9334626" y="6041362"/>
+            <a:ext cx="1343706" cy="365125"/>
           </a:xfrm>
           <a:prstGeom prst="rect">
             <a:avLst/>
           </a:prstGeom>
         </p:spPr>
         <p:txBody>
-          <a:bodyPr vert="horz" lIns="91440" tIns="45720" rIns="91440" bIns="45720" rtlCol="0" anchor="ctr"/>
+          <a:bodyPr vert="horz" lIns="91440" tIns="45720" rIns="91440" bIns="45720" rtlCol="0" anchor="b"/>
           <a:lstStyle>
             <a:lvl1pPr algn="r">
-              <a:defRPr sz="1000" b="0" i="0">
+              <a:defRPr sz="900">
                 <a:solidFill>
                   <a:schemeClr val="tx1"/>
                 </a:solidFill>
-                <a:effectLst/>
-                <a:latin typeface="+mn-lt"/>
               </a:defRPr>
             </a:lvl1pPr>
           </a:lstStyle>
           <a:p>
             <a:fld id="{B61BEF0D-F0BB-DE4B-95CE-6DB70DBA9567}" type="datetimeFigureOut">
-              <a:rPr lang="en-US" dirty="0"/>
+              <a:rPr lang="en-US" smtClean="0"/>
               <a:pPr/>
-              <a:t>2/10/2016</a:t>
+              <a:t>2/12/2016</a:t>
             </a:fld>
-            <a:endParaRPr lang="en-US" dirty="0"/>
-          </a:p>
-        </p:txBody>
-      </p:sp>
-      <p:sp>
-        <p:nvSpPr>
-          <p:cNvPr id="5" name="Footer Placeholder 4"/>
-          <p:cNvSpPr>
-            <a:spLocks noGrp="1"/>
-          </p:cNvSpPr>
-          <p:nvPr>
-            <p:ph type="ftr" sz="quarter" idx="3"/>
-          </p:nvPr>
-        </p:nvSpPr>
-        <p:spPr>
-          <a:xfrm>
-            <a:off x="685800" y="5870575"/>
-            <a:ext cx="7827659" cy="377825"/>
-          </a:xfrm>
-          <a:prstGeom prst="rect">
-            <a:avLst/>
-          </a:prstGeom>
-        </p:spPr>
-        <p:txBody>
-          <a:bodyPr vert="horz" lIns="91440" tIns="45720" rIns="91440" bIns="45720" rtlCol="0" anchor="ctr"/>
-          <a:lstStyle>
-            <a:lvl1pPr algn="l">
-              <a:defRPr sz="1000" b="0" i="0">
-                <a:solidFill>
-                  <a:schemeClr val="tx1"/>
-                </a:solidFill>
-                <a:effectLst/>
-                <a:latin typeface="+mn-lt"/>
-              </a:defRPr>
-            </a:lvl1pPr>
-          </a:lstStyle>
-          <a:p>
             <a:endParaRPr lang="en-US" dirty="0"/>
           </a:p>
         </p:txBody>
@@ -5323,29 +4995,27 @@
         </p:nvSpPr>
         <p:spPr>
           <a:xfrm>
-            <a:off x="10266060" y="5870575"/>
-            <a:ext cx="551167" cy="377825"/>
+            <a:off x="10678331" y="5915888"/>
+            <a:ext cx="1062155" cy="490599"/>
           </a:xfrm>
           <a:prstGeom prst="rect">
             <a:avLst/>
           </a:prstGeom>
         </p:spPr>
         <p:txBody>
-          <a:bodyPr vert="horz" lIns="91440" tIns="45720" rIns="91440" bIns="45720" rtlCol="0" anchor="ctr"/>
+          <a:bodyPr vert="horz" lIns="91440" tIns="45720" rIns="91440" bIns="10800" rtlCol="0" anchor="b"/>
           <a:lstStyle>
             <a:lvl1pPr algn="r">
-              <a:defRPr sz="1000" b="0" i="0">
+              <a:defRPr sz="2000">
                 <a:solidFill>
-                  <a:schemeClr val="tx1"/>
+                  <a:schemeClr val="accent1"/>
                 </a:solidFill>
-                <a:effectLst/>
-                <a:latin typeface="+mn-lt"/>
               </a:defRPr>
             </a:lvl1pPr>
           </a:lstStyle>
           <a:p>
             <a:fld id="{D57F1E4F-1CFF-5643-939E-217C01CDF565}" type="slidenum">
-              <a:rPr lang="en-US" dirty="0"/>
+              <a:rPr lang="en-US" smtClean="0"/>
               <a:pPr/>
               <a:t>‹nr.›</a:t>
             </a:fld>
@@ -5354,26 +5024,28 @@
         </p:txBody>
       </p:sp>
     </p:spTree>
+    <p:extLst>
+      <p:ext uri="{BB962C8B-B14F-4D97-AF65-F5344CB8AC3E}">
+        <p14:creationId xmlns:p14="http://schemas.microsoft.com/office/powerpoint/2010/main" val="3856440687"/>
+      </p:ext>
+    </p:extLst>
   </p:cSld>
   <p:clrMap bg1="dk1" tx1="lt1" bg2="dk2" tx2="lt2" accent1="accent1" accent2="accent2" accent3="accent3" accent4="accent4" accent5="accent5" accent6="accent6" hlink="hlink" folHlink="folHlink"/>
   <p:sldLayoutIdLst>
-    <p:sldLayoutId id="2147483649" r:id="rId1"/>
-    <p:sldLayoutId id="2147483650" r:id="rId2"/>
-    <p:sldLayoutId id="2147483651" r:id="rId3"/>
-    <p:sldLayoutId id="2147483652" r:id="rId4"/>
-    <p:sldLayoutId id="2147483653" r:id="rId5"/>
-    <p:sldLayoutId id="2147483654" r:id="rId6"/>
-    <p:sldLayoutId id="2147483655" r:id="rId7"/>
-    <p:sldLayoutId id="2147483656" r:id="rId8"/>
-    <p:sldLayoutId id="2147483660" r:id="rId9"/>
-    <p:sldLayoutId id="2147483657" r:id="rId10"/>
-    <p:sldLayoutId id="2147483663" r:id="rId11"/>
-    <p:sldLayoutId id="2147483664" r:id="rId12"/>
-    <p:sldLayoutId id="2147483665" r:id="rId13"/>
-    <p:sldLayoutId id="2147483668" r:id="rId14"/>
-    <p:sldLayoutId id="2147483667" r:id="rId15"/>
-    <p:sldLayoutId id="2147483658" r:id="rId16"/>
-    <p:sldLayoutId id="2147483659" r:id="rId17"/>
+    <p:sldLayoutId id="2147483706" r:id="rId1"/>
+    <p:sldLayoutId id="2147483707" r:id="rId2"/>
+    <p:sldLayoutId id="2147483708" r:id="rId3"/>
+    <p:sldLayoutId id="2147483709" r:id="rId4"/>
+    <p:sldLayoutId id="2147483710" r:id="rId5"/>
+    <p:sldLayoutId id="2147483711" r:id="rId6"/>
+    <p:sldLayoutId id="2147483712" r:id="rId7"/>
+    <p:sldLayoutId id="2147483713" r:id="rId8"/>
+    <p:sldLayoutId id="2147483714" r:id="rId9"/>
+    <p:sldLayoutId id="2147483715" r:id="rId10"/>
+    <p:sldLayoutId id="2147483716" r:id="rId11"/>
+    <p:sldLayoutId id="2147483717" r:id="rId12"/>
+    <p:sldLayoutId id="2147483718" r:id="rId13"/>
+    <p:sldLayoutId id="2147483719" r:id="rId14"/>
   </p:sldLayoutIdLst>
   <p:txStyles>
     <p:titleStyle>
@@ -5382,14 +5054,10 @@
           <a:spcPct val="0"/>
         </a:spcBef>
         <a:buNone/>
-        <a:defRPr sz="3600" kern="1200" cap="all">
-          <a:ln w="3175" cmpd="sng">
-            <a:noFill/>
-          </a:ln>
+        <a:defRPr sz="4000" b="1" kern="1200">
           <a:solidFill>
-            <a:schemeClr val="tx1"/>
+            <a:srgbClr val="FEFEFE"/>
           </a:solidFill>
-          <a:effectLst/>
           <a:latin typeface="+mj-lt"/>
           <a:ea typeface="+mj-ea"/>
           <a:cs typeface="+mj-cs"/>
@@ -5453,24 +5121,22 @@
       </a:lvl9pPr>
     </p:titleStyle>
     <p:bodyStyle>
-      <a:lvl1pPr marL="285750" indent="-285750" algn="l" defTabSz="457200" rtl="0" eaLnBrk="1" latinLnBrk="0" hangingPunct="1">
+      <a:lvl1pPr marL="342900" indent="-342900" algn="l" defTabSz="457200" rtl="0" eaLnBrk="1" latinLnBrk="0" hangingPunct="1">
         <a:spcBef>
-          <a:spcPts val="0"/>
+          <a:spcPct val="20000"/>
         </a:spcBef>
         <a:spcAft>
-          <a:spcPts val="1000"/>
+          <a:spcPts val="600"/>
         </a:spcAft>
         <a:buClr>
-          <a:schemeClr val="tx1"/>
+          <a:schemeClr val="accent1"/>
         </a:buClr>
-        <a:buSzPct val="100000"/>
-        <a:buFont typeface="Arial"/>
-        <a:buChar char="•"/>
-        <a:defRPr sz="1800" kern="1200" cap="none">
+        <a:buFont typeface="Wingdings 2" charset="2"/>
+        <a:buChar char=""/>
+        <a:defRPr sz="1800" kern="1200">
           <a:solidFill>
             <a:schemeClr val="tx1"/>
           </a:solidFill>
-          <a:effectLst/>
           <a:latin typeface="+mn-lt"/>
           <a:ea typeface="+mn-ea"/>
           <a:cs typeface="+mn-cs"/>
@@ -5478,183 +5144,167 @@
       </a:lvl1pPr>
       <a:lvl2pPr marL="742950" indent="-285750" algn="l" defTabSz="457200" rtl="0" eaLnBrk="1" latinLnBrk="0" hangingPunct="1">
         <a:spcBef>
-          <a:spcPts val="0"/>
+          <a:spcPct val="20000"/>
         </a:spcBef>
         <a:spcAft>
-          <a:spcPts val="1000"/>
+          <a:spcPts val="600"/>
         </a:spcAft>
         <a:buClr>
-          <a:schemeClr val="tx1"/>
+          <a:schemeClr val="accent1"/>
         </a:buClr>
-        <a:buSzPct val="100000"/>
-        <a:buFont typeface="Arial"/>
-        <a:buChar char="•"/>
-        <a:defRPr sz="1600" kern="1200" cap="none">
+        <a:buFont typeface="Wingdings 2" charset="2"/>
+        <a:buChar char=""/>
+        <a:defRPr sz="1600" kern="1200">
           <a:solidFill>
             <a:schemeClr val="tx1"/>
           </a:solidFill>
-          <a:effectLst/>
           <a:latin typeface="+mn-lt"/>
           <a:ea typeface="+mn-ea"/>
           <a:cs typeface="+mn-cs"/>
         </a:defRPr>
       </a:lvl2pPr>
-      <a:lvl3pPr marL="1200150" indent="-285750" algn="l" defTabSz="457200" rtl="0" eaLnBrk="1" latinLnBrk="0" hangingPunct="1">
+      <a:lvl3pPr marL="1143000" indent="-228600" algn="l" defTabSz="457200" rtl="0" eaLnBrk="1" latinLnBrk="0" hangingPunct="1">
         <a:spcBef>
-          <a:spcPts val="0"/>
+          <a:spcPct val="20000"/>
         </a:spcBef>
         <a:spcAft>
-          <a:spcPts val="1000"/>
+          <a:spcPts val="600"/>
         </a:spcAft>
         <a:buClr>
-          <a:schemeClr val="tx1"/>
+          <a:schemeClr val="accent1"/>
         </a:buClr>
-        <a:buSzPct val="100000"/>
-        <a:buFont typeface="Arial"/>
-        <a:buChar char="•"/>
-        <a:defRPr sz="1400" kern="1200" cap="none">
+        <a:buFont typeface="Wingdings 2" charset="2"/>
+        <a:buChar char=""/>
+        <a:defRPr sz="1400" kern="1200">
           <a:solidFill>
             <a:schemeClr val="tx1"/>
           </a:solidFill>
-          <a:effectLst/>
           <a:latin typeface="+mn-lt"/>
           <a:ea typeface="+mn-ea"/>
           <a:cs typeface="+mn-cs"/>
         </a:defRPr>
       </a:lvl3pPr>
-      <a:lvl4pPr marL="1543050" indent="-171450" algn="l" defTabSz="457200" rtl="0" eaLnBrk="1" latinLnBrk="0" hangingPunct="1">
+      <a:lvl4pPr marL="1600200" indent="-228600" algn="l" defTabSz="457200" rtl="0" eaLnBrk="1" latinLnBrk="0" hangingPunct="1">
         <a:spcBef>
-          <a:spcPts val="0"/>
+          <a:spcPct val="20000"/>
         </a:spcBef>
         <a:spcAft>
-          <a:spcPts val="1000"/>
+          <a:spcPts val="600"/>
         </a:spcAft>
         <a:buClr>
-          <a:schemeClr val="tx1"/>
+          <a:schemeClr val="accent1"/>
         </a:buClr>
-        <a:buSzPct val="100000"/>
-        <a:buFont typeface="Arial"/>
-        <a:buChar char="•"/>
-        <a:defRPr sz="1200" kern="1200" cap="none">
+        <a:buFont typeface="Wingdings 2" charset="2"/>
+        <a:buChar char=""/>
+        <a:defRPr sz="1200" kern="1200">
           <a:solidFill>
             <a:schemeClr val="tx1"/>
           </a:solidFill>
-          <a:effectLst/>
           <a:latin typeface="+mn-lt"/>
           <a:ea typeface="+mn-ea"/>
           <a:cs typeface="+mn-cs"/>
         </a:defRPr>
       </a:lvl4pPr>
-      <a:lvl5pPr marL="2000250" indent="-171450" algn="l" defTabSz="457200" rtl="0" eaLnBrk="1" latinLnBrk="0" hangingPunct="1">
+      <a:lvl5pPr marL="2057400" indent="-228600" algn="l" defTabSz="457200" rtl="0" eaLnBrk="1" latinLnBrk="0" hangingPunct="1">
         <a:spcBef>
-          <a:spcPts val="0"/>
+          <a:spcPct val="20000"/>
         </a:spcBef>
         <a:spcAft>
-          <a:spcPts val="1000"/>
+          <a:spcPts val="600"/>
         </a:spcAft>
         <a:buClr>
-          <a:schemeClr val="tx1"/>
+          <a:schemeClr val="accent1"/>
         </a:buClr>
-        <a:buSzPct val="100000"/>
-        <a:buFont typeface="Arial"/>
-        <a:buChar char="•"/>
-        <a:defRPr sz="1200" kern="1200" cap="none">
+        <a:buFont typeface="Wingdings 2" charset="2"/>
+        <a:buChar char=""/>
+        <a:defRPr sz="1200" kern="1200">
           <a:solidFill>
             <a:schemeClr val="tx1"/>
           </a:solidFill>
-          <a:effectLst/>
           <a:latin typeface="+mn-lt"/>
           <a:ea typeface="+mn-ea"/>
           <a:cs typeface="+mn-cs"/>
         </a:defRPr>
       </a:lvl5pPr>
-      <a:lvl6pPr marL="2514600" indent="-228600" algn="l" defTabSz="457200" rtl="0" eaLnBrk="1" latinLnBrk="0" hangingPunct="1">
+      <a:lvl6pPr marL="2400000" indent="-228600" algn="l" defTabSz="457200" rtl="0" eaLnBrk="1" latinLnBrk="0" hangingPunct="1">
         <a:spcBef>
-          <a:spcPts val="0"/>
+          <a:spcPct val="20000"/>
         </a:spcBef>
         <a:spcAft>
-          <a:spcPts val="1000"/>
+          <a:spcPts val="600"/>
         </a:spcAft>
         <a:buClr>
-          <a:schemeClr val="tx1"/>
+          <a:schemeClr val="accent1"/>
         </a:buClr>
-        <a:buSzPct val="100000"/>
-        <a:buFont typeface="Arial"/>
-        <a:buChar char="•"/>
-        <a:defRPr sz="1200" kern="1200" cap="none">
+        <a:buFont typeface="Wingdings 2" charset="2"/>
+        <a:buChar char=""/>
+        <a:defRPr sz="1200" kern="1200">
           <a:solidFill>
             <a:schemeClr val="tx1"/>
           </a:solidFill>
-          <a:effectLst/>
           <a:latin typeface="+mn-lt"/>
           <a:ea typeface="+mn-ea"/>
           <a:cs typeface="+mn-cs"/>
         </a:defRPr>
       </a:lvl6pPr>
-      <a:lvl7pPr marL="2971800" indent="-228600" algn="l" defTabSz="457200" rtl="0" eaLnBrk="1" latinLnBrk="0" hangingPunct="1">
+      <a:lvl7pPr marL="2800000" indent="-228600" algn="l" defTabSz="457200" rtl="0" eaLnBrk="1" latinLnBrk="0" hangingPunct="1">
         <a:spcBef>
-          <a:spcPts val="0"/>
+          <a:spcPct val="20000"/>
         </a:spcBef>
         <a:spcAft>
-          <a:spcPts val="1000"/>
+          <a:spcPts val="600"/>
         </a:spcAft>
         <a:buClr>
-          <a:schemeClr val="tx1"/>
+          <a:schemeClr val="accent1"/>
         </a:buClr>
-        <a:buSzPct val="100000"/>
-        <a:buFont typeface="Arial"/>
-        <a:buChar char="•"/>
-        <a:defRPr sz="1200" kern="1200" cap="none">
+        <a:buFont typeface="Wingdings 2" charset="2"/>
+        <a:buChar char=""/>
+        <a:defRPr sz="1200" kern="1200">
           <a:solidFill>
             <a:schemeClr val="tx1"/>
           </a:solidFill>
-          <a:effectLst/>
           <a:latin typeface="+mn-lt"/>
           <a:ea typeface="+mn-ea"/>
           <a:cs typeface="+mn-cs"/>
         </a:defRPr>
       </a:lvl7pPr>
-      <a:lvl8pPr marL="3429000" indent="-228600" algn="l" defTabSz="457200" rtl="0" eaLnBrk="1" latinLnBrk="0" hangingPunct="1">
+      <a:lvl8pPr marL="3200000" indent="-228600" algn="l" defTabSz="457200" rtl="0" eaLnBrk="1" latinLnBrk="0" hangingPunct="1">
         <a:spcBef>
-          <a:spcPts val="0"/>
+          <a:spcPct val="20000"/>
         </a:spcBef>
         <a:spcAft>
-          <a:spcPts val="1000"/>
+          <a:spcPts val="600"/>
         </a:spcAft>
         <a:buClr>
-          <a:schemeClr val="tx1"/>
+          <a:schemeClr val="accent1"/>
         </a:buClr>
-        <a:buSzPct val="100000"/>
-        <a:buFont typeface="Arial"/>
-        <a:buChar char="•"/>
-        <a:defRPr sz="1200" kern="1200" cap="none">
+        <a:buFont typeface="Wingdings 2" charset="2"/>
+        <a:buChar char=""/>
+        <a:defRPr sz="1200" kern="1200">
           <a:solidFill>
             <a:schemeClr val="tx1"/>
           </a:solidFill>
-          <a:effectLst/>
           <a:latin typeface="+mn-lt"/>
           <a:ea typeface="+mn-ea"/>
           <a:cs typeface="+mn-cs"/>
         </a:defRPr>
       </a:lvl8pPr>
-      <a:lvl9pPr marL="3886200" indent="-228600" algn="l" defTabSz="457200" rtl="0" eaLnBrk="1" latinLnBrk="0" hangingPunct="1">
+      <a:lvl9pPr marL="3600000" indent="-228600" algn="l" defTabSz="457200" rtl="0" eaLnBrk="1" latinLnBrk="0" hangingPunct="1">
         <a:spcBef>
-          <a:spcPts val="0"/>
+          <a:spcPct val="20000"/>
         </a:spcBef>
         <a:spcAft>
-          <a:spcPts val="1000"/>
+          <a:spcPts val="600"/>
         </a:spcAft>
         <a:buClr>
-          <a:schemeClr val="tx1"/>
+          <a:schemeClr val="accent1"/>
         </a:buClr>
-        <a:buSzPct val="100000"/>
-        <a:buFont typeface="Arial"/>
-        <a:buChar char="•"/>
-        <a:defRPr sz="1200" kern="1200" cap="none">
+        <a:buFont typeface="Wingdings 2" charset="2"/>
+        <a:buChar char=""/>
+        <a:defRPr sz="1200" kern="1200">
           <a:solidFill>
             <a:schemeClr val="tx1"/>
           </a:solidFill>
-          <a:effectLst/>
           <a:latin typeface="+mn-lt"/>
           <a:ea typeface="+mn-ea"/>
           <a:cs typeface="+mn-cs"/>
@@ -5845,7 +5495,7 @@
                 </a:effectLst>
                 <a:latin typeface="Berlin Sans FB" panose="020E0602020502020306" pitchFamily="34" charset="0"/>
               </a:rPr>
-              <a:t>GRavesDiggers</a:t>
+              <a:t>GravesDiggers</a:t>
             </a:r>
             <a:endParaRPr lang="nl-NL" b="1" dirty="0">
               <a:ln>
@@ -6625,7 +6275,12 @@
             <p:ph type="title"/>
           </p:nvPr>
         </p:nvSpPr>
-        <p:spPr/>
+        <p:spPr>
+          <a:xfrm>
+            <a:off x="685799" y="335456"/>
+            <a:ext cx="8610600" cy="1293028"/>
+          </a:xfrm>
+        </p:spPr>
         <p:txBody>
           <a:bodyPr/>
           <a:lstStyle/>
@@ -6680,7 +6335,7 @@
         </p:nvSpPr>
         <p:spPr>
           <a:xfrm>
-            <a:off x="685800" y="526627"/>
+            <a:off x="685799" y="641958"/>
             <a:ext cx="10131425" cy="3649133"/>
           </a:xfrm>
         </p:spPr>
@@ -9024,7 +8679,7 @@
         <p:spPr/>
         <p:txBody>
           <a:bodyPr>
-            <a:normAutofit lnSpcReduction="10000"/>
+            <a:normAutofit/>
           </a:bodyPr>
           <a:lstStyle/>
           <a:p>
@@ -9045,62 +8700,6 @@
                 <a:latin typeface="Berlin Sans FB" panose="020E0602020502020306" pitchFamily="34" charset="0"/>
               </a:rPr>
               <a:t>Uitleg zone.</a:t>
-            </a:r>
-          </a:p>
-          <a:p>
-            <a:r>
-              <a:rPr lang="nl-NL" sz="3200" b="1" dirty="0" smtClean="0">
-                <a:ln>
-                  <a:solidFill>
-                    <a:sysClr val="windowText" lastClr="000000"/>
-                  </a:solidFill>
-                </a:ln>
-                <a:effectLst>
-                  <a:outerShdw blurRad="38100" dist="38100" dir="2700000" algn="tl">
-                    <a:srgbClr val="000000">
-                      <a:alpha val="43137"/>
-                    </a:srgbClr>
-                  </a:outerShdw>
-                </a:effectLst>
-                <a:latin typeface="Berlin Sans FB" panose="020E0602020502020306" pitchFamily="34" charset="0"/>
-              </a:rPr>
-              <a:t>Uitleg </a:t>
-            </a:r>
-            <a:r>
-              <a:rPr lang="nl-NL" sz="3200" b="1" dirty="0" err="1" smtClean="0">
-                <a:ln>
-                  <a:solidFill>
-                    <a:sysClr val="windowText" lastClr="000000"/>
-                  </a:solidFill>
-                </a:ln>
-                <a:effectLst>
-                  <a:outerShdw blurRad="38100" dist="38100" dir="2700000" algn="tl">
-                    <a:srgbClr val="000000">
-                      <a:alpha val="43137"/>
-                    </a:srgbClr>
-                  </a:outerShdw>
-                </a:effectLst>
-                <a:latin typeface="Berlin Sans FB" panose="020E0602020502020306" pitchFamily="34" charset="0"/>
-              </a:rPr>
-              <a:t>puzzle</a:t>
-            </a:r>
-            <a:r>
-              <a:rPr lang="nl-NL" sz="3200" b="1" dirty="0" smtClean="0">
-                <a:ln>
-                  <a:solidFill>
-                    <a:sysClr val="windowText" lastClr="000000"/>
-                  </a:solidFill>
-                </a:ln>
-                <a:effectLst>
-                  <a:outerShdw blurRad="38100" dist="38100" dir="2700000" algn="tl">
-                    <a:srgbClr val="000000">
-                      <a:alpha val="43137"/>
-                    </a:srgbClr>
-                  </a:outerShdw>
-                </a:effectLst>
-                <a:latin typeface="Berlin Sans FB" panose="020E0602020502020306" pitchFamily="34" charset="0"/>
-              </a:rPr>
-              <a:t>.</a:t>
             </a:r>
           </a:p>
           <a:p>
@@ -9538,67 +9137,6 @@
                       </p:childTnLst>
                     </p:cTn>
                   </p:par>
-                  <p:par>
-                    <p:cTn id="23" fill="hold">
-                      <p:stCondLst>
-                        <p:cond delay="indefinite"/>
-                      </p:stCondLst>
-                      <p:childTnLst>
-                        <p:par>
-                          <p:cTn id="24" fill="hold">
-                            <p:stCondLst>
-                              <p:cond delay="0"/>
-                            </p:stCondLst>
-                            <p:childTnLst>
-                              <p:par>
-                                <p:cTn id="25" presetID="10" presetClass="entr" presetSubtype="0" fill="hold" grpId="0" nodeType="clickEffect">
-                                  <p:stCondLst>
-                                    <p:cond delay="0"/>
-                                  </p:stCondLst>
-                                  <p:childTnLst>
-                                    <p:set>
-                                      <p:cBhvr>
-                                        <p:cTn id="26" dur="1" fill="hold">
-                                          <p:stCondLst>
-                                            <p:cond delay="0"/>
-                                          </p:stCondLst>
-                                        </p:cTn>
-                                        <p:tgtEl>
-                                          <p:spTgt spid="3">
-                                            <p:txEl>
-                                              <p:pRg st="4" end="4"/>
-                                            </p:txEl>
-                                          </p:spTgt>
-                                        </p:tgtEl>
-                                        <p:attrNameLst>
-                                          <p:attrName>style.visibility</p:attrName>
-                                        </p:attrNameLst>
-                                      </p:cBhvr>
-                                      <p:to>
-                                        <p:strVal val="visible"/>
-                                      </p:to>
-                                    </p:set>
-                                    <p:animEffect transition="in" filter="fade">
-                                      <p:cBhvr>
-                                        <p:cTn id="27" dur="500"/>
-                                        <p:tgtEl>
-                                          <p:spTgt spid="3">
-                                            <p:txEl>
-                                              <p:pRg st="4" end="4"/>
-                                            </p:txEl>
-                                          </p:spTgt>
-                                        </p:tgtEl>
-                                      </p:cBhvr>
-                                    </p:animEffect>
-                                  </p:childTnLst>
-                                </p:cTn>
-                              </p:par>
-                            </p:childTnLst>
-                          </p:cTn>
-                        </p:par>
-                      </p:childTnLst>
-                    </p:cTn>
-                  </p:par>
                 </p:childTnLst>
               </p:cTn>
               <p:prevCondLst>
@@ -10346,9 +9884,9 @@
 </file>
 
 <file path=ppt/theme/theme1.xml><?xml version="1.0" encoding="utf-8"?>
-<a:theme xmlns:a="http://schemas.openxmlformats.org/drawingml/2006/main" name="Hemels">
+<a:theme xmlns:a="http://schemas.openxmlformats.org/drawingml/2006/main" name="Citeerbaar">
   <a:themeElements>
-    <a:clrScheme name="Celestial">
+    <a:clrScheme name="Citeerbaar">
       <a:dk1>
         <a:sysClr val="windowText" lastClr="000000"/>
       </a:dk1>
@@ -10356,83 +9894,48 @@
         <a:sysClr val="window" lastClr="FFFFFF"/>
       </a:lt1>
       <a:dk2>
-        <a:srgbClr val="18276C"/>
+        <a:srgbClr val="212121"/>
       </a:dk2>
       <a:lt2>
-        <a:srgbClr val="EBEBEB"/>
+        <a:srgbClr val="636363"/>
       </a:lt2>
       <a:accent1>
-        <a:srgbClr val="AC3EC1"/>
+        <a:srgbClr val="00C6BB"/>
       </a:accent1>
       <a:accent2>
-        <a:srgbClr val="477BD1"/>
+        <a:srgbClr val="6FEBA0"/>
       </a:accent2>
       <a:accent3>
-        <a:srgbClr val="46B298"/>
+        <a:srgbClr val="B6DF5E"/>
       </a:accent3>
       <a:accent4>
-        <a:srgbClr val="90BA4C"/>
+        <a:srgbClr val="EFB251"/>
       </a:accent4>
       <a:accent5>
-        <a:srgbClr val="DD9D31"/>
+        <a:srgbClr val="EF755F"/>
       </a:accent5>
       <a:accent6>
-        <a:srgbClr val="E25247"/>
+        <a:srgbClr val="ED515C"/>
       </a:accent6>
       <a:hlink>
-        <a:srgbClr val="C573D2"/>
+        <a:srgbClr val="8F8F8F"/>
       </a:hlink>
       <a:folHlink>
-        <a:srgbClr val="CCAEE8"/>
+        <a:srgbClr val="A5A5A5"/>
       </a:folHlink>
     </a:clrScheme>
-    <a:fontScheme name="Celestial">
+    <a:fontScheme name="Citeerbaar">
       <a:majorFont>
-        <a:latin typeface="Calibri Light" panose="020F0302020204030204"/>
+        <a:latin typeface="Century Gothic" panose="020B0502020202020204"/>
         <a:ea typeface=""/>
         <a:cs typeface=""/>
-        <a:font script="Jpan" typeface="ＭＳ Ｐゴシック"/>
+        <a:font script="Jpan" typeface="ＭＳ ゴシック"/>
         <a:font script="Hang" typeface="맑은 고딕"/>
         <a:font script="Hans" typeface="宋体"/>
         <a:font script="Hant" typeface="新細明體"/>
-        <a:font script="Arab" typeface="Times New Roman"/>
-        <a:font script="Hebr" typeface="Times New Roman"/>
-        <a:font script="Thai" typeface="Angsana New"/>
-        <a:font script="Ethi" typeface="Nyala"/>
-        <a:font script="Beng" typeface="Vrinda"/>
-        <a:font script="Gujr" typeface="Shruti"/>
-        <a:font script="Khmr" typeface="MoolBoran"/>
-        <a:font script="Knda" typeface="Tunga"/>
-        <a:font script="Guru" typeface="Raavi"/>
-        <a:font script="Cans" typeface="Euphemia"/>
-        <a:font script="Cher" typeface="Plantagenet Cherokee"/>
-        <a:font script="Yiii" typeface="Microsoft Yi Baiti"/>
-        <a:font script="Tibt" typeface="Microsoft Himalaya"/>
-        <a:font script="Thaa" typeface="MV Boli"/>
-        <a:font script="Deva" typeface="Mangal"/>
-        <a:font script="Telu" typeface="Gautami"/>
-        <a:font script="Taml" typeface="Latha"/>
-        <a:font script="Syrc" typeface="Estrangelo Edessa"/>
-        <a:font script="Orya" typeface="Kalinga"/>
-        <a:font script="Mlym" typeface="Kartika"/>
-        <a:font script="Laoo" typeface="DokChampa"/>
-        <a:font script="Sinh" typeface="Iskoola Pota"/>
-        <a:font script="Mong" typeface="Mongolian Baiti"/>
-        <a:font script="Viet" typeface="Times New Roman"/>
-        <a:font script="Uigh" typeface="Microsoft Uighur"/>
-        <a:font script="Geor" typeface="Sylfaen"/>
-      </a:majorFont>
-      <a:minorFont>
-        <a:latin typeface="Calibri" panose="020F0502020204030204"/>
-        <a:ea typeface=""/>
-        <a:cs typeface=""/>
-        <a:font script="Jpan" typeface="ＭＳ Ｐゴシック"/>
-        <a:font script="Hang" typeface="맑은 고딕"/>
-        <a:font script="Hans" typeface="宋体"/>
-        <a:font script="Hant" typeface="新細明體"/>
-        <a:font script="Arab" typeface="Arial"/>
-        <a:font script="Hebr" typeface="Arial"/>
-        <a:font script="Thai" typeface="Cordia New"/>
+        <a:font script="Arab" typeface="Tahoma"/>
+        <a:font script="Hebr" typeface="Gisha"/>
+        <a:font script="Thai" typeface="DilleniaUPC"/>
         <a:font script="Ethi" typeface="Nyala"/>
         <a:font script="Beng" typeface="Vrinda"/>
         <a:font script="Gujr" typeface="Shruti"/>
@@ -10453,12 +9956,47 @@
         <a:font script="Laoo" typeface="DokChampa"/>
         <a:font script="Sinh" typeface="Iskoola Pota"/>
         <a:font script="Mong" typeface="Mongolian Baiti"/>
-        <a:font script="Viet" typeface="Arial"/>
+        <a:font script="Viet" typeface="Tahoma"/>
+        <a:font script="Uigh" typeface="Microsoft Uighur"/>
+        <a:font script="Geor" typeface="Sylfaen"/>
+      </a:majorFont>
+      <a:minorFont>
+        <a:latin typeface="Century Gothic" panose="020B0502020202020204"/>
+        <a:ea typeface=""/>
+        <a:cs typeface=""/>
+        <a:font script="Jpan" typeface="ＭＳ ゴシック"/>
+        <a:font script="Hang" typeface="맑은 고딕"/>
+        <a:font script="Hans" typeface="宋体"/>
+        <a:font script="Hant" typeface="新細明體"/>
+        <a:font script="Arab" typeface="Tahoma"/>
+        <a:font script="Hebr" typeface="Gisha"/>
+        <a:font script="Thai" typeface="DilleniaUPC"/>
+        <a:font script="Ethi" typeface="Nyala"/>
+        <a:font script="Beng" typeface="Vrinda"/>
+        <a:font script="Gujr" typeface="Shruti"/>
+        <a:font script="Khmr" typeface="DaunPenh"/>
+        <a:font script="Knda" typeface="Tunga"/>
+        <a:font script="Guru" typeface="Raavi"/>
+        <a:font script="Cans" typeface="Euphemia"/>
+        <a:font script="Cher" typeface="Plantagenet Cherokee"/>
+        <a:font script="Yiii" typeface="Microsoft Yi Baiti"/>
+        <a:font script="Tibt" typeface="Microsoft Himalaya"/>
+        <a:font script="Thaa" typeface="MV Boli"/>
+        <a:font script="Deva" typeface="Mangal"/>
+        <a:font script="Telu" typeface="Gautami"/>
+        <a:font script="Taml" typeface="Latha"/>
+        <a:font script="Syrc" typeface="Estrangelo Edessa"/>
+        <a:font script="Orya" typeface="Kalinga"/>
+        <a:font script="Mlym" typeface="Kartika"/>
+        <a:font script="Laoo" typeface="DokChampa"/>
+        <a:font script="Sinh" typeface="Iskoola Pota"/>
+        <a:font script="Mong" typeface="Mongolian Baiti"/>
+        <a:font script="Viet" typeface="Verdana"/>
         <a:font script="Uigh" typeface="Microsoft Uighur"/>
         <a:font script="Geor" typeface="Sylfaen"/>
       </a:minorFont>
     </a:fontScheme>
-    <a:fmtScheme name="Celestial">
+    <a:fmtScheme name="Citeerbaar">
       <a:fillStyleLst>
         <a:solidFill>
           <a:schemeClr val="phClr"/>
@@ -10467,36 +10005,33 @@
           <a:gsLst>
             <a:gs pos="0">
               <a:schemeClr val="phClr">
-                <a:tint val="70000"/>
-                <a:lumMod val="110000"/>
+                <a:tint val="80000"/>
+                <a:lumMod val="105000"/>
               </a:schemeClr>
             </a:gs>
             <a:gs pos="100000">
               <a:schemeClr val="phClr">
-                <a:tint val="82000"/>
-                <a:alpha val="74000"/>
+                <a:tint val="90000"/>
               </a:schemeClr>
             </a:gs>
           </a:gsLst>
           <a:lin ang="5400000" scaled="0"/>
         </a:gradFill>
-        <a:gradFill rotWithShape="1">
-          <a:gsLst>
-            <a:gs pos="0">
+        <a:blipFill rotWithShape="1">
+          <a:blip xmlns:r="http://schemas.openxmlformats.org/officeDocument/2006/relationships" r:embed="rId1">
+            <a:duotone>
               <a:schemeClr val="phClr">
                 <a:tint val="98000"/>
-                <a:lumMod val="100000"/>
+                <a:lumMod val="102000"/>
               </a:schemeClr>
-            </a:gs>
-            <a:gs pos="100000">
               <a:schemeClr val="phClr">
-                <a:shade val="88000"/>
-                <a:lumMod val="88000"/>
+                <a:shade val="98000"/>
+                <a:lumMod val="98000"/>
               </a:schemeClr>
-            </a:gs>
-          </a:gsLst>
-          <a:lin ang="5400000" scaled="1"/>
-        </a:gradFill>
+            </a:duotone>
+          </a:blip>
+          <a:tile tx="0" ty="0" sx="100000" sy="100000" flip="none" algn="tl"/>
+        </a:blipFill>
       </a:fillStyleLst>
       <a:lnStyleLst>
         <a:ln w="9525" cap="rnd" cmpd="sng" algn="ctr">
@@ -10505,7 +10040,7 @@
           </a:solidFill>
           <a:prstDash val="solid"/>
         </a:ln>
-        <a:ln w="19050" cap="rnd" cmpd="sng" algn="ctr">
+        <a:ln w="15875" cap="rnd" cmpd="sng" algn="ctr">
           <a:solidFill>
             <a:schemeClr val="phClr"/>
           </a:solidFill>
@@ -10523,33 +10058,16 @@
           <a:effectLst/>
         </a:effectStyle>
         <a:effectStyle>
-          <a:effectLst>
-            <a:outerShdw blurRad="50800" dist="38100" dir="5400000" rotWithShape="0">
-              <a:srgbClr val="000000">
-                <a:alpha val="35000"/>
-              </a:srgbClr>
-            </a:outerShdw>
-          </a:effectLst>
+          <a:effectLst/>
         </a:effectStyle>
         <a:effectStyle>
           <a:effectLst>
-            <a:outerShdw blurRad="63500" dist="38100" dir="5400000" rotWithShape="0">
+            <a:innerShdw blurRad="63500" dist="25400" dir="13500000">
               <a:srgbClr val="000000">
-                <a:alpha val="65000"/>
+                <a:alpha val="75000"/>
               </a:srgbClr>
-            </a:outerShdw>
+            </a:innerShdw>
           </a:effectLst>
-          <a:scene3d>
-            <a:camera prst="orthographicFront">
-              <a:rot lat="0" lon="0" rev="0"/>
-            </a:camera>
-            <a:lightRig rig="threePt" dir="tl">
-              <a:rot lat="0" lon="0" rev="1200000"/>
-            </a:lightRig>
-          </a:scene3d>
-          <a:sp3d>
-            <a:bevelT w="38100" h="12700"/>
-          </a:sp3d>
         </a:effectStyle>
       </a:effectStyleLst>
       <a:bgFillStyleLst>
@@ -10560,27 +10078,35 @@
           <a:gsLst>
             <a:gs pos="0">
               <a:schemeClr val="phClr">
-                <a:tint val="90000"/>
-                <a:shade val="96000"/>
-                <a:hueMod val="100000"/>
-                <a:satMod val="180000"/>
-                <a:lumMod val="110000"/>
+                <a:tint val="100000"/>
               </a:schemeClr>
             </a:gs>
             <a:gs pos="100000">
               <a:schemeClr val="phClr">
-                <a:shade val="96000"/>
-                <a:satMod val="160000"/>
-                <a:lumMod val="100000"/>
+                <a:tint val="84000"/>
+                <a:shade val="84000"/>
+                <a:lumMod val="90000"/>
               </a:schemeClr>
             </a:gs>
           </a:gsLst>
-          <a:lin ang="4740000" scaled="1"/>
+          <a:lin ang="5400000" scaled="0"/>
         </a:gradFill>
-        <a:blipFill>
-          <a:blip xmlns:r="http://schemas.openxmlformats.org/officeDocument/2006/relationships" r:embed="rId1"/>
-          <a:stretch/>
-        </a:blipFill>
+        <a:gradFill rotWithShape="1">
+          <a:gsLst>
+            <a:gs pos="0">
+              <a:schemeClr val="phClr">
+                <a:tint val="84000"/>
+                <a:shade val="90000"/>
+                <a:satMod val="120000"/>
+                <a:lumMod val="90000"/>
+              </a:schemeClr>
+            </a:gs>
+            <a:gs pos="100000">
+              <a:schemeClr val="phClr"/>
+            </a:gs>
+          </a:gsLst>
+          <a:lin ang="5400000" scaled="0"/>
+        </a:gradFill>
       </a:bgFillStyleLst>
     </a:fmtScheme>
   </a:themeElements>
@@ -10588,7 +10114,7 @@
   <a:extraClrSchemeLst/>
   <a:extLst>
     <a:ext uri="{05A4C25C-085E-4340-85A3-A5531E510DB2}">
-      <thm15:themeFamily xmlns:thm15="http://schemas.microsoft.com/office/thememl/2012/main" name="Celestial" id="{C4BB2A3D-0E93-4C5F-B0D2-9D3FCE089CC5}" vid="{42E5908D-19A2-46FD-89FA-638B126129EF}"/>
+      <thm15:themeFamily xmlns:thm15="http://schemas.microsoft.com/office/thememl/2012/main" name="Quotable" id="{39EC5628-30ED-4578-ACD8-9820EDB8E15A}" vid="{6F3559E9-1A4C-49D8-94D4-F41003531C49}"/>
     </a:ext>
   </a:extLst>
 </a:theme>
